--- a/research/Thomson Reuters GRA/Documentation/Poster.pptx
+++ b/research/Thomson Reuters GRA/Documentation/Poster.pptx
@@ -126,6 +126,12 @@
 </p:presentation>
 </file>
 
+<file path=ppt/commentAuthors.xml><?xml version="1.0" encoding="utf-8"?>
+<p:cmAuthorLst xmlns:a="http://schemas.openxmlformats.org/drawingml/2006/main" xmlns:r="http://schemas.openxmlformats.org/officeDocument/2006/relationships" xmlns:p="http://schemas.openxmlformats.org/presentationml/2006/main">
+  <p:cmAuthor id="0" name="Matthew Gerber" initials="" lastIdx="9" clrIdx="0"/>
+</p:cmAuthorLst>
+</file>
+
 <file path=ppt/charts/chart1.xml><?xml version="1.0" encoding="utf-8"?>
 <c:chartSpace xmlns:c="http://schemas.openxmlformats.org/drawingml/2006/chart" xmlns:a="http://schemas.openxmlformats.org/drawingml/2006/main" xmlns:r="http://schemas.openxmlformats.org/officeDocument/2006/relationships">
   <c:date1904 val="0"/>
@@ -161,13 +167,13 @@
             </a:pPr>
             <a:r>
               <a:rPr lang="en-US" dirty="0" smtClean="0"/>
-              <a:t>Federal</a:t>
+              <a:t>Historical Federal Spending on Legal Aid</a:t>
             </a:r>
             <a:r>
-              <a:rPr lang="en-US" baseline="0" dirty="0" smtClean="0"/>
-              <a:t> Budget for Legal Services Corp</a:t>
+              <a:rPr lang="en-US" u="sng" baseline="30000" dirty="0" smtClean="0"/>
+              <a:t>2</a:t>
             </a:r>
-            <a:endParaRPr lang="en-US" dirty="0"/>
+            <a:endParaRPr lang="en-US" u="sng" baseline="30000" dirty="0"/>
           </a:p>
         </c:rich>
       </c:tx>
@@ -257,19 +263,19 @@
             <c:numRef>
               <c:f>Sheet1!$B$2:$B$5</c:f>
               <c:numCache>
-                <c:formatCode>General</c:formatCode>
+                <c:formatCode>"$"#,##0_);[Red]\("$"#,##0\)</c:formatCode>
                 <c:ptCount val="4"/>
-                <c:pt idx="0" formatCode="&quot;$&quot;#,##0_);[Red]\(&quot;$&quot;#,##0\)">
-                  <c:v>341</c:v>
+                <c:pt idx="0">
+                  <c:v>341000000</c:v>
                 </c:pt>
                 <c:pt idx="1">
-                  <c:v>365</c:v>
+                  <c:v>365000000</c:v>
                 </c:pt>
                 <c:pt idx="2">
-                  <c:v>375</c:v>
+                  <c:v>375000000</c:v>
                 </c:pt>
                 <c:pt idx="3">
-                  <c:v>352</c:v>
+                  <c:v>352000000</c:v>
                 </c:pt>
               </c:numCache>
             </c:numRef>
@@ -285,11 +291,11 @@
           <c:showBubbleSize val="0"/>
         </c:dLbls>
         <c:smooth val="0"/>
-        <c:axId val="465556200"/>
-        <c:axId val="465557768"/>
+        <c:axId val="324892176"/>
+        <c:axId val="324892960"/>
       </c:lineChart>
       <c:catAx>
-        <c:axId val="465556200"/>
+        <c:axId val="324892176"/>
         <c:scaling>
           <c:orientation val="minMax"/>
         </c:scaling>
@@ -332,7 +338,7 @@
             <a:endParaRPr lang="en-US"/>
           </a:p>
         </c:txPr>
-        <c:crossAx val="465557768"/>
+        <c:crossAx val="324892960"/>
         <c:crosses val="autoZero"/>
         <c:auto val="1"/>
         <c:lblAlgn val="ctr"/>
@@ -340,7 +346,7 @@
         <c:noMultiLvlLbl val="0"/>
       </c:catAx>
       <c:valAx>
-        <c:axId val="465557768"/>
+        <c:axId val="324892960"/>
         <c:scaling>
           <c:orientation val="minMax"/>
         </c:scaling>
@@ -391,9 +397,42 @@
             <a:endParaRPr lang="en-US"/>
           </a:p>
         </c:txPr>
-        <c:crossAx val="465556200"/>
+        <c:crossAx val="324892176"/>
         <c:crosses val="autoZero"/>
         <c:crossBetween val="between"/>
+        <c:dispUnits>
+          <c:builtInUnit val="millions"/>
+          <c:dispUnitsLbl>
+            <c:layout/>
+            <c:spPr>
+              <a:noFill/>
+              <a:ln>
+                <a:noFill/>
+              </a:ln>
+              <a:effectLst/>
+            </c:spPr>
+            <c:txPr>
+              <a:bodyPr rot="-5400000" spcFirstLastPara="1" vertOverflow="ellipsis" vert="horz" wrap="square" anchor="ctr" anchorCtr="1"/>
+              <a:lstStyle/>
+              <a:p>
+                <a:pPr>
+                  <a:defRPr sz="1330" b="0" i="0" u="none" strike="noStrike" kern="1200" baseline="0">
+                    <a:solidFill>
+                      <a:schemeClr val="tx1">
+                        <a:lumMod val="65000"/>
+                        <a:lumOff val="35000"/>
+                      </a:schemeClr>
+                    </a:solidFill>
+                    <a:latin typeface="+mn-lt"/>
+                    <a:ea typeface="+mn-ea"/>
+                    <a:cs typeface="+mn-cs"/>
+                  </a:defRPr>
+                </a:pPr>
+                <a:endParaRPr lang="en-US"/>
+              </a:p>
+            </c:txPr>
+          </c:dispUnitsLbl>
+        </c:dispUnits>
       </c:valAx>
       <c:spPr>
         <a:noFill/>
@@ -986,6 +1025,5653 @@
 </cs:chartStyle>
 </file>
 
+<file path=ppt/comments/comment1.xml><?xml version="1.0" encoding="utf-8"?>
+<p:cmLst xmlns:a="http://schemas.openxmlformats.org/drawingml/2006/main" xmlns:r="http://schemas.openxmlformats.org/officeDocument/2006/relationships" xmlns:p="http://schemas.openxmlformats.org/presentationml/2006/main">
+  <p:cm authorId="0" dt="2017-04-17T14:14:00.049" idx="4">
+    <p:pos x="4032" y="5223"/>
+    <p:text>Break this down into the following:
+Hypotheses
+Data
+Analysis
+Current Results
+Planned Results
+As much as possible, use terminology grounded in our email exchanges with Dan. We need to check with him to determine how much TR wants to disclose about the project.</p:text>
+  </p:cm>
+  <p:cm authorId="0" dt="2017-04-17T14:14:43.777" idx="5">
+    <p:pos x="6803" y="6347"/>
+    <p:text>These three shapes don't add information.</p:text>
+  </p:cm>
+  <p:cm authorId="0" dt="2017-04-17T14:17:59.694" idx="6">
+    <p:pos x="5015" y="5689"/>
+    <p:text>Replace the general terminology here with terms from the domain. 
+If we're going to contribute something particular to the RL/IRL community, be specific and use their terminology.
+Add publications and conferences/journals where these publications might go. Email Michael Livermore for ideas about where to publish.</p:text>
+  </p:cm>
+  <p:cm authorId="0" dt="2017-04-17T14:18:56.635" idx="8">
+    <p:pos x="9177" y="878"/>
+    <p:text>Need to email Dan to see what TR wants to disclose and how they want to do it.</p:text>
+  </p:cm>
+  <p:cm authorId="0" dt="2017-04-17T14:27:05.404" idx="9">
+    <p:pos x="9695" y="6714"/>
+    <p:text>Add a section or region for references, and cite appropriate material.</p:text>
+  </p:cm>
+</p:cmLst>
+</file>
+
+<file path=ppt/diagrams/colors1.xml><?xml version="1.0" encoding="utf-8"?>
+<dgm:colorsDef xmlns:dgm="http://schemas.openxmlformats.org/drawingml/2006/diagram" xmlns:a="http://schemas.openxmlformats.org/drawingml/2006/main" uniqueId="urn:microsoft.com/office/officeart/2005/8/colors/accent1_2">
+  <dgm:title val=""/>
+  <dgm:desc val=""/>
+  <dgm:catLst>
+    <dgm:cat type="accent1" pri="11200"/>
+  </dgm:catLst>
+  <dgm:styleLbl name="node0">
+    <dgm:fillClrLst meth="repeat">
+      <a:schemeClr val="accent1"/>
+    </dgm:fillClrLst>
+    <dgm:linClrLst meth="repeat">
+      <a:schemeClr val="lt1"/>
+    </dgm:linClrLst>
+    <dgm:effectClrLst/>
+    <dgm:txLinClrLst/>
+    <dgm:txFillClrLst/>
+    <dgm:txEffectClrLst/>
+  </dgm:styleLbl>
+  <dgm:styleLbl name="alignNode1">
+    <dgm:fillClrLst meth="repeat">
+      <a:schemeClr val="accent1"/>
+    </dgm:fillClrLst>
+    <dgm:linClrLst meth="repeat">
+      <a:schemeClr val="accent1"/>
+    </dgm:linClrLst>
+    <dgm:effectClrLst/>
+    <dgm:txLinClrLst/>
+    <dgm:txFillClrLst/>
+    <dgm:txEffectClrLst/>
+  </dgm:styleLbl>
+  <dgm:styleLbl name="node1">
+    <dgm:fillClrLst meth="repeat">
+      <a:schemeClr val="accent1"/>
+    </dgm:fillClrLst>
+    <dgm:linClrLst meth="repeat">
+      <a:schemeClr val="lt1"/>
+    </dgm:linClrLst>
+    <dgm:effectClrLst/>
+    <dgm:txLinClrLst/>
+    <dgm:txFillClrLst/>
+    <dgm:txEffectClrLst/>
+  </dgm:styleLbl>
+  <dgm:styleLbl name="lnNode1">
+    <dgm:fillClrLst meth="repeat">
+      <a:schemeClr val="accent1"/>
+    </dgm:fillClrLst>
+    <dgm:linClrLst meth="repeat">
+      <a:schemeClr val="lt1"/>
+    </dgm:linClrLst>
+    <dgm:effectClrLst/>
+    <dgm:txLinClrLst/>
+    <dgm:txFillClrLst/>
+    <dgm:txEffectClrLst/>
+  </dgm:styleLbl>
+  <dgm:styleLbl name="vennNode1">
+    <dgm:fillClrLst meth="repeat">
+      <a:schemeClr val="accent1">
+        <a:alpha val="50000"/>
+      </a:schemeClr>
+    </dgm:fillClrLst>
+    <dgm:linClrLst meth="repeat">
+      <a:schemeClr val="lt1"/>
+    </dgm:linClrLst>
+    <dgm:effectClrLst/>
+    <dgm:txLinClrLst/>
+    <dgm:txFillClrLst/>
+    <dgm:txEffectClrLst/>
+  </dgm:styleLbl>
+  <dgm:styleLbl name="node2">
+    <dgm:fillClrLst meth="repeat">
+      <a:schemeClr val="accent1"/>
+    </dgm:fillClrLst>
+    <dgm:linClrLst meth="repeat">
+      <a:schemeClr val="lt1"/>
+    </dgm:linClrLst>
+    <dgm:effectClrLst/>
+    <dgm:txLinClrLst/>
+    <dgm:txFillClrLst/>
+    <dgm:txEffectClrLst/>
+  </dgm:styleLbl>
+  <dgm:styleLbl name="node3">
+    <dgm:fillClrLst meth="repeat">
+      <a:schemeClr val="accent1"/>
+    </dgm:fillClrLst>
+    <dgm:linClrLst meth="repeat">
+      <a:schemeClr val="lt1"/>
+    </dgm:linClrLst>
+    <dgm:effectClrLst/>
+    <dgm:txLinClrLst/>
+    <dgm:txFillClrLst/>
+    <dgm:txEffectClrLst/>
+  </dgm:styleLbl>
+  <dgm:styleLbl name="node4">
+    <dgm:fillClrLst meth="repeat">
+      <a:schemeClr val="accent1"/>
+    </dgm:fillClrLst>
+    <dgm:linClrLst meth="repeat">
+      <a:schemeClr val="lt1"/>
+    </dgm:linClrLst>
+    <dgm:effectClrLst/>
+    <dgm:txLinClrLst/>
+    <dgm:txFillClrLst/>
+    <dgm:txEffectClrLst/>
+  </dgm:styleLbl>
+  <dgm:styleLbl name="fgImgPlace1">
+    <dgm:fillClrLst meth="repeat">
+      <a:schemeClr val="accent1">
+        <a:tint val="50000"/>
+      </a:schemeClr>
+    </dgm:fillClrLst>
+    <dgm:linClrLst meth="repeat">
+      <a:schemeClr val="lt1"/>
+    </dgm:linClrLst>
+    <dgm:effectClrLst/>
+    <dgm:txLinClrLst/>
+    <dgm:txFillClrLst meth="repeat">
+      <a:schemeClr val="lt1"/>
+    </dgm:txFillClrLst>
+    <dgm:txEffectClrLst/>
+  </dgm:styleLbl>
+  <dgm:styleLbl name="alignImgPlace1">
+    <dgm:fillClrLst meth="repeat">
+      <a:schemeClr val="accent1">
+        <a:tint val="50000"/>
+      </a:schemeClr>
+    </dgm:fillClrLst>
+    <dgm:linClrLst meth="repeat">
+      <a:schemeClr val="lt1"/>
+    </dgm:linClrLst>
+    <dgm:effectClrLst/>
+    <dgm:txLinClrLst/>
+    <dgm:txFillClrLst meth="repeat">
+      <a:schemeClr val="lt1"/>
+    </dgm:txFillClrLst>
+    <dgm:txEffectClrLst/>
+  </dgm:styleLbl>
+  <dgm:styleLbl name="bgImgPlace1">
+    <dgm:fillClrLst meth="repeat">
+      <a:schemeClr val="accent1">
+        <a:tint val="50000"/>
+      </a:schemeClr>
+    </dgm:fillClrLst>
+    <dgm:linClrLst meth="repeat">
+      <a:schemeClr val="lt1"/>
+    </dgm:linClrLst>
+    <dgm:effectClrLst/>
+    <dgm:txLinClrLst/>
+    <dgm:txFillClrLst meth="repeat">
+      <a:schemeClr val="lt1"/>
+    </dgm:txFillClrLst>
+    <dgm:txEffectClrLst/>
+  </dgm:styleLbl>
+  <dgm:styleLbl name="sibTrans2D1">
+    <dgm:fillClrLst meth="repeat">
+      <a:schemeClr val="accent1">
+        <a:tint val="60000"/>
+      </a:schemeClr>
+    </dgm:fillClrLst>
+    <dgm:linClrLst meth="repeat">
+      <a:schemeClr val="accent1">
+        <a:tint val="60000"/>
+      </a:schemeClr>
+    </dgm:linClrLst>
+    <dgm:effectClrLst/>
+    <dgm:txLinClrLst/>
+    <dgm:txFillClrLst/>
+    <dgm:txEffectClrLst/>
+  </dgm:styleLbl>
+  <dgm:styleLbl name="fgSibTrans2D1">
+    <dgm:fillClrLst meth="repeat">
+      <a:schemeClr val="accent1">
+        <a:tint val="60000"/>
+      </a:schemeClr>
+    </dgm:fillClrLst>
+    <dgm:linClrLst meth="repeat">
+      <a:schemeClr val="accent1">
+        <a:tint val="60000"/>
+      </a:schemeClr>
+    </dgm:linClrLst>
+    <dgm:effectClrLst/>
+    <dgm:txLinClrLst/>
+    <dgm:txFillClrLst/>
+    <dgm:txEffectClrLst/>
+  </dgm:styleLbl>
+  <dgm:styleLbl name="bgSibTrans2D1">
+    <dgm:fillClrLst meth="repeat">
+      <a:schemeClr val="accent1">
+        <a:tint val="60000"/>
+      </a:schemeClr>
+    </dgm:fillClrLst>
+    <dgm:linClrLst meth="repeat">
+      <a:schemeClr val="accent1">
+        <a:tint val="60000"/>
+      </a:schemeClr>
+    </dgm:linClrLst>
+    <dgm:effectClrLst/>
+    <dgm:txLinClrLst/>
+    <dgm:txFillClrLst/>
+    <dgm:txEffectClrLst/>
+  </dgm:styleLbl>
+  <dgm:styleLbl name="sibTrans1D1">
+    <dgm:fillClrLst meth="repeat">
+      <a:schemeClr val="accent1"/>
+    </dgm:fillClrLst>
+    <dgm:linClrLst meth="repeat">
+      <a:schemeClr val="accent1"/>
+    </dgm:linClrLst>
+    <dgm:effectClrLst/>
+    <dgm:txLinClrLst/>
+    <dgm:txFillClrLst meth="repeat">
+      <a:schemeClr val="tx1"/>
+    </dgm:txFillClrLst>
+    <dgm:txEffectClrLst/>
+  </dgm:styleLbl>
+  <dgm:styleLbl name="callout">
+    <dgm:fillClrLst meth="repeat">
+      <a:schemeClr val="accent1"/>
+    </dgm:fillClrLst>
+    <dgm:linClrLst meth="repeat">
+      <a:schemeClr val="accent1">
+        <a:tint val="50000"/>
+      </a:schemeClr>
+    </dgm:linClrLst>
+    <dgm:effectClrLst/>
+    <dgm:txLinClrLst/>
+    <dgm:txFillClrLst meth="repeat">
+      <a:schemeClr val="tx1"/>
+    </dgm:txFillClrLst>
+    <dgm:txEffectClrLst/>
+  </dgm:styleLbl>
+  <dgm:styleLbl name="asst0">
+    <dgm:fillClrLst meth="repeat">
+      <a:schemeClr val="accent1"/>
+    </dgm:fillClrLst>
+    <dgm:linClrLst meth="repeat">
+      <a:schemeClr val="lt1"/>
+    </dgm:linClrLst>
+    <dgm:effectClrLst/>
+    <dgm:txLinClrLst/>
+    <dgm:txFillClrLst/>
+    <dgm:txEffectClrLst/>
+  </dgm:styleLbl>
+  <dgm:styleLbl name="asst1">
+    <dgm:fillClrLst meth="repeat">
+      <a:schemeClr val="accent1"/>
+    </dgm:fillClrLst>
+    <dgm:linClrLst meth="repeat">
+      <a:schemeClr val="lt1"/>
+    </dgm:linClrLst>
+    <dgm:effectClrLst/>
+    <dgm:txLinClrLst/>
+    <dgm:txFillClrLst/>
+    <dgm:txEffectClrLst/>
+  </dgm:styleLbl>
+  <dgm:styleLbl name="asst2">
+    <dgm:fillClrLst meth="repeat">
+      <a:schemeClr val="accent1"/>
+    </dgm:fillClrLst>
+    <dgm:linClrLst meth="repeat">
+      <a:schemeClr val="lt1"/>
+    </dgm:linClrLst>
+    <dgm:effectClrLst/>
+    <dgm:txLinClrLst/>
+    <dgm:txFillClrLst/>
+    <dgm:txEffectClrLst/>
+  </dgm:styleLbl>
+  <dgm:styleLbl name="asst3">
+    <dgm:fillClrLst meth="repeat">
+      <a:schemeClr val="accent1"/>
+    </dgm:fillClrLst>
+    <dgm:linClrLst meth="repeat">
+      <a:schemeClr val="lt1"/>
+    </dgm:linClrLst>
+    <dgm:effectClrLst/>
+    <dgm:txLinClrLst/>
+    <dgm:txFillClrLst/>
+    <dgm:txEffectClrLst/>
+  </dgm:styleLbl>
+  <dgm:styleLbl name="asst4">
+    <dgm:fillClrLst meth="repeat">
+      <a:schemeClr val="accent1"/>
+    </dgm:fillClrLst>
+    <dgm:linClrLst meth="repeat">
+      <a:schemeClr val="lt1"/>
+    </dgm:linClrLst>
+    <dgm:effectClrLst/>
+    <dgm:txLinClrLst/>
+    <dgm:txFillClrLst/>
+    <dgm:txEffectClrLst/>
+  </dgm:styleLbl>
+  <dgm:styleLbl name="parChTrans2D1">
+    <dgm:fillClrLst meth="repeat">
+      <a:schemeClr val="accent1">
+        <a:tint val="60000"/>
+      </a:schemeClr>
+    </dgm:fillClrLst>
+    <dgm:linClrLst meth="repeat">
+      <a:schemeClr val="accent1">
+        <a:tint val="60000"/>
+      </a:schemeClr>
+    </dgm:linClrLst>
+    <dgm:effectClrLst/>
+    <dgm:txLinClrLst/>
+    <dgm:txFillClrLst meth="repeat">
+      <a:schemeClr val="lt1"/>
+    </dgm:txFillClrLst>
+    <dgm:txEffectClrLst/>
+  </dgm:styleLbl>
+  <dgm:styleLbl name="parChTrans2D2">
+    <dgm:fillClrLst meth="repeat">
+      <a:schemeClr val="accent1"/>
+    </dgm:fillClrLst>
+    <dgm:linClrLst meth="repeat">
+      <a:schemeClr val="accent1"/>
+    </dgm:linClrLst>
+    <dgm:effectClrLst/>
+    <dgm:txLinClrLst/>
+    <dgm:txFillClrLst meth="repeat">
+      <a:schemeClr val="lt1"/>
+    </dgm:txFillClrLst>
+    <dgm:txEffectClrLst/>
+  </dgm:styleLbl>
+  <dgm:styleLbl name="parChTrans2D3">
+    <dgm:fillClrLst meth="repeat">
+      <a:schemeClr val="accent1"/>
+    </dgm:fillClrLst>
+    <dgm:linClrLst meth="repeat">
+      <a:schemeClr val="accent1"/>
+    </dgm:linClrLst>
+    <dgm:effectClrLst/>
+    <dgm:txLinClrLst/>
+    <dgm:txFillClrLst meth="repeat">
+      <a:schemeClr val="lt1"/>
+    </dgm:txFillClrLst>
+    <dgm:txEffectClrLst/>
+  </dgm:styleLbl>
+  <dgm:styleLbl name="parChTrans2D4">
+    <dgm:fillClrLst meth="repeat">
+      <a:schemeClr val="accent1"/>
+    </dgm:fillClrLst>
+    <dgm:linClrLst meth="repeat">
+      <a:schemeClr val="accent1"/>
+    </dgm:linClrLst>
+    <dgm:effectClrLst/>
+    <dgm:txLinClrLst/>
+    <dgm:txFillClrLst meth="repeat">
+      <a:schemeClr val="lt1"/>
+    </dgm:txFillClrLst>
+    <dgm:txEffectClrLst/>
+  </dgm:styleLbl>
+  <dgm:styleLbl name="parChTrans1D1">
+    <dgm:fillClrLst meth="repeat">
+      <a:schemeClr val="accent1"/>
+    </dgm:fillClrLst>
+    <dgm:linClrLst meth="repeat">
+      <a:schemeClr val="accent1">
+        <a:shade val="60000"/>
+      </a:schemeClr>
+    </dgm:linClrLst>
+    <dgm:effectClrLst/>
+    <dgm:txLinClrLst/>
+    <dgm:txFillClrLst meth="repeat">
+      <a:schemeClr val="tx1"/>
+    </dgm:txFillClrLst>
+    <dgm:txEffectClrLst/>
+  </dgm:styleLbl>
+  <dgm:styleLbl name="parChTrans1D2">
+    <dgm:fillClrLst meth="repeat">
+      <a:schemeClr val="accent1"/>
+    </dgm:fillClrLst>
+    <dgm:linClrLst meth="repeat">
+      <a:schemeClr val="accent1">
+        <a:shade val="60000"/>
+      </a:schemeClr>
+    </dgm:linClrLst>
+    <dgm:effectClrLst/>
+    <dgm:txLinClrLst/>
+    <dgm:txFillClrLst meth="repeat">
+      <a:schemeClr val="tx1"/>
+    </dgm:txFillClrLst>
+    <dgm:txEffectClrLst/>
+  </dgm:styleLbl>
+  <dgm:styleLbl name="parChTrans1D3">
+    <dgm:fillClrLst meth="repeat">
+      <a:schemeClr val="accent1"/>
+    </dgm:fillClrLst>
+    <dgm:linClrLst meth="repeat">
+      <a:schemeClr val="accent1">
+        <a:shade val="80000"/>
+      </a:schemeClr>
+    </dgm:linClrLst>
+    <dgm:effectClrLst/>
+    <dgm:txLinClrLst/>
+    <dgm:txFillClrLst meth="repeat">
+      <a:schemeClr val="tx1"/>
+    </dgm:txFillClrLst>
+    <dgm:txEffectClrLst/>
+  </dgm:styleLbl>
+  <dgm:styleLbl name="parChTrans1D4">
+    <dgm:fillClrLst meth="repeat">
+      <a:schemeClr val="accent1"/>
+    </dgm:fillClrLst>
+    <dgm:linClrLst meth="repeat">
+      <a:schemeClr val="accent1">
+        <a:shade val="80000"/>
+      </a:schemeClr>
+    </dgm:linClrLst>
+    <dgm:effectClrLst/>
+    <dgm:txLinClrLst/>
+    <dgm:txFillClrLst meth="repeat">
+      <a:schemeClr val="tx1"/>
+    </dgm:txFillClrLst>
+    <dgm:txEffectClrLst/>
+  </dgm:styleLbl>
+  <dgm:styleLbl name="fgAcc1">
+    <dgm:fillClrLst meth="repeat">
+      <a:schemeClr val="lt1">
+        <a:alpha val="90000"/>
+      </a:schemeClr>
+    </dgm:fillClrLst>
+    <dgm:linClrLst meth="repeat">
+      <a:schemeClr val="accent1"/>
+    </dgm:linClrLst>
+    <dgm:effectClrLst/>
+    <dgm:txLinClrLst/>
+    <dgm:txFillClrLst meth="repeat">
+      <a:schemeClr val="dk1"/>
+    </dgm:txFillClrLst>
+    <dgm:txEffectClrLst/>
+  </dgm:styleLbl>
+  <dgm:styleLbl name="conFgAcc1">
+    <dgm:fillClrLst meth="repeat">
+      <a:schemeClr val="lt1">
+        <a:alpha val="90000"/>
+      </a:schemeClr>
+    </dgm:fillClrLst>
+    <dgm:linClrLst meth="repeat">
+      <a:schemeClr val="accent1"/>
+    </dgm:linClrLst>
+    <dgm:effectClrLst/>
+    <dgm:txLinClrLst/>
+    <dgm:txFillClrLst meth="repeat">
+      <a:schemeClr val="dk1"/>
+    </dgm:txFillClrLst>
+    <dgm:txEffectClrLst/>
+  </dgm:styleLbl>
+  <dgm:styleLbl name="alignAcc1">
+    <dgm:fillClrLst meth="repeat">
+      <a:schemeClr val="lt1">
+        <a:alpha val="90000"/>
+      </a:schemeClr>
+    </dgm:fillClrLst>
+    <dgm:linClrLst meth="repeat">
+      <a:schemeClr val="accent1"/>
+    </dgm:linClrLst>
+    <dgm:effectClrLst/>
+    <dgm:txLinClrLst/>
+    <dgm:txFillClrLst meth="repeat">
+      <a:schemeClr val="dk1"/>
+    </dgm:txFillClrLst>
+    <dgm:txEffectClrLst/>
+  </dgm:styleLbl>
+  <dgm:styleLbl name="trAlignAcc1">
+    <dgm:fillClrLst meth="repeat">
+      <a:schemeClr val="lt1">
+        <a:alpha val="40000"/>
+      </a:schemeClr>
+    </dgm:fillClrLst>
+    <dgm:linClrLst meth="repeat">
+      <a:schemeClr val="accent1"/>
+    </dgm:linClrLst>
+    <dgm:effectClrLst/>
+    <dgm:txLinClrLst/>
+    <dgm:txFillClrLst meth="repeat">
+      <a:schemeClr val="dk1"/>
+    </dgm:txFillClrLst>
+    <dgm:txEffectClrLst/>
+  </dgm:styleLbl>
+  <dgm:styleLbl name="bgAcc1">
+    <dgm:fillClrLst meth="repeat">
+      <a:schemeClr val="lt1">
+        <a:alpha val="90000"/>
+      </a:schemeClr>
+    </dgm:fillClrLst>
+    <dgm:linClrLst meth="repeat">
+      <a:schemeClr val="accent1"/>
+    </dgm:linClrLst>
+    <dgm:effectClrLst/>
+    <dgm:txLinClrLst/>
+    <dgm:txFillClrLst meth="repeat">
+      <a:schemeClr val="dk1"/>
+    </dgm:txFillClrLst>
+    <dgm:txEffectClrLst/>
+  </dgm:styleLbl>
+  <dgm:styleLbl name="solidFgAcc1">
+    <dgm:fillClrLst meth="repeat">
+      <a:schemeClr val="lt1"/>
+    </dgm:fillClrLst>
+    <dgm:linClrLst meth="repeat">
+      <a:schemeClr val="accent1"/>
+    </dgm:linClrLst>
+    <dgm:effectClrLst/>
+    <dgm:txLinClrLst/>
+    <dgm:txFillClrLst meth="repeat">
+      <a:schemeClr val="dk1"/>
+    </dgm:txFillClrLst>
+    <dgm:txEffectClrLst/>
+  </dgm:styleLbl>
+  <dgm:styleLbl name="solidAlignAcc1">
+    <dgm:fillClrLst meth="repeat">
+      <a:schemeClr val="lt1"/>
+    </dgm:fillClrLst>
+    <dgm:linClrLst meth="repeat">
+      <a:schemeClr val="accent1"/>
+    </dgm:linClrLst>
+    <dgm:effectClrLst/>
+    <dgm:txLinClrLst/>
+    <dgm:txFillClrLst meth="repeat">
+      <a:schemeClr val="dk1"/>
+    </dgm:txFillClrLst>
+    <dgm:txEffectClrLst/>
+  </dgm:styleLbl>
+  <dgm:styleLbl name="solidBgAcc1">
+    <dgm:fillClrLst meth="repeat">
+      <a:schemeClr val="lt1"/>
+    </dgm:fillClrLst>
+    <dgm:linClrLst meth="repeat">
+      <a:schemeClr val="accent1"/>
+    </dgm:linClrLst>
+    <dgm:effectClrLst/>
+    <dgm:txLinClrLst/>
+    <dgm:txFillClrLst meth="repeat">
+      <a:schemeClr val="dk1"/>
+    </dgm:txFillClrLst>
+    <dgm:txEffectClrLst/>
+  </dgm:styleLbl>
+  <dgm:styleLbl name="fgAccFollowNode1">
+    <dgm:fillClrLst meth="repeat">
+      <a:schemeClr val="accent1">
+        <a:alpha val="90000"/>
+        <a:tint val="40000"/>
+      </a:schemeClr>
+    </dgm:fillClrLst>
+    <dgm:linClrLst meth="repeat">
+      <a:schemeClr val="accent1">
+        <a:alpha val="90000"/>
+        <a:tint val="40000"/>
+      </a:schemeClr>
+    </dgm:linClrLst>
+    <dgm:effectClrLst/>
+    <dgm:txLinClrLst/>
+    <dgm:txFillClrLst meth="repeat">
+      <a:schemeClr val="dk1"/>
+    </dgm:txFillClrLst>
+    <dgm:txEffectClrLst/>
+  </dgm:styleLbl>
+  <dgm:styleLbl name="alignAccFollowNode1">
+    <dgm:fillClrLst meth="repeat">
+      <a:schemeClr val="accent1">
+        <a:alpha val="90000"/>
+        <a:tint val="40000"/>
+      </a:schemeClr>
+    </dgm:fillClrLst>
+    <dgm:linClrLst meth="repeat">
+      <a:schemeClr val="accent1">
+        <a:alpha val="90000"/>
+        <a:tint val="40000"/>
+      </a:schemeClr>
+    </dgm:linClrLst>
+    <dgm:effectClrLst/>
+    <dgm:txLinClrLst/>
+    <dgm:txFillClrLst meth="repeat">
+      <a:schemeClr val="dk1"/>
+    </dgm:txFillClrLst>
+    <dgm:txEffectClrLst/>
+  </dgm:styleLbl>
+  <dgm:styleLbl name="bgAccFollowNode1">
+    <dgm:fillClrLst meth="repeat">
+      <a:schemeClr val="accent1">
+        <a:alpha val="90000"/>
+        <a:tint val="40000"/>
+      </a:schemeClr>
+    </dgm:fillClrLst>
+    <dgm:linClrLst meth="repeat">
+      <a:schemeClr val="accent1">
+        <a:alpha val="90000"/>
+        <a:tint val="40000"/>
+      </a:schemeClr>
+    </dgm:linClrLst>
+    <dgm:effectClrLst/>
+    <dgm:txLinClrLst/>
+    <dgm:txFillClrLst meth="repeat">
+      <a:schemeClr val="dk1"/>
+    </dgm:txFillClrLst>
+    <dgm:txEffectClrLst/>
+  </dgm:styleLbl>
+  <dgm:styleLbl name="fgAcc0">
+    <dgm:fillClrLst meth="repeat">
+      <a:schemeClr val="lt1">
+        <a:alpha val="90000"/>
+      </a:schemeClr>
+    </dgm:fillClrLst>
+    <dgm:linClrLst meth="repeat">
+      <a:schemeClr val="accent1"/>
+    </dgm:linClrLst>
+    <dgm:effectClrLst/>
+    <dgm:txLinClrLst/>
+    <dgm:txFillClrLst meth="repeat">
+      <a:schemeClr val="dk1"/>
+    </dgm:txFillClrLst>
+    <dgm:txEffectClrLst/>
+  </dgm:styleLbl>
+  <dgm:styleLbl name="fgAcc2">
+    <dgm:fillClrLst meth="repeat">
+      <a:schemeClr val="lt1">
+        <a:alpha val="90000"/>
+      </a:schemeClr>
+    </dgm:fillClrLst>
+    <dgm:linClrLst meth="repeat">
+      <a:schemeClr val="accent1"/>
+    </dgm:linClrLst>
+    <dgm:effectClrLst/>
+    <dgm:txLinClrLst/>
+    <dgm:txFillClrLst meth="repeat">
+      <a:schemeClr val="dk1"/>
+    </dgm:txFillClrLst>
+    <dgm:txEffectClrLst/>
+  </dgm:styleLbl>
+  <dgm:styleLbl name="fgAcc3">
+    <dgm:fillClrLst meth="repeat">
+      <a:schemeClr val="lt1">
+        <a:alpha val="90000"/>
+      </a:schemeClr>
+    </dgm:fillClrLst>
+    <dgm:linClrLst meth="repeat">
+      <a:schemeClr val="accent1"/>
+    </dgm:linClrLst>
+    <dgm:effectClrLst/>
+    <dgm:txLinClrLst/>
+    <dgm:txFillClrLst meth="repeat">
+      <a:schemeClr val="dk1"/>
+    </dgm:txFillClrLst>
+    <dgm:txEffectClrLst/>
+  </dgm:styleLbl>
+  <dgm:styleLbl name="fgAcc4">
+    <dgm:fillClrLst meth="repeat">
+      <a:schemeClr val="lt1">
+        <a:alpha val="90000"/>
+      </a:schemeClr>
+    </dgm:fillClrLst>
+    <dgm:linClrLst meth="repeat">
+      <a:schemeClr val="accent1"/>
+    </dgm:linClrLst>
+    <dgm:effectClrLst/>
+    <dgm:txLinClrLst/>
+    <dgm:txFillClrLst meth="repeat">
+      <a:schemeClr val="dk1"/>
+    </dgm:txFillClrLst>
+    <dgm:txEffectClrLst/>
+  </dgm:styleLbl>
+  <dgm:styleLbl name="bgShp">
+    <dgm:fillClrLst meth="repeat">
+      <a:schemeClr val="accent1">
+        <a:tint val="40000"/>
+      </a:schemeClr>
+    </dgm:fillClrLst>
+    <dgm:linClrLst meth="repeat">
+      <a:schemeClr val="accent1"/>
+    </dgm:linClrLst>
+    <dgm:effectClrLst/>
+    <dgm:txLinClrLst/>
+    <dgm:txFillClrLst meth="repeat">
+      <a:schemeClr val="dk1"/>
+    </dgm:txFillClrLst>
+    <dgm:txEffectClrLst/>
+  </dgm:styleLbl>
+  <dgm:styleLbl name="dkBgShp">
+    <dgm:fillClrLst meth="repeat">
+      <a:schemeClr val="accent1">
+        <a:shade val="80000"/>
+      </a:schemeClr>
+    </dgm:fillClrLst>
+    <dgm:linClrLst meth="repeat">
+      <a:schemeClr val="accent1"/>
+    </dgm:linClrLst>
+    <dgm:effectClrLst/>
+    <dgm:txLinClrLst/>
+    <dgm:txFillClrLst meth="repeat">
+      <a:schemeClr val="lt1"/>
+    </dgm:txFillClrLst>
+    <dgm:txEffectClrLst/>
+  </dgm:styleLbl>
+  <dgm:styleLbl name="trBgShp">
+    <dgm:fillClrLst meth="repeat">
+      <a:schemeClr val="accent1">
+        <a:tint val="50000"/>
+        <a:alpha val="40000"/>
+      </a:schemeClr>
+    </dgm:fillClrLst>
+    <dgm:linClrLst meth="repeat">
+      <a:schemeClr val="accent1"/>
+    </dgm:linClrLst>
+    <dgm:effectClrLst/>
+    <dgm:txLinClrLst/>
+    <dgm:txFillClrLst meth="repeat">
+      <a:schemeClr val="lt1"/>
+    </dgm:txFillClrLst>
+    <dgm:txEffectClrLst/>
+  </dgm:styleLbl>
+  <dgm:styleLbl name="fgShp">
+    <dgm:fillClrLst meth="repeat">
+      <a:schemeClr val="accent1">
+        <a:tint val="60000"/>
+      </a:schemeClr>
+    </dgm:fillClrLst>
+    <dgm:linClrLst meth="repeat">
+      <a:schemeClr val="lt1"/>
+    </dgm:linClrLst>
+    <dgm:effectClrLst/>
+    <dgm:txLinClrLst/>
+    <dgm:txFillClrLst meth="repeat">
+      <a:schemeClr val="dk1"/>
+    </dgm:txFillClrLst>
+    <dgm:txEffectClrLst/>
+  </dgm:styleLbl>
+  <dgm:styleLbl name="revTx">
+    <dgm:fillClrLst meth="repeat">
+      <a:schemeClr val="lt1">
+        <a:alpha val="0"/>
+      </a:schemeClr>
+    </dgm:fillClrLst>
+    <dgm:linClrLst meth="repeat">
+      <a:schemeClr val="dk1">
+        <a:alpha val="0"/>
+      </a:schemeClr>
+    </dgm:linClrLst>
+    <dgm:effectClrLst/>
+    <dgm:txLinClrLst/>
+    <dgm:txFillClrLst meth="repeat">
+      <a:schemeClr val="tx1"/>
+    </dgm:txFillClrLst>
+    <dgm:txEffectClrLst/>
+  </dgm:styleLbl>
+</dgm:colorsDef>
+</file>
+
+<file path=ppt/diagrams/data1.xml><?xml version="1.0" encoding="utf-8"?>
+<dgm:dataModel xmlns:dgm="http://schemas.openxmlformats.org/drawingml/2006/diagram" xmlns:a="http://schemas.openxmlformats.org/drawingml/2006/main">
+  <dgm:ptLst>
+    <dgm:pt modelId="{C658F409-62C3-4F60-AC61-AED9C5EC5448}" type="doc">
+      <dgm:prSet loTypeId="urn:microsoft.com/office/officeart/2008/layout/RadialCluster" loCatId="relationship" qsTypeId="urn:microsoft.com/office/officeart/2005/8/quickstyle/simple1" qsCatId="simple" csTypeId="urn:microsoft.com/office/officeart/2005/8/colors/accent1_2" csCatId="accent1" phldr="1"/>
+      <dgm:spPr/>
+      <dgm:t>
+        <a:bodyPr/>
+        <a:lstStyle/>
+        <a:p>
+          <a:endParaRPr lang="en-US"/>
+        </a:p>
+      </dgm:t>
+    </dgm:pt>
+    <dgm:pt modelId="{0A5E051D-7AA1-4DC7-8B99-49F386C70236}">
+      <dgm:prSet phldrT="[Text]"/>
+      <dgm:spPr/>
+      <dgm:t>
+        <a:bodyPr/>
+        <a:lstStyle/>
+        <a:p>
+          <a:r>
+            <a:rPr lang="en-US" dirty="0" smtClean="0"/>
+            <a:t>Assistive Agent</a:t>
+          </a:r>
+          <a:endParaRPr lang="en-US" dirty="0"/>
+        </a:p>
+      </dgm:t>
+    </dgm:pt>
+    <dgm:pt modelId="{92C7B4D2-672A-41C9-9A60-C6AA2229888E}" type="parTrans" cxnId="{E16CCFF1-9AC7-48E9-9DA9-4000AF471C8C}">
+      <dgm:prSet/>
+      <dgm:spPr/>
+      <dgm:t>
+        <a:bodyPr/>
+        <a:lstStyle/>
+        <a:p>
+          <a:endParaRPr lang="en-US"/>
+        </a:p>
+      </dgm:t>
+    </dgm:pt>
+    <dgm:pt modelId="{FBCFBBFD-A855-4D9E-9A80-4789D434867C}" type="sibTrans" cxnId="{E16CCFF1-9AC7-48E9-9DA9-4000AF471C8C}">
+      <dgm:prSet/>
+      <dgm:spPr/>
+      <dgm:t>
+        <a:bodyPr/>
+        <a:lstStyle/>
+        <a:p>
+          <a:endParaRPr lang="en-US"/>
+        </a:p>
+      </dgm:t>
+    </dgm:pt>
+    <dgm:pt modelId="{82F23BDC-0104-4DF3-BD07-EA5FEF78728B}">
+      <dgm:prSet phldrT="[Text]"/>
+      <dgm:spPr/>
+      <dgm:t>
+        <a:bodyPr/>
+        <a:lstStyle/>
+        <a:p>
+          <a:r>
+            <a:rPr lang="en-US" dirty="0" smtClean="0"/>
+            <a:t>Courts</a:t>
+          </a:r>
+          <a:endParaRPr lang="en-US" dirty="0"/>
+        </a:p>
+      </dgm:t>
+    </dgm:pt>
+    <dgm:pt modelId="{1B956569-8E9D-42A4-A866-2A0BDD17AC27}" type="parTrans" cxnId="{D2D1E790-1A76-4159-A972-DA790895E4DD}">
+      <dgm:prSet/>
+      <dgm:spPr/>
+      <dgm:t>
+        <a:bodyPr/>
+        <a:lstStyle/>
+        <a:p>
+          <a:endParaRPr lang="en-US"/>
+        </a:p>
+      </dgm:t>
+    </dgm:pt>
+    <dgm:pt modelId="{6D50D8B6-F49C-4C0E-9D26-7280762C5202}" type="sibTrans" cxnId="{D2D1E790-1A76-4159-A972-DA790895E4DD}">
+      <dgm:prSet/>
+      <dgm:spPr/>
+      <dgm:t>
+        <a:bodyPr/>
+        <a:lstStyle/>
+        <a:p>
+          <a:endParaRPr lang="en-US"/>
+        </a:p>
+      </dgm:t>
+    </dgm:pt>
+    <dgm:pt modelId="{FBFD6EA0-3985-479D-8160-CA3A196616B8}">
+      <dgm:prSet phldrT="[Text]"/>
+      <dgm:spPr/>
+      <dgm:t>
+        <a:bodyPr/>
+        <a:lstStyle/>
+        <a:p>
+          <a:r>
+            <a:rPr lang="en-US" dirty="0" smtClean="0"/>
+            <a:t>Attorneys</a:t>
+          </a:r>
+          <a:endParaRPr lang="en-US" dirty="0"/>
+        </a:p>
+      </dgm:t>
+    </dgm:pt>
+    <dgm:pt modelId="{4C741569-B70A-4F1C-A8A3-20E4E711E5BA}" type="parTrans" cxnId="{6E48A2BA-2A72-4DA6-B0D8-413AED74CE6E}">
+      <dgm:prSet/>
+      <dgm:spPr/>
+      <dgm:t>
+        <a:bodyPr/>
+        <a:lstStyle/>
+        <a:p>
+          <a:endParaRPr lang="en-US"/>
+        </a:p>
+      </dgm:t>
+    </dgm:pt>
+    <dgm:pt modelId="{62FA275A-E622-496B-936B-515F11DCCED6}" type="sibTrans" cxnId="{6E48A2BA-2A72-4DA6-B0D8-413AED74CE6E}">
+      <dgm:prSet/>
+      <dgm:spPr/>
+      <dgm:t>
+        <a:bodyPr/>
+        <a:lstStyle/>
+        <a:p>
+          <a:endParaRPr lang="en-US"/>
+        </a:p>
+      </dgm:t>
+    </dgm:pt>
+    <dgm:pt modelId="{CC120F6E-84D8-4BB4-98D1-F52951BB46BE}">
+      <dgm:prSet phldrT="[Text]"/>
+      <dgm:spPr/>
+      <dgm:t>
+        <a:bodyPr/>
+        <a:lstStyle/>
+        <a:p>
+          <a:r>
+            <a:rPr lang="en-US" dirty="0" smtClean="0"/>
+            <a:t>Self Represented Litigants</a:t>
+          </a:r>
+          <a:endParaRPr lang="en-US" dirty="0"/>
+        </a:p>
+      </dgm:t>
+    </dgm:pt>
+    <dgm:pt modelId="{EB41E36D-6D1E-49F2-9A7C-3FBCB85C7286}" type="parTrans" cxnId="{2023A8B3-1E30-4AE5-9901-2530587EB5D2}">
+      <dgm:prSet/>
+      <dgm:spPr/>
+      <dgm:t>
+        <a:bodyPr/>
+        <a:lstStyle/>
+        <a:p>
+          <a:endParaRPr lang="en-US"/>
+        </a:p>
+      </dgm:t>
+    </dgm:pt>
+    <dgm:pt modelId="{FCC4D734-2C15-4162-9C79-CE4275D01485}" type="sibTrans" cxnId="{2023A8B3-1E30-4AE5-9901-2530587EB5D2}">
+      <dgm:prSet/>
+      <dgm:spPr/>
+      <dgm:t>
+        <a:bodyPr/>
+        <a:lstStyle/>
+        <a:p>
+          <a:endParaRPr lang="en-US"/>
+        </a:p>
+      </dgm:t>
+    </dgm:pt>
+    <dgm:pt modelId="{55168BB0-54F7-4C3B-ACD4-22E666B85508}" type="pres">
+      <dgm:prSet presAssocID="{C658F409-62C3-4F60-AC61-AED9C5EC5448}" presName="Name0" presStyleCnt="0">
+        <dgm:presLayoutVars>
+          <dgm:chMax val="1"/>
+          <dgm:chPref val="1"/>
+          <dgm:dir/>
+          <dgm:animOne val="branch"/>
+          <dgm:animLvl val="lvl"/>
+        </dgm:presLayoutVars>
+      </dgm:prSet>
+      <dgm:spPr/>
+    </dgm:pt>
+    <dgm:pt modelId="{AED033D0-A750-4481-9E89-E271765B4550}" type="pres">
+      <dgm:prSet presAssocID="{0A5E051D-7AA1-4DC7-8B99-49F386C70236}" presName="singleCycle" presStyleCnt="0"/>
+      <dgm:spPr/>
+    </dgm:pt>
+    <dgm:pt modelId="{9B1388D5-DF93-4247-A936-F4EDD7B57590}" type="pres">
+      <dgm:prSet presAssocID="{0A5E051D-7AA1-4DC7-8B99-49F386C70236}" presName="singleCenter" presStyleLbl="node1" presStyleIdx="0" presStyleCnt="4" custAng="0" custScaleX="161108" custScaleY="138947" custLinFactNeighborX="-13850" custLinFactNeighborY="-28080">
+        <dgm:presLayoutVars>
+          <dgm:chMax val="7"/>
+          <dgm:chPref val="7"/>
+        </dgm:presLayoutVars>
+      </dgm:prSet>
+      <dgm:spPr/>
+      <dgm:t>
+        <a:bodyPr/>
+        <a:lstStyle/>
+        <a:p>
+          <a:endParaRPr lang="en-US"/>
+        </a:p>
+      </dgm:t>
+    </dgm:pt>
+    <dgm:pt modelId="{6F9ECCAE-AEB7-48A0-BF86-05448BA02D68}" type="pres">
+      <dgm:prSet presAssocID="{1B956569-8E9D-42A4-A866-2A0BDD17AC27}" presName="Name56" presStyleLbl="parChTrans1D2" presStyleIdx="0" presStyleCnt="3" custSzX="209222"/>
+      <dgm:spPr/>
+    </dgm:pt>
+    <dgm:pt modelId="{1BFCFDAC-898F-4C3C-952E-3105E586B1C0}" type="pres">
+      <dgm:prSet presAssocID="{82F23BDC-0104-4DF3-BD07-EA5FEF78728B}" presName="text0" presStyleLbl="node1" presStyleIdx="1" presStyleCnt="4" custAng="0" custScaleX="289339" custScaleY="106881" custRadScaleRad="185179" custRadScaleInc="-102721">
+        <dgm:presLayoutVars>
+          <dgm:bulletEnabled val="1"/>
+        </dgm:presLayoutVars>
+      </dgm:prSet>
+      <dgm:spPr/>
+    </dgm:pt>
+    <dgm:pt modelId="{E41D3319-AA88-4F91-985F-D81E3CA37654}" type="pres">
+      <dgm:prSet presAssocID="{4C741569-B70A-4F1C-A8A3-20E4E711E5BA}" presName="Name56" presStyleLbl="parChTrans1D2" presStyleIdx="1" presStyleCnt="3" custSzX="202019"/>
+      <dgm:spPr/>
+    </dgm:pt>
+    <dgm:pt modelId="{260126C1-8625-43F6-9D6B-ADA0448F657A}" type="pres">
+      <dgm:prSet presAssocID="{FBFD6EA0-3985-479D-8160-CA3A196616B8}" presName="text0" presStyleLbl="node1" presStyleIdx="2" presStyleCnt="4" custAng="0" custScaleX="281118" custScaleY="105359" custRadScaleRad="137131" custRadScaleInc="-116125">
+        <dgm:presLayoutVars>
+          <dgm:bulletEnabled val="1"/>
+        </dgm:presLayoutVars>
+      </dgm:prSet>
+      <dgm:spPr/>
+    </dgm:pt>
+    <dgm:pt modelId="{B97CBAE3-532E-4AC6-B4F1-7CD3CA97A4DD}" type="pres">
+      <dgm:prSet presAssocID="{EB41E36D-6D1E-49F2-9A7C-3FBCB85C7286}" presName="Name56" presStyleLbl="parChTrans1D2" presStyleIdx="2" presStyleCnt="3" custSzX="165408"/>
+      <dgm:spPr/>
+    </dgm:pt>
+    <dgm:pt modelId="{D2459078-8AC1-4242-85B6-E983B4405C22}" type="pres">
+      <dgm:prSet presAssocID="{CC120F6E-84D8-4BB4-98D1-F52951BB46BE}" presName="text0" presStyleLbl="node1" presStyleIdx="3" presStyleCnt="4" custAng="0" custScaleX="554789" custScaleY="134425" custRadScaleRad="51641" custRadScaleInc="-42999">
+        <dgm:presLayoutVars>
+          <dgm:bulletEnabled val="1"/>
+        </dgm:presLayoutVars>
+      </dgm:prSet>
+      <dgm:spPr/>
+      <dgm:t>
+        <a:bodyPr/>
+        <a:lstStyle/>
+        <a:p>
+          <a:endParaRPr lang="en-US"/>
+        </a:p>
+      </dgm:t>
+    </dgm:pt>
+  </dgm:ptLst>
+  <dgm:cxnLst>
+    <dgm:cxn modelId="{6E48A2BA-2A72-4DA6-B0D8-413AED74CE6E}" srcId="{0A5E051D-7AA1-4DC7-8B99-49F386C70236}" destId="{FBFD6EA0-3985-479D-8160-CA3A196616B8}" srcOrd="1" destOrd="0" parTransId="{4C741569-B70A-4F1C-A8A3-20E4E711E5BA}" sibTransId="{62FA275A-E622-496B-936B-515F11DCCED6}"/>
+    <dgm:cxn modelId="{7BD9E310-093B-4868-AEBE-395ED0BD677B}" type="presOf" srcId="{0A5E051D-7AA1-4DC7-8B99-49F386C70236}" destId="{9B1388D5-DF93-4247-A936-F4EDD7B57590}" srcOrd="0" destOrd="0" presId="urn:microsoft.com/office/officeart/2008/layout/RadialCluster"/>
+    <dgm:cxn modelId="{E16CCFF1-9AC7-48E9-9DA9-4000AF471C8C}" srcId="{C658F409-62C3-4F60-AC61-AED9C5EC5448}" destId="{0A5E051D-7AA1-4DC7-8B99-49F386C70236}" srcOrd="0" destOrd="0" parTransId="{92C7B4D2-672A-41C9-9A60-C6AA2229888E}" sibTransId="{FBCFBBFD-A855-4D9E-9A80-4789D434867C}"/>
+    <dgm:cxn modelId="{A5BBD3E5-963D-45E3-8D7D-07FA5DE63F1E}" type="presOf" srcId="{4C741569-B70A-4F1C-A8A3-20E4E711E5BA}" destId="{E41D3319-AA88-4F91-985F-D81E3CA37654}" srcOrd="0" destOrd="0" presId="urn:microsoft.com/office/officeart/2008/layout/RadialCluster"/>
+    <dgm:cxn modelId="{F20EDD71-A3D9-4E76-B565-089F274FDEC0}" type="presOf" srcId="{EB41E36D-6D1E-49F2-9A7C-3FBCB85C7286}" destId="{B97CBAE3-532E-4AC6-B4F1-7CD3CA97A4DD}" srcOrd="0" destOrd="0" presId="urn:microsoft.com/office/officeart/2008/layout/RadialCluster"/>
+    <dgm:cxn modelId="{2023A8B3-1E30-4AE5-9901-2530587EB5D2}" srcId="{0A5E051D-7AA1-4DC7-8B99-49F386C70236}" destId="{CC120F6E-84D8-4BB4-98D1-F52951BB46BE}" srcOrd="2" destOrd="0" parTransId="{EB41E36D-6D1E-49F2-9A7C-3FBCB85C7286}" sibTransId="{FCC4D734-2C15-4162-9C79-CE4275D01485}"/>
+    <dgm:cxn modelId="{56A99E65-BC14-4167-93C4-4E4ADCB4DB98}" type="presOf" srcId="{CC120F6E-84D8-4BB4-98D1-F52951BB46BE}" destId="{D2459078-8AC1-4242-85B6-E983B4405C22}" srcOrd="0" destOrd="0" presId="urn:microsoft.com/office/officeart/2008/layout/RadialCluster"/>
+    <dgm:cxn modelId="{55FD15B0-6F3D-4EAC-9E43-3AC35F6AB592}" type="presOf" srcId="{1B956569-8E9D-42A4-A866-2A0BDD17AC27}" destId="{6F9ECCAE-AEB7-48A0-BF86-05448BA02D68}" srcOrd="0" destOrd="0" presId="urn:microsoft.com/office/officeart/2008/layout/RadialCluster"/>
+    <dgm:cxn modelId="{3B6D36B4-6AC9-45BF-895B-093B51E7C698}" type="presOf" srcId="{82F23BDC-0104-4DF3-BD07-EA5FEF78728B}" destId="{1BFCFDAC-898F-4C3C-952E-3105E586B1C0}" srcOrd="0" destOrd="0" presId="urn:microsoft.com/office/officeart/2008/layout/RadialCluster"/>
+    <dgm:cxn modelId="{6A4BC1C7-7BCA-4144-9A59-E92FBE3466CD}" type="presOf" srcId="{FBFD6EA0-3985-479D-8160-CA3A196616B8}" destId="{260126C1-8625-43F6-9D6B-ADA0448F657A}" srcOrd="0" destOrd="0" presId="urn:microsoft.com/office/officeart/2008/layout/RadialCluster"/>
+    <dgm:cxn modelId="{585D2898-9C65-4210-9E1A-E76CC2CF0D1F}" type="presOf" srcId="{C658F409-62C3-4F60-AC61-AED9C5EC5448}" destId="{55168BB0-54F7-4C3B-ACD4-22E666B85508}" srcOrd="0" destOrd="0" presId="urn:microsoft.com/office/officeart/2008/layout/RadialCluster"/>
+    <dgm:cxn modelId="{D2D1E790-1A76-4159-A972-DA790895E4DD}" srcId="{0A5E051D-7AA1-4DC7-8B99-49F386C70236}" destId="{82F23BDC-0104-4DF3-BD07-EA5FEF78728B}" srcOrd="0" destOrd="0" parTransId="{1B956569-8E9D-42A4-A866-2A0BDD17AC27}" sibTransId="{6D50D8B6-F49C-4C0E-9D26-7280762C5202}"/>
+    <dgm:cxn modelId="{2C7C4BDF-8A6A-435D-9825-F1B17078A9FC}" type="presParOf" srcId="{55168BB0-54F7-4C3B-ACD4-22E666B85508}" destId="{AED033D0-A750-4481-9E89-E271765B4550}" srcOrd="0" destOrd="0" presId="urn:microsoft.com/office/officeart/2008/layout/RadialCluster"/>
+    <dgm:cxn modelId="{8C96D10B-DA93-4FFC-A410-C63E77BFA7F7}" type="presParOf" srcId="{AED033D0-A750-4481-9E89-E271765B4550}" destId="{9B1388D5-DF93-4247-A936-F4EDD7B57590}" srcOrd="0" destOrd="0" presId="urn:microsoft.com/office/officeart/2008/layout/RadialCluster"/>
+    <dgm:cxn modelId="{99E99D41-ABBA-4A77-9327-765208733E9F}" type="presParOf" srcId="{AED033D0-A750-4481-9E89-E271765B4550}" destId="{6F9ECCAE-AEB7-48A0-BF86-05448BA02D68}" srcOrd="1" destOrd="0" presId="urn:microsoft.com/office/officeart/2008/layout/RadialCluster"/>
+    <dgm:cxn modelId="{FECE4597-9EA2-4456-B7CB-29F9D6D56601}" type="presParOf" srcId="{AED033D0-A750-4481-9E89-E271765B4550}" destId="{1BFCFDAC-898F-4C3C-952E-3105E586B1C0}" srcOrd="2" destOrd="0" presId="urn:microsoft.com/office/officeart/2008/layout/RadialCluster"/>
+    <dgm:cxn modelId="{3BCC4B96-66B1-4FD2-A4CF-28278675B6B3}" type="presParOf" srcId="{AED033D0-A750-4481-9E89-E271765B4550}" destId="{E41D3319-AA88-4F91-985F-D81E3CA37654}" srcOrd="3" destOrd="0" presId="urn:microsoft.com/office/officeart/2008/layout/RadialCluster"/>
+    <dgm:cxn modelId="{6999C4C6-DC16-4870-98CF-079CF8337982}" type="presParOf" srcId="{AED033D0-A750-4481-9E89-E271765B4550}" destId="{260126C1-8625-43F6-9D6B-ADA0448F657A}" srcOrd="4" destOrd="0" presId="urn:microsoft.com/office/officeart/2008/layout/RadialCluster"/>
+    <dgm:cxn modelId="{EE2D2913-6067-4985-B8BA-0319CA195179}" type="presParOf" srcId="{AED033D0-A750-4481-9E89-E271765B4550}" destId="{B97CBAE3-532E-4AC6-B4F1-7CD3CA97A4DD}" srcOrd="5" destOrd="0" presId="urn:microsoft.com/office/officeart/2008/layout/RadialCluster"/>
+    <dgm:cxn modelId="{AD099BB1-A79F-41C3-9F7D-87820D87FE08}" type="presParOf" srcId="{AED033D0-A750-4481-9E89-E271765B4550}" destId="{D2459078-8AC1-4242-85B6-E983B4405C22}" srcOrd="6" destOrd="0" presId="urn:microsoft.com/office/officeart/2008/layout/RadialCluster"/>
+  </dgm:cxnLst>
+  <dgm:bg/>
+  <dgm:whole/>
+  <dgm:extLst>
+    <a:ext uri="http://schemas.microsoft.com/office/drawing/2008/diagram">
+      <dsp:dataModelExt xmlns:dsp="http://schemas.microsoft.com/office/drawing/2008/diagram" relId="rId6" minVer="http://schemas.openxmlformats.org/drawingml/2006/diagram"/>
+    </a:ext>
+  </dgm:extLst>
+</dgm:dataModel>
+</file>
+
+<file path=ppt/diagrams/drawing1.xml><?xml version="1.0" encoding="utf-8"?>
+<dsp:drawing xmlns:dgm="http://schemas.openxmlformats.org/drawingml/2006/diagram" xmlns:dsp="http://schemas.microsoft.com/office/drawing/2008/diagram" xmlns:a="http://schemas.openxmlformats.org/drawingml/2006/main">
+  <dsp:spTree>
+    <dsp:nvGrpSpPr>
+      <dsp:cNvPr id="0" name=""/>
+      <dsp:cNvGrpSpPr/>
+    </dsp:nvGrpSpPr>
+    <dsp:grpSpPr/>
+    <dsp:sp modelId="{9B1388D5-DF93-4247-A936-F4EDD7B57590}">
+      <dsp:nvSpPr>
+        <dsp:cNvPr id="0" name=""/>
+        <dsp:cNvSpPr/>
+      </dsp:nvSpPr>
+      <dsp:spPr>
+        <a:xfrm>
+          <a:off x="2198191" y="406126"/>
+          <a:ext cx="1463649" cy="1262318"/>
+        </a:xfrm>
+        <a:prstGeom prst="roundRect">
+          <a:avLst/>
+        </a:prstGeom>
+        <a:solidFill>
+          <a:schemeClr val="accent1">
+            <a:hueOff val="0"/>
+            <a:satOff val="0"/>
+            <a:lumOff val="0"/>
+            <a:alphaOff val="0"/>
+          </a:schemeClr>
+        </a:solidFill>
+        <a:ln w="25400" cap="flat" cmpd="sng" algn="ctr">
+          <a:solidFill>
+            <a:schemeClr val="lt1">
+              <a:hueOff val="0"/>
+              <a:satOff val="0"/>
+              <a:lumOff val="0"/>
+              <a:alphaOff val="0"/>
+            </a:schemeClr>
+          </a:solidFill>
+          <a:prstDash val="solid"/>
+        </a:ln>
+        <a:effectLst/>
+      </dsp:spPr>
+      <dsp:style>
+        <a:lnRef idx="2">
+          <a:scrgbClr r="0" g="0" b="0"/>
+        </a:lnRef>
+        <a:fillRef idx="1">
+          <a:scrgbClr r="0" g="0" b="0"/>
+        </a:fillRef>
+        <a:effectRef idx="0">
+          <a:scrgbClr r="0" g="0" b="0"/>
+        </a:effectRef>
+        <a:fontRef idx="minor">
+          <a:schemeClr val="lt1"/>
+        </a:fontRef>
+      </dsp:style>
+      <dsp:txBody>
+        <a:bodyPr spcFirstLastPara="0" vert="horz" wrap="square" lIns="68580" tIns="68580" rIns="68580" bIns="68580" numCol="1" spcCol="1270" anchor="ctr" anchorCtr="0">
+          <a:noAutofit/>
+        </a:bodyPr>
+        <a:lstStyle/>
+        <a:p>
+          <a:pPr lvl="0" algn="ctr" defTabSz="1200150">
+            <a:lnSpc>
+              <a:spcPct val="90000"/>
+            </a:lnSpc>
+            <a:spcBef>
+              <a:spcPct val="0"/>
+            </a:spcBef>
+            <a:spcAft>
+              <a:spcPct val="35000"/>
+            </a:spcAft>
+          </a:pPr>
+          <a:r>
+            <a:rPr lang="en-US" sz="2700" kern="1200" dirty="0" smtClean="0"/>
+            <a:t>Assistive Agent</a:t>
+          </a:r>
+          <a:endParaRPr lang="en-US" sz="2700" kern="1200" dirty="0"/>
+        </a:p>
+      </dsp:txBody>
+      <dsp:txXfrm>
+        <a:off x="2259812" y="467747"/>
+        <a:ext cx="1340407" cy="1139076"/>
+      </dsp:txXfrm>
+    </dsp:sp>
+    <dsp:sp modelId="{6F9ECCAE-AEB7-48A0-BF86-05448BA02D68}">
+      <dsp:nvSpPr>
+        <dsp:cNvPr id="0" name=""/>
+        <dsp:cNvSpPr/>
+      </dsp:nvSpPr>
+      <dsp:spPr>
+        <a:xfrm rot="11594459">
+          <a:off x="1919050" y="832686"/>
+          <a:ext cx="282901" cy="0"/>
+        </a:xfrm>
+        <a:custGeom>
+          <a:avLst/>
+          <a:gdLst/>
+          <a:ahLst/>
+          <a:cxnLst/>
+          <a:rect l="0" t="0" r="0" b="0"/>
+          <a:pathLst>
+            <a:path>
+              <a:moveTo>
+                <a:pt x="0" y="0"/>
+              </a:moveTo>
+              <a:lnTo>
+                <a:pt x="282901" y="0"/>
+              </a:lnTo>
+            </a:path>
+          </a:pathLst>
+        </a:custGeom>
+        <a:noFill/>
+        <a:ln w="25400" cap="flat" cmpd="sng" algn="ctr">
+          <a:solidFill>
+            <a:schemeClr val="accent1">
+              <a:shade val="60000"/>
+              <a:hueOff val="0"/>
+              <a:satOff val="0"/>
+              <a:lumOff val="0"/>
+              <a:alphaOff val="0"/>
+            </a:schemeClr>
+          </a:solidFill>
+          <a:prstDash val="solid"/>
+        </a:ln>
+        <a:effectLst/>
+      </dsp:spPr>
+      <dsp:style>
+        <a:lnRef idx="2">
+          <a:scrgbClr r="0" g="0" b="0"/>
+        </a:lnRef>
+        <a:fillRef idx="0">
+          <a:scrgbClr r="0" g="0" b="0"/>
+        </a:fillRef>
+        <a:effectRef idx="0">
+          <a:scrgbClr r="0" g="0" b="0"/>
+        </a:effectRef>
+        <a:fontRef idx="minor"/>
+      </dsp:style>
+    </dsp:sp>
+    <dsp:sp modelId="{1BFCFDAC-898F-4C3C-952E-3105E586B1C0}">
+      <dsp:nvSpPr>
+        <dsp:cNvPr id="0" name=""/>
+        <dsp:cNvSpPr/>
+      </dsp:nvSpPr>
+      <dsp:spPr>
+        <a:xfrm>
+          <a:off x="161639" y="267797"/>
+          <a:ext cx="1761171" cy="650571"/>
+        </a:xfrm>
+        <a:prstGeom prst="roundRect">
+          <a:avLst/>
+        </a:prstGeom>
+        <a:solidFill>
+          <a:schemeClr val="accent1">
+            <a:hueOff val="0"/>
+            <a:satOff val="0"/>
+            <a:lumOff val="0"/>
+            <a:alphaOff val="0"/>
+          </a:schemeClr>
+        </a:solidFill>
+        <a:ln w="25400" cap="flat" cmpd="sng" algn="ctr">
+          <a:solidFill>
+            <a:schemeClr val="lt1">
+              <a:hueOff val="0"/>
+              <a:satOff val="0"/>
+              <a:lumOff val="0"/>
+              <a:alphaOff val="0"/>
+            </a:schemeClr>
+          </a:solidFill>
+          <a:prstDash val="solid"/>
+        </a:ln>
+        <a:effectLst/>
+      </dsp:spPr>
+      <dsp:style>
+        <a:lnRef idx="2">
+          <a:scrgbClr r="0" g="0" b="0"/>
+        </a:lnRef>
+        <a:fillRef idx="1">
+          <a:scrgbClr r="0" g="0" b="0"/>
+        </a:fillRef>
+        <a:effectRef idx="0">
+          <a:scrgbClr r="0" g="0" b="0"/>
+        </a:effectRef>
+        <a:fontRef idx="minor">
+          <a:schemeClr val="lt1"/>
+        </a:fontRef>
+      </dsp:style>
+      <dsp:txBody>
+        <a:bodyPr spcFirstLastPara="0" vert="horz" wrap="square" lIns="76200" tIns="76200" rIns="76200" bIns="76200" numCol="1" spcCol="1270" anchor="ctr" anchorCtr="0">
+          <a:noAutofit/>
+        </a:bodyPr>
+        <a:lstStyle/>
+        <a:p>
+          <a:pPr lvl="0" algn="ctr" defTabSz="1333500">
+            <a:lnSpc>
+              <a:spcPct val="90000"/>
+            </a:lnSpc>
+            <a:spcBef>
+              <a:spcPct val="0"/>
+            </a:spcBef>
+            <a:spcAft>
+              <a:spcPct val="35000"/>
+            </a:spcAft>
+          </a:pPr>
+          <a:r>
+            <a:rPr lang="en-US" sz="3000" kern="1200" dirty="0" smtClean="0"/>
+            <a:t>Courts</a:t>
+          </a:r>
+          <a:endParaRPr lang="en-US" sz="3000" kern="1200" dirty="0"/>
+        </a:p>
+      </dsp:txBody>
+      <dsp:txXfrm>
+        <a:off x="193397" y="299555"/>
+        <a:ext cx="1697655" cy="587055"/>
+      </dsp:txXfrm>
+    </dsp:sp>
+    <dsp:sp modelId="{E41D3319-AA88-4F91-985F-D81E3CA37654}">
+      <dsp:nvSpPr>
+        <dsp:cNvPr id="0" name=""/>
+        <dsp:cNvSpPr/>
+      </dsp:nvSpPr>
+      <dsp:spPr>
+        <a:xfrm rot="20804673">
+          <a:off x="3658110" y="832789"/>
+          <a:ext cx="280002" cy="0"/>
+        </a:xfrm>
+        <a:custGeom>
+          <a:avLst/>
+          <a:gdLst/>
+          <a:ahLst/>
+          <a:cxnLst/>
+          <a:rect l="0" t="0" r="0" b="0"/>
+          <a:pathLst>
+            <a:path>
+              <a:moveTo>
+                <a:pt x="0" y="0"/>
+              </a:moveTo>
+              <a:lnTo>
+                <a:pt x="280002" y="0"/>
+              </a:lnTo>
+            </a:path>
+          </a:pathLst>
+        </a:custGeom>
+        <a:noFill/>
+        <a:ln w="25400" cap="flat" cmpd="sng" algn="ctr">
+          <a:solidFill>
+            <a:schemeClr val="accent1">
+              <a:shade val="60000"/>
+              <a:hueOff val="0"/>
+              <a:satOff val="0"/>
+              <a:lumOff val="0"/>
+              <a:alphaOff val="0"/>
+            </a:schemeClr>
+          </a:solidFill>
+          <a:prstDash val="solid"/>
+        </a:ln>
+        <a:effectLst/>
+      </dsp:spPr>
+      <dsp:style>
+        <a:lnRef idx="2">
+          <a:scrgbClr r="0" g="0" b="0"/>
+        </a:lnRef>
+        <a:fillRef idx="0">
+          <a:scrgbClr r="0" g="0" b="0"/>
+        </a:fillRef>
+        <a:effectRef idx="0">
+          <a:scrgbClr r="0" g="0" b="0"/>
+        </a:effectRef>
+        <a:fontRef idx="minor"/>
+      </dsp:style>
+    </dsp:sp>
+    <dsp:sp modelId="{260126C1-8625-43F6-9D6B-ADA0448F657A}">
+      <dsp:nvSpPr>
+        <dsp:cNvPr id="0" name=""/>
+        <dsp:cNvSpPr/>
+      </dsp:nvSpPr>
+      <dsp:spPr>
+        <a:xfrm>
+          <a:off x="3934383" y="278489"/>
+          <a:ext cx="1711131" cy="641307"/>
+        </a:xfrm>
+        <a:prstGeom prst="roundRect">
+          <a:avLst/>
+        </a:prstGeom>
+        <a:solidFill>
+          <a:schemeClr val="accent1">
+            <a:hueOff val="0"/>
+            <a:satOff val="0"/>
+            <a:lumOff val="0"/>
+            <a:alphaOff val="0"/>
+          </a:schemeClr>
+        </a:solidFill>
+        <a:ln w="25400" cap="flat" cmpd="sng" algn="ctr">
+          <a:solidFill>
+            <a:schemeClr val="lt1">
+              <a:hueOff val="0"/>
+              <a:satOff val="0"/>
+              <a:lumOff val="0"/>
+              <a:alphaOff val="0"/>
+            </a:schemeClr>
+          </a:solidFill>
+          <a:prstDash val="solid"/>
+        </a:ln>
+        <a:effectLst/>
+      </dsp:spPr>
+      <dsp:style>
+        <a:lnRef idx="2">
+          <a:scrgbClr r="0" g="0" b="0"/>
+        </a:lnRef>
+        <a:fillRef idx="1">
+          <a:scrgbClr r="0" g="0" b="0"/>
+        </a:fillRef>
+        <a:effectRef idx="0">
+          <a:scrgbClr r="0" g="0" b="0"/>
+        </a:effectRef>
+        <a:fontRef idx="minor">
+          <a:schemeClr val="lt1"/>
+        </a:fontRef>
+      </dsp:style>
+      <dsp:txBody>
+        <a:bodyPr spcFirstLastPara="0" vert="horz" wrap="square" lIns="76200" tIns="76200" rIns="76200" bIns="76200" numCol="1" spcCol="1270" anchor="ctr" anchorCtr="0">
+          <a:noAutofit/>
+        </a:bodyPr>
+        <a:lstStyle/>
+        <a:p>
+          <a:pPr lvl="0" algn="ctr" defTabSz="1333500">
+            <a:lnSpc>
+              <a:spcPct val="90000"/>
+            </a:lnSpc>
+            <a:spcBef>
+              <a:spcPct val="0"/>
+            </a:spcBef>
+            <a:spcAft>
+              <a:spcPct val="35000"/>
+            </a:spcAft>
+          </a:pPr>
+          <a:r>
+            <a:rPr lang="en-US" sz="3000" kern="1200" dirty="0" smtClean="0"/>
+            <a:t>Attorneys</a:t>
+          </a:r>
+          <a:endParaRPr lang="en-US" sz="3000" kern="1200" dirty="0"/>
+        </a:p>
+      </dsp:txBody>
+      <dsp:txXfrm>
+        <a:off x="3965689" y="309795"/>
+        <a:ext cx="1648519" cy="578695"/>
+      </dsp:txXfrm>
+    </dsp:sp>
+    <dsp:sp modelId="{B97CBAE3-532E-4AC6-B4F1-7CD3CA97A4DD}">
+      <dsp:nvSpPr>
+        <dsp:cNvPr id="0" name=""/>
+        <dsp:cNvSpPr/>
+      </dsp:nvSpPr>
+      <dsp:spPr>
+        <a:xfrm rot="5446137">
+          <a:off x="2749337" y="1838356"/>
+          <a:ext cx="339853" cy="0"/>
+        </a:xfrm>
+        <a:custGeom>
+          <a:avLst/>
+          <a:gdLst/>
+          <a:ahLst/>
+          <a:cxnLst/>
+          <a:rect l="0" t="0" r="0" b="0"/>
+          <a:pathLst>
+            <a:path>
+              <a:moveTo>
+                <a:pt x="0" y="0"/>
+              </a:moveTo>
+              <a:lnTo>
+                <a:pt x="339853" y="0"/>
+              </a:lnTo>
+            </a:path>
+          </a:pathLst>
+        </a:custGeom>
+        <a:noFill/>
+        <a:ln w="25400" cap="flat" cmpd="sng" algn="ctr">
+          <a:solidFill>
+            <a:schemeClr val="accent1">
+              <a:shade val="60000"/>
+              <a:hueOff val="0"/>
+              <a:satOff val="0"/>
+              <a:lumOff val="0"/>
+              <a:alphaOff val="0"/>
+            </a:schemeClr>
+          </a:solidFill>
+          <a:prstDash val="solid"/>
+        </a:ln>
+        <a:effectLst/>
+      </dsp:spPr>
+      <dsp:style>
+        <a:lnRef idx="2">
+          <a:scrgbClr r="0" g="0" b="0"/>
+        </a:lnRef>
+        <a:fillRef idx="0">
+          <a:scrgbClr r="0" g="0" b="0"/>
+        </a:fillRef>
+        <a:effectRef idx="0">
+          <a:scrgbClr r="0" g="0" b="0"/>
+        </a:effectRef>
+        <a:fontRef idx="minor"/>
+      </dsp:style>
+    </dsp:sp>
+    <dsp:sp modelId="{D2459078-8AC1-4242-85B6-E983B4405C22}">
+      <dsp:nvSpPr>
+        <dsp:cNvPr id="0" name=""/>
+        <dsp:cNvSpPr/>
+      </dsp:nvSpPr>
+      <dsp:spPr>
+        <a:xfrm>
+          <a:off x="1223026" y="2008268"/>
+          <a:ext cx="3376933" cy="818228"/>
+        </a:xfrm>
+        <a:prstGeom prst="roundRect">
+          <a:avLst/>
+        </a:prstGeom>
+        <a:solidFill>
+          <a:schemeClr val="accent1">
+            <a:hueOff val="0"/>
+            <a:satOff val="0"/>
+            <a:lumOff val="0"/>
+            <a:alphaOff val="0"/>
+          </a:schemeClr>
+        </a:solidFill>
+        <a:ln w="25400" cap="flat" cmpd="sng" algn="ctr">
+          <a:solidFill>
+            <a:schemeClr val="lt1">
+              <a:hueOff val="0"/>
+              <a:satOff val="0"/>
+              <a:lumOff val="0"/>
+              <a:alphaOff val="0"/>
+            </a:schemeClr>
+          </a:solidFill>
+          <a:prstDash val="solid"/>
+        </a:ln>
+        <a:effectLst/>
+      </dsp:spPr>
+      <dsp:style>
+        <a:lnRef idx="2">
+          <a:scrgbClr r="0" g="0" b="0"/>
+        </a:lnRef>
+        <a:fillRef idx="1">
+          <a:scrgbClr r="0" g="0" b="0"/>
+        </a:fillRef>
+        <a:effectRef idx="0">
+          <a:scrgbClr r="0" g="0" b="0"/>
+        </a:effectRef>
+        <a:fontRef idx="minor">
+          <a:schemeClr val="lt1"/>
+        </a:fontRef>
+      </dsp:style>
+      <dsp:txBody>
+        <a:bodyPr spcFirstLastPara="0" vert="horz" wrap="square" lIns="58420" tIns="58420" rIns="58420" bIns="58420" numCol="1" spcCol="1270" anchor="ctr" anchorCtr="0">
+          <a:noAutofit/>
+        </a:bodyPr>
+        <a:lstStyle/>
+        <a:p>
+          <a:pPr lvl="0" algn="ctr" defTabSz="1022350">
+            <a:lnSpc>
+              <a:spcPct val="90000"/>
+            </a:lnSpc>
+            <a:spcBef>
+              <a:spcPct val="0"/>
+            </a:spcBef>
+            <a:spcAft>
+              <a:spcPct val="35000"/>
+            </a:spcAft>
+          </a:pPr>
+          <a:r>
+            <a:rPr lang="en-US" sz="2300" kern="1200" dirty="0" smtClean="0"/>
+            <a:t>Self Represented Litigants</a:t>
+          </a:r>
+          <a:endParaRPr lang="en-US" sz="2300" kern="1200" dirty="0"/>
+        </a:p>
+      </dsp:txBody>
+      <dsp:txXfrm>
+        <a:off x="1262969" y="2048211"/>
+        <a:ext cx="3297047" cy="738342"/>
+      </dsp:txXfrm>
+    </dsp:sp>
+  </dsp:spTree>
+</dsp:drawing>
+</file>
+
+<file path=ppt/diagrams/layout1.xml><?xml version="1.0" encoding="utf-8"?>
+<dgm:layoutDef xmlns:dgm="http://schemas.openxmlformats.org/drawingml/2006/diagram" xmlns:a="http://schemas.openxmlformats.org/drawingml/2006/main" uniqueId="urn:microsoft.com/office/officeart/2008/layout/RadialCluster">
+  <dgm:title val=""/>
+  <dgm:desc val=""/>
+  <dgm:catLst>
+    <dgm:cat type="relationship" pri="19500"/>
+    <dgm:cat type="cycle" pri="15000"/>
+  </dgm:catLst>
+  <dgm:sampData>
+    <dgm:dataModel>
+      <dgm:ptLst>
+        <dgm:pt modelId="0" type="doc"/>
+        <dgm:pt modelId="1">
+          <dgm:prSet phldr="1"/>
+        </dgm:pt>
+        <dgm:pt modelId="11">
+          <dgm:prSet phldr="1"/>
+        </dgm:pt>
+        <dgm:pt modelId="12">
+          <dgm:prSet phldr="1"/>
+        </dgm:pt>
+        <dgm:pt modelId="13">
+          <dgm:prSet phldr="1"/>
+        </dgm:pt>
+      </dgm:ptLst>
+      <dgm:cxnLst>
+        <dgm:cxn modelId="2" srcId="0" destId="1" srcOrd="0" destOrd="0"/>
+        <dgm:cxn modelId="3" srcId="1" destId="11" srcOrd="0" destOrd="0"/>
+        <dgm:cxn modelId="4" srcId="1" destId="12" srcOrd="1" destOrd="0"/>
+        <dgm:cxn modelId="5" srcId="1" destId="13" srcOrd="2" destOrd="0"/>
+      </dgm:cxnLst>
+      <dgm:bg/>
+      <dgm:whole/>
+    </dgm:dataModel>
+  </dgm:sampData>
+  <dgm:styleData useDef="1">
+    <dgm:dataModel>
+      <dgm:ptLst/>
+      <dgm:bg/>
+      <dgm:whole/>
+    </dgm:dataModel>
+  </dgm:styleData>
+  <dgm:clrData useDef="1">
+    <dgm:dataModel>
+      <dgm:ptLst/>
+      <dgm:bg/>
+      <dgm:whole/>
+    </dgm:dataModel>
+  </dgm:clrData>
+  <dgm:layoutNode name="Name0">
+    <dgm:varLst>
+      <dgm:chMax val="1"/>
+      <dgm:chPref val="1"/>
+      <dgm:dir/>
+      <dgm:animOne val="branch"/>
+      <dgm:animLvl val="lvl"/>
+    </dgm:varLst>
+    <dgm:alg type="composite">
+      <dgm:param type="ar" val="1.00"/>
+    </dgm:alg>
+    <dgm:shape xmlns:r="http://schemas.openxmlformats.org/officeDocument/2006/relationships" r:blip="">
+      <dgm:adjLst/>
+    </dgm:shape>
+    <dgm:choose name="Name1">
+      <dgm:if name="Name2" func="var" arg="dir" op="equ" val="norm">
+        <dgm:choose name="Name3">
+          <dgm:if name="Name4" axis="ch ch" ptType="node node" cnt="1 0" func="cnt" op="equ" val="1">
+            <dgm:constrLst>
+              <dgm:constr type="l" for="ch" forName="textCenter"/>
+              <dgm:constr type="ctrY" for="ch" forName="textCenter" refType="h" fact="0.5"/>
+              <dgm:constr type="w" for="ch" forName="textCenter" refType="w" fact="0.32"/>
+              <dgm:constr type="h" for="ch" forName="textCenter" refType="w" refFor="ch" refForName="textCenter"/>
+              <dgm:constr type="r" for="ch" forName="cycle_1" refType="w"/>
+              <dgm:constr type="ctrY" for="ch" forName="cycle_1" refType="h" fact="0.5"/>
+              <dgm:constr type="w" for="ch" forName="cycle_1" refType="w" fact="0.56"/>
+              <dgm:constr type="h" for="ch" forName="cycle_1" refType="h"/>
+              <dgm:constr type="primFontSz" for="ch" forName="textCenter" val="65"/>
+              <dgm:constr type="primFontSz" for="des" forName="childCenter1" val="65"/>
+              <dgm:constr type="primFontSz" for="des" forName="text1" op="equ" val="65"/>
+              <dgm:constr type="userS" for="des" ptType="node" refType="w" refFor="ch" refForName="textCenter" fact="0.67"/>
+            </dgm:constrLst>
+          </dgm:if>
+          <dgm:if name="Name5" axis="ch ch" ptType="node node" cnt="1 0" func="cnt" op="equ" val="2">
+            <dgm:constrLst>
+              <dgm:constr type="ctrX" for="ch" forName="textCenter" refType="w" fact="0.5"/>
+              <dgm:constr type="ctrY" for="ch" forName="textCenter" refType="h" fact="0.5"/>
+              <dgm:constr type="w" for="ch" forName="textCenter" refType="w" fact="0.25"/>
+              <dgm:constr type="h" for="ch" forName="textCenter" refType="w" refFor="ch" refForName="textCenter"/>
+              <dgm:constr type="ctrX" for="ch" forName="cycle_1" refType="w" fact="0.5"/>
+              <dgm:constr type="t" for="ch" forName="cycle_1"/>
+              <dgm:constr type="w" for="ch" forName="cycle_1" refType="w"/>
+              <dgm:constr type="h" for="ch" forName="cycle_1" refType="h" fact="0.34"/>
+              <dgm:constr type="ctrX" for="ch" forName="cycle_2" refType="w" fact="0.5"/>
+              <dgm:constr type="b" for="ch" forName="cycle_2" refType="h"/>
+              <dgm:constr type="w" for="ch" forName="cycle_2" refType="w"/>
+              <dgm:constr type="h" for="ch" forName="cycle_2" refType="h" fact="0.34"/>
+              <dgm:constr type="primFontSz" for="ch" forName="textCenter" val="65"/>
+              <dgm:constr type="primFontSz" for="des" forName="childCenter1" val="65"/>
+              <dgm:constr type="primFontSz" for="des" forName="text1" op="equ" val="65"/>
+              <dgm:constr type="primFontSz" for="des" forName="childCenter2" refType="primFontSz" refFor="des" refForName="childCenter1" op="equ"/>
+              <dgm:constr type="primFontSz" for="des" forName="text2" refType="primFontSz" refFor="des" refForName="text1" op="equ"/>
+              <dgm:constr type="userS" for="des" ptType="node" refType="w" refFor="ch" refForName="textCenter" fact="0.67"/>
+            </dgm:constrLst>
+          </dgm:if>
+          <dgm:if name="Name6" axis="ch ch" ptType="node node" cnt="1 0" func="cnt" op="equ" val="3">
+            <dgm:choose name="Name7">
+              <dgm:if name="Name8" axis="ch ch ch" ptType="node node node" st="1 2 0" cnt="1 1 0" func="cnt" op="equ" val="1">
+                <dgm:choose name="Name9">
+                  <dgm:if name="Name10" axis="ch ch ch" ptType="node node node" st="1 3 0" cnt="1 1 0" func="cnt" op="equ" val="1">
+                    <dgm:constrLst>
+                      <dgm:constr type="ctrX" for="ch" forName="textCenter" refType="w" fact="0.5"/>
+                      <dgm:constr type="t" for="ch" forName="textCenter" refType="h" fact="0.436"/>
+                      <dgm:constr type="w" for="ch" forName="textCenter" refType="w" fact="0.21"/>
+                      <dgm:constr type="h" for="ch" forName="textCenter" refType="w" refFor="ch" refForName="textCenter"/>
+                      <dgm:constr type="ctrX" for="ch" forName="cycle_1" refType="w" fact="0.5"/>
+                      <dgm:constr type="t" for="ch" forName="cycle_1"/>
+                      <dgm:constr type="w" for="ch" forName="cycle_1" refType="w" fact="0.61"/>
+                      <dgm:constr type="h" for="ch" forName="cycle_1" refType="h" fact="0.36"/>
+                      <dgm:constr type="diam" for="ch" forName="cycle_1" refType="w" fact="0.5"/>
+                      <dgm:constr type="r" for="ch" forName="cycle_2" refType="w"/>
+                      <dgm:constr type="b" for="ch" forName="cycle_2" refType="h" fact="0.85"/>
+                      <dgm:constr type="w" for="ch" forName="cycle_2" refType="w" fact="0.46"/>
+                      <dgm:constr type="h" for="ch" forName="cycle_2" refType="h" fact="0.54"/>
+                      <dgm:constr type="diam" for="ch" forName="cycle_2" refType="w" fact="0.5"/>
+                      <dgm:constr type="l" for="ch" forName="cycle_3"/>
+                      <dgm:constr type="b" for="ch" forName="cycle_3" refType="h" fact="0.85"/>
+                      <dgm:constr type="w" for="ch" forName="cycle_3" refType="w" fact="0.46"/>
+                      <dgm:constr type="h" for="ch" forName="cycle_3" refType="h" fact="0.54"/>
+                      <dgm:constr type="diam" for="ch" forName="cycle_3" refType="w" fact="0.5"/>
+                      <dgm:constr type="primFontSz" for="ch" forName="textCenter" val="65"/>
+                      <dgm:constr type="primFontSz" for="des" forName="childCenter1" val="65"/>
+                      <dgm:constr type="primFontSz" for="des" forName="text1" op="equ" val="65"/>
+                      <dgm:constr type="primFontSz" for="des" forName="childCenter2" refType="primFontSz" refFor="des" refForName="childCenter1" op="equ"/>
+                      <dgm:constr type="primFontSz" for="des" forName="text2" refType="primFontSz" refFor="des" refForName="text1" op="equ"/>
+                      <dgm:constr type="primFontSz" for="des" forName="childCenter3" refType="primFontSz" refFor="des" refForName="childCenter1" op="equ"/>
+                      <dgm:constr type="primFontSz" for="des" forName="text3" refType="primFontSz" refFor="des" refForName="text1" op="equ"/>
+                      <dgm:constr type="userS" for="des" ptType="node" refType="w" refFor="ch" refForName="textCenter" fact="0.67"/>
+                    </dgm:constrLst>
+                  </dgm:if>
+                  <dgm:else name="Name11">
+                    <dgm:constrLst>
+                      <dgm:constr type="ctrX" for="ch" forName="textCenter" refType="w" fact="0.5"/>
+                      <dgm:constr type="t" for="ch" forName="textCenter" refType="h" fact="0.436"/>
+                      <dgm:constr type="w" for="ch" forName="textCenter" refType="w" fact="0.21"/>
+                      <dgm:constr type="h" for="ch" forName="textCenter" refType="w" refFor="ch" refForName="textCenter"/>
+                      <dgm:constr type="ctrX" for="ch" forName="cycle_1" refType="w" fact="0.5"/>
+                      <dgm:constr type="t" for="ch" forName="cycle_1"/>
+                      <dgm:constr type="w" for="ch" forName="cycle_1" refType="w" fact="0.61"/>
+                      <dgm:constr type="h" for="ch" forName="cycle_1" refType="h" fact="0.36"/>
+                      <dgm:constr type="diam" for="ch" forName="cycle_1" refType="w" fact="0.5"/>
+                      <dgm:constr type="r" for="ch" forName="cycle_2" refType="w"/>
+                      <dgm:constr type="b" for="ch" forName="cycle_2" refType="h" fact="0.85"/>
+                      <dgm:constr type="w" for="ch" forName="cycle_2" refType="w" fact="0.46"/>
+                      <dgm:constr type="h" for="ch" forName="cycle_2" refType="h" fact="0.54"/>
+                      <dgm:constr type="diam" for="ch" forName="cycle_2" refType="w" fact="0.5"/>
+                      <dgm:constr type="l" for="ch" forName="cycle_3"/>
+                      <dgm:constr type="b" for="ch" forName="cycle_3" refType="h"/>
+                      <dgm:constr type="w" for="ch" forName="cycle_3" refType="w" fact="0.46"/>
+                      <dgm:constr type="h" for="ch" forName="cycle_3" refType="h" fact="0.54"/>
+                      <dgm:constr type="diam" for="ch" forName="cycle_3" refType="w" fact="0.5"/>
+                      <dgm:constr type="primFontSz" for="ch" forName="textCenter" val="65"/>
+                      <dgm:constr type="primFontSz" for="des" forName="childCenter1" val="65"/>
+                      <dgm:constr type="primFontSz" for="des" forName="text1" op="equ" val="65"/>
+                      <dgm:constr type="primFontSz" for="des" forName="childCenter2" refType="primFontSz" refFor="des" refForName="childCenter1" op="equ"/>
+                      <dgm:constr type="primFontSz" for="des" forName="text2" refType="primFontSz" refFor="des" refForName="text1" op="equ"/>
+                      <dgm:constr type="primFontSz" for="des" forName="childCenter3" refType="primFontSz" refFor="des" refForName="childCenter1" op="equ"/>
+                      <dgm:constr type="primFontSz" for="des" forName="text3" refType="primFontSz" refFor="des" refForName="text1" op="equ"/>
+                      <dgm:constr type="userS" for="des" ptType="node" refType="w" refFor="ch" refForName="textCenter" fact="0.67"/>
+                    </dgm:constrLst>
+                  </dgm:else>
+                </dgm:choose>
+              </dgm:if>
+              <dgm:else name="Name12">
+                <dgm:choose name="Name13">
+                  <dgm:if name="Name14" axis="ch ch ch" ptType="node node node" st="1 3 0" cnt="1 1 0" func="cnt" op="equ" val="1">
+                    <dgm:constrLst>
+                      <dgm:constr type="ctrX" for="ch" forName="textCenter" refType="w" fact="0.5"/>
+                      <dgm:constr type="t" for="ch" forName="textCenter" refType="h" fact="0.436"/>
+                      <dgm:constr type="w" for="ch" forName="textCenter" refType="w" fact="0.21"/>
+                      <dgm:constr type="h" for="ch" forName="textCenter" refType="w" refFor="ch" refForName="textCenter"/>
+                      <dgm:constr type="ctrX" for="ch" forName="cycle_1" refType="w" fact="0.5"/>
+                      <dgm:constr type="t" for="ch" forName="cycle_1"/>
+                      <dgm:constr type="w" for="ch" forName="cycle_1" refType="w" fact="0.61"/>
+                      <dgm:constr type="h" for="ch" forName="cycle_1" refType="h" fact="0.36"/>
+                      <dgm:constr type="diam" for="ch" forName="cycle_1" refType="w" fact="0.5"/>
+                      <dgm:constr type="r" for="ch" forName="cycle_2" refType="w"/>
+                      <dgm:constr type="b" for="ch" forName="cycle_2" refType="h"/>
+                      <dgm:constr type="w" for="ch" forName="cycle_2" refType="w" fact="0.46"/>
+                      <dgm:constr type="h" for="ch" forName="cycle_2" refType="h" fact="0.54"/>
+                      <dgm:constr type="diam" for="ch" forName="cycle_2" refType="w" fact="0.5"/>
+                      <dgm:constr type="l" for="ch" forName="cycle_3"/>
+                      <dgm:constr type="b" for="ch" forName="cycle_3" refType="h" fact="0.85"/>
+                      <dgm:constr type="w" for="ch" forName="cycle_3" refType="w" fact="0.46"/>
+                      <dgm:constr type="h" for="ch" forName="cycle_3" refType="h" fact="0.54"/>
+                      <dgm:constr type="diam" for="ch" forName="cycle_3" refType="w" fact="0.5"/>
+                      <dgm:constr type="primFontSz" for="ch" forName="textCenter" val="65"/>
+                      <dgm:constr type="primFontSz" for="des" forName="childCenter1" val="65"/>
+                      <dgm:constr type="primFontSz" for="des" forName="text1" op="equ" val="65"/>
+                      <dgm:constr type="primFontSz" for="des" forName="childCenter2" refType="primFontSz" refFor="des" refForName="childCenter1" op="equ"/>
+                      <dgm:constr type="primFontSz" for="des" forName="text2" refType="primFontSz" refFor="des" refForName="text1" op="equ"/>
+                      <dgm:constr type="primFontSz" for="des" forName="childCenter3" refType="primFontSz" refFor="des" refForName="childCenter1" op="equ"/>
+                      <dgm:constr type="primFontSz" for="des" forName="text3" refType="primFontSz" refFor="des" refForName="text1" op="equ"/>
+                      <dgm:constr type="userS" for="des" ptType="node" refType="w" refFor="ch" refForName="textCenter" fact="0.67"/>
+                    </dgm:constrLst>
+                  </dgm:if>
+                  <dgm:else name="Name15">
+                    <dgm:constrLst>
+                      <dgm:constr type="ctrX" for="ch" forName="textCenter" refType="w" fact="0.5"/>
+                      <dgm:constr type="t" for="ch" forName="textCenter" refType="h" fact="0.436"/>
+                      <dgm:constr type="w" for="ch" forName="textCenter" refType="w" fact="0.21"/>
+                      <dgm:constr type="h" for="ch" forName="textCenter" refType="w" refFor="ch" refForName="textCenter"/>
+                      <dgm:constr type="ctrX" for="ch" forName="cycle_1" refType="w" fact="0.5"/>
+                      <dgm:constr type="t" for="ch" forName="cycle_1"/>
+                      <dgm:constr type="w" for="ch" forName="cycle_1" refType="w" fact="0.61"/>
+                      <dgm:constr type="h" for="ch" forName="cycle_1" refType="h" fact="0.36"/>
+                      <dgm:constr type="diam" for="ch" forName="cycle_1" refType="w" fact="0.5"/>
+                      <dgm:constr type="r" for="ch" forName="cycle_2" refType="w"/>
+                      <dgm:constr type="b" for="ch" forName="cycle_2" refType="h"/>
+                      <dgm:constr type="w" for="ch" forName="cycle_2" refType="w" fact="0.46"/>
+                      <dgm:constr type="h" for="ch" forName="cycle_2" refType="h" fact="0.54"/>
+                      <dgm:constr type="diam" for="ch" forName="cycle_2" refType="w" fact="0.5"/>
+                      <dgm:constr type="l" for="ch" forName="cycle_3"/>
+                      <dgm:constr type="b" for="ch" forName="cycle_3" refType="h"/>
+                      <dgm:constr type="w" for="ch" forName="cycle_3" refType="w" fact="0.46"/>
+                      <dgm:constr type="h" for="ch" forName="cycle_3" refType="h" fact="0.54"/>
+                      <dgm:constr type="diam" for="ch" forName="cycle_3" refType="w" fact="0.5"/>
+                      <dgm:constr type="primFontSz" for="ch" forName="textCenter" val="65"/>
+                      <dgm:constr type="primFontSz" for="des" forName="childCenter1" val="65"/>
+                      <dgm:constr type="primFontSz" for="des" forName="text1" op="equ" val="65"/>
+                      <dgm:constr type="primFontSz" for="des" forName="childCenter2" refType="primFontSz" refFor="des" refForName="childCenter1" op="equ"/>
+                      <dgm:constr type="primFontSz" for="des" forName="text2" refType="primFontSz" refFor="des" refForName="text1" op="equ"/>
+                      <dgm:constr type="primFontSz" for="des" forName="childCenter3" refType="primFontSz" refFor="des" refForName="childCenter1" op="equ"/>
+                      <dgm:constr type="primFontSz" for="des" forName="text3" refType="primFontSz" refFor="des" refForName="text1" op="equ"/>
+                      <dgm:constr type="userS" for="des" ptType="node" refType="w" refFor="ch" refForName="textCenter" fact="0.67"/>
+                    </dgm:constrLst>
+                  </dgm:else>
+                </dgm:choose>
+              </dgm:else>
+            </dgm:choose>
+          </dgm:if>
+          <dgm:if name="Name16" axis="ch ch" ptType="node node" cnt="1 0" func="cnt" op="equ" val="4">
+            <dgm:constrLst>
+              <dgm:constr type="ctrX" for="ch" forName="textCenter" refType="w" fact="0.5"/>
+              <dgm:constr type="ctrY" for="ch" forName="textCenter" refType="h" fact="0.5"/>
+              <dgm:constr type="w" for="ch" forName="textCenter" refType="w" fact="0.2"/>
+              <dgm:constr type="h" for="ch" forName="textCenter" refType="w" refFor="ch" refForName="textCenter"/>
+              <dgm:constr type="ctrX" for="ch" forName="cycle_1" refType="w" fact="0.5"/>
+              <dgm:constr type="t" for="ch" forName="cycle_1"/>
+              <dgm:constr type="w" for="ch" forName="cycle_1" refType="w" fact="0.5"/>
+              <dgm:constr type="h" for="ch" forName="cycle_1" refType="h" fact="0.33"/>
+              <dgm:constr type="r" for="ch" forName="cycle_2" refType="w"/>
+              <dgm:constr type="ctrY" for="ch" forName="cycle_2" refType="h" fact="0.5"/>
+              <dgm:constr type="w" for="ch" forName="cycle_2" refType="w" fact="0.33"/>
+              <dgm:constr type="h" for="ch" forName="cycle_2" refType="h" fact="0.5"/>
+              <dgm:constr type="ctrX" for="ch" forName="cycle_3" refType="w" fact="0.5"/>
+              <dgm:constr type="b" for="ch" forName="cycle_3" refType="h"/>
+              <dgm:constr type="w" for="ch" forName="cycle_3" refType="w" fact="0.5"/>
+              <dgm:constr type="h" for="ch" forName="cycle_3" refType="h" fact="0.33"/>
+              <dgm:constr type="l" for="ch" forName="cycle_4"/>
+              <dgm:constr type="ctrY" for="ch" forName="cycle_4" refType="h" fact="0.5"/>
+              <dgm:constr type="w" for="ch" forName="cycle_4" refType="w" fact="0.33"/>
+              <dgm:constr type="h" for="ch" forName="cycle_4" refType="h" fact="0.5"/>
+              <dgm:constr type="primFontSz" for="ch" forName="textCenter" val="65"/>
+              <dgm:constr type="primFontSz" for="des" forName="childCenter1" val="65"/>
+              <dgm:constr type="primFontSz" for="des" forName="text1" op="equ" val="65"/>
+              <dgm:constr type="primFontSz" for="des" forName="childCenter2" refType="primFontSz" refFor="des" refForName="childCenter1" op="equ"/>
+              <dgm:constr type="primFontSz" for="des" forName="text2" refType="primFontSz" refFor="des" refForName="text1" op="equ"/>
+              <dgm:constr type="primFontSz" for="des" forName="childCenter3" refType="primFontSz" refFor="des" refForName="childCenter1" op="equ"/>
+              <dgm:constr type="primFontSz" for="des" forName="text3" refType="primFontSz" refFor="des" refForName="text1" op="equ"/>
+              <dgm:constr type="primFontSz" for="des" forName="childCenter4" refType="primFontSz" refFor="des" refForName="childCenter1" op="equ"/>
+              <dgm:constr type="primFontSz" for="des" forName="text4" refType="primFontSz" refFor="des" refForName="text1" op="equ"/>
+              <dgm:constr type="userS" for="des" ptType="node" refType="w" refFor="ch" refForName="textCenter" fact="0.67"/>
+            </dgm:constrLst>
+          </dgm:if>
+          <dgm:if name="Name17" axis="ch ch" ptType="node node" cnt="1 0" func="cnt" op="equ" val="5">
+            <dgm:constrLst>
+              <dgm:constr type="ctrX" for="ch" forName="textCenter" refType="w" fact="0.5"/>
+              <dgm:constr type="t" for="ch" forName="textCenter" refType="h" fact="0.42"/>
+              <dgm:constr type="w" for="ch" forName="textCenter" refType="w" fact="0.2"/>
+              <dgm:constr type="h" for="ch" forName="textCenter" refType="w" refFor="ch" refForName="textCenter"/>
+              <dgm:constr type="ctrX" for="ch" forName="cycle_1" refType="w" fact="0.5"/>
+              <dgm:constr type="t" for="ch" forName="cycle_1"/>
+              <dgm:constr type="w" for="ch" forName="cycle_1" refType="w" fact="0.33"/>
+              <dgm:constr type="h" for="ch" forName="cycle_1" refType="w" refFor="ch" refForName="cycle_1"/>
+              <dgm:constr type="r" for="ch" forName="cycle_2" refType="w"/>
+              <dgm:constr type="t" for="ch" forName="cycle_2" refType="h" fact="0.24"/>
+              <dgm:constr type="w" for="ch" forName="cycle_2" refType="w" fact="0.33"/>
+              <dgm:constr type="h" for="ch" forName="cycle_2" refType="w" refFor="ch" refForName="cycle_2"/>
+              <dgm:constr type="r" for="ch" forName="cycle_3" refType="w" fact="0.89"/>
+              <dgm:constr type="b" for="ch" forName="cycle_3" refType="h"/>
+              <dgm:constr type="w" for="ch" forName="cycle_3" refType="w" fact="0.33"/>
+              <dgm:constr type="h" for="ch" forName="cycle_3" refType="w" refFor="ch" refForName="cycle_3"/>
+              <dgm:constr type="l" for="ch" forName="cycle_4" refType="w" fact="0.11"/>
+              <dgm:constr type="b" for="ch" forName="cycle_4" refType="h"/>
+              <dgm:constr type="w" for="ch" forName="cycle_4" refType="w" fact="0.33"/>
+              <dgm:constr type="h" for="ch" forName="cycle_4" refType="w" refFor="ch" refForName="cycle_4"/>
+              <dgm:constr type="l" for="ch" forName="cycle_5"/>
+              <dgm:constr type="t" for="ch" forName="cycle_5" refType="h" fact="0.24"/>
+              <dgm:constr type="w" for="ch" forName="cycle_5" refType="w" fact="0.33"/>
+              <dgm:constr type="h" for="ch" forName="cycle_5" refType="w" refFor="ch" refForName="cycle_5"/>
+              <dgm:constr type="primFontSz" for="ch" forName="textCenter" val="65"/>
+              <dgm:constr type="primFontSz" for="des" forName="childCenter1" val="65"/>
+              <dgm:constr type="primFontSz" for="des" forName="text1" op="equ" val="65"/>
+              <dgm:constr type="primFontSz" for="des" forName="childCenter2" refType="primFontSz" refFor="des" refForName="childCenter1" op="equ"/>
+              <dgm:constr type="primFontSz" for="des" forName="text2" refType="primFontSz" refFor="des" refForName="text1" op="equ"/>
+              <dgm:constr type="primFontSz" for="des" forName="childCenter3" refType="primFontSz" refFor="des" refForName="childCenter1" op="equ"/>
+              <dgm:constr type="primFontSz" for="des" forName="text3" refType="primFontSz" refFor="des" refForName="text1" op="equ"/>
+              <dgm:constr type="primFontSz" for="des" forName="childCenter4" refType="primFontSz" refFor="des" refForName="childCenter1" op="equ"/>
+              <dgm:constr type="primFontSz" for="des" forName="text4" refType="primFontSz" refFor="des" refForName="text1" op="equ"/>
+              <dgm:constr type="primFontSz" for="des" forName="childCenter5" refType="primFontSz" refFor="des" refForName="childCenter1" op="equ"/>
+              <dgm:constr type="primFontSz" for="des" forName="text5" refType="primFontSz" refFor="des" refForName="text1" op="equ"/>
+              <dgm:constr type="userS" for="des" ptType="node" refType="w" refFor="ch" refForName="textCenter" fact="0.67"/>
+            </dgm:constrLst>
+          </dgm:if>
+          <dgm:if name="Name18" axis="ch ch" ptType="node node" cnt="1 0" func="cnt" op="equ" val="6">
+            <dgm:constrLst>
+              <dgm:constr type="ctrX" for="ch" forName="textCenter" refType="w" fact="0.5"/>
+              <dgm:constr type="ctrY" for="ch" forName="textCenter" refType="h" fact="0.5"/>
+              <dgm:constr type="w" for="ch" forName="textCenter" refType="w" fact="0.2"/>
+              <dgm:constr type="h" for="ch" forName="textCenter" refType="w" refFor="ch" refForName="textCenter"/>
+              <dgm:constr type="ctrX" for="ch" forName="cycle_1" refType="w" fact="0.5"/>
+              <dgm:constr type="t" for="ch" forName="cycle_1"/>
+              <dgm:constr type="w" for="ch" forName="cycle_1" refType="w" fact="0.33"/>
+              <dgm:constr type="h" for="ch" forName="cycle_1" refType="w" refFor="ch" refForName="cycle_1"/>
+              <dgm:constr type="r" for="ch" forName="cycle_2" refType="w"/>
+              <dgm:constr type="t" for="ch" forName="cycle_2" refType="h" fact="0.17"/>
+              <dgm:constr type="w" for="ch" forName="cycle_2" refType="w" fact="0.33"/>
+              <dgm:constr type="h" for="ch" forName="cycle_2" refType="w" refFor="ch" refForName="cycle_2"/>
+              <dgm:constr type="r" for="ch" forName="cycle_3" refType="w"/>
+              <dgm:constr type="b" for="ch" forName="cycle_3" refType="h" fact="0.83"/>
+              <dgm:constr type="w" for="ch" forName="cycle_3" refType="w" fact="0.33"/>
+              <dgm:constr type="h" for="ch" forName="cycle_3" refType="w" refFor="ch" refForName="cycle_3"/>
+              <dgm:constr type="ctrX" for="ch" forName="cycle_4" refType="w" fact="0.5"/>
+              <dgm:constr type="b" for="ch" forName="cycle_4" refType="h"/>
+              <dgm:constr type="w" for="ch" forName="cycle_4" refType="w" fact="0.33"/>
+              <dgm:constr type="h" for="ch" forName="cycle_4" refType="w" refFor="ch" refForName="cycle_4"/>
+              <dgm:constr type="l" for="ch" forName="cycle_5"/>
+              <dgm:constr type="b" for="ch" forName="cycle_5" refType="h" fact="0.83"/>
+              <dgm:constr type="w" for="ch" forName="cycle_5" refType="w" fact="0.33"/>
+              <dgm:constr type="h" for="ch" forName="cycle_5" refType="w" refFor="ch" refForName="cycle_5"/>
+              <dgm:constr type="l" for="ch" forName="cycle_6"/>
+              <dgm:constr type="t" for="ch" forName="cycle_6" refType="h" fact="0.17"/>
+              <dgm:constr type="w" for="ch" forName="cycle_6" refType="w" fact="0.33"/>
+              <dgm:constr type="h" for="ch" forName="cycle_6" refType="w" refFor="ch" refForName="cycle_6"/>
+              <dgm:constr type="primFontSz" for="ch" forName="textCenter" val="65"/>
+              <dgm:constr type="primFontSz" for="des" forName="childCenter1" val="65"/>
+              <dgm:constr type="primFontSz" for="des" forName="text1" op="equ" val="65"/>
+              <dgm:constr type="primFontSz" for="des" forName="childCenter2" refType="primFontSz" refFor="des" refForName="childCenter1" op="equ"/>
+              <dgm:constr type="primFontSz" for="des" forName="text2" refType="primFontSz" refFor="des" refForName="text1" op="equ"/>
+              <dgm:constr type="primFontSz" for="des" forName="childCenter3" refType="primFontSz" refFor="des" refForName="childCenter1" op="equ"/>
+              <dgm:constr type="primFontSz" for="des" forName="text3" refType="primFontSz" refFor="des" refForName="text1" op="equ"/>
+              <dgm:constr type="primFontSz" for="des" forName="childCenter4" refType="primFontSz" refFor="des" refForName="childCenter1" op="equ"/>
+              <dgm:constr type="primFontSz" for="des" forName="text4" refType="primFontSz" refFor="des" refForName="text1" op="equ"/>
+              <dgm:constr type="primFontSz" for="des" forName="childCenter5" refType="primFontSz" refFor="des" refForName="childCenter1" op="equ"/>
+              <dgm:constr type="primFontSz" for="des" forName="text5" refType="primFontSz" refFor="des" refForName="text1" op="equ"/>
+              <dgm:constr type="primFontSz" for="des" forName="childCenter6" refType="primFontSz" refFor="des" refForName="childCenter1" op="equ"/>
+              <dgm:constr type="primFontSz" for="des" forName="text6" refType="primFontSz" refFor="des" refForName="text1" op="equ"/>
+              <dgm:constr type="userS" for="des" ptType="node" refType="w" refFor="ch" refForName="textCenter" fact="0.67"/>
+            </dgm:constrLst>
+          </dgm:if>
+          <dgm:else name="Name19">
+            <dgm:constrLst>
+              <dgm:constr type="ctrX" for="ch" forName="textCenter" refType="w" fact="0.5"/>
+              <dgm:constr type="t" for="ch" forName="textCenter" refType="h" fact="0.444"/>
+              <dgm:constr type="w" for="ch" forName="textCenter" refType="w" fact="0.167"/>
+              <dgm:constr type="h" for="ch" forName="textCenter" refType="w" refFor="ch" refForName="textCenter"/>
+              <dgm:constr type="ctrX" for="ch" forName="cycle_1" refType="w" fact="0.5"/>
+              <dgm:constr type="t" for="ch" forName="cycle_1"/>
+              <dgm:constr type="w" for="ch" forName="cycle_1" refType="w" fact="0.263"/>
+              <dgm:constr type="h" for="ch" forName="cycle_1" refType="w" refFor="ch" refForName="cycle_1"/>
+              <dgm:constr type="r" for="ch" forName="cycle_2" refType="w" fact="0.938"/>
+              <dgm:constr type="t" for="ch" forName="cycle_2" refType="h" fact="0.141"/>
+              <dgm:constr type="w" for="ch" forName="cycle_2" refType="w" fact="0.263"/>
+              <dgm:constr type="h" for="ch" forName="cycle_2" refType="w" refFor="ch" refForName="cycle_2"/>
+              <dgm:constr type="r" for="ch" forName="cycle_3" refType="w"/>
+              <dgm:constr type="b" for="ch" forName="cycle_3" refType="h" fact="0.74"/>
+              <dgm:constr type="w" for="ch" forName="cycle_3" refType="w" fact="0.263"/>
+              <dgm:constr type="h" for="ch" forName="cycle_3" refType="w" refFor="ch" refForName="cycle_3"/>
+              <dgm:constr type="r" for="ch" forName="cycle_4" refType="w" fact="0.8"/>
+              <dgm:constr type="b" for="ch" forName="cycle_4" refType="h"/>
+              <dgm:constr type="w" for="ch" forName="cycle_4" refType="w" fact="0.263"/>
+              <dgm:constr type="h" for="ch" forName="cycle_4" refType="w" refFor="ch" refForName="cycle_4"/>
+              <dgm:constr type="l" for="ch" forName="cycle_5" refType="w" fact="0.2"/>
+              <dgm:constr type="b" for="ch" forName="cycle_5" refType="h"/>
+              <dgm:constr type="w" for="ch" forName="cycle_5" refType="w" fact="0.263"/>
+              <dgm:constr type="h" for="ch" forName="cycle_5" refType="w" refFor="ch" refForName="cycle_5"/>
+              <dgm:constr type="l" for="ch" forName="cycle_6"/>
+              <dgm:constr type="b" for="ch" forName="cycle_6" refType="h" fact="0.74"/>
+              <dgm:constr type="w" for="ch" forName="cycle_6" refType="w" fact="0.263"/>
+              <dgm:constr type="h" for="ch" forName="cycle_6" refType="w" refFor="ch" refForName="cycle_6"/>
+              <dgm:constr type="l" for="ch" forName="cycle_7" refType="w" fact="0.062"/>
+              <dgm:constr type="t" for="ch" forName="cycle_7" refType="h" fact="0.141"/>
+              <dgm:constr type="w" for="ch" forName="cycle_7" refType="w" fact="0.263"/>
+              <dgm:constr type="h" for="ch" forName="cycle_7" refType="w" refFor="ch" refForName="cycle_7"/>
+              <dgm:constr type="primFontSz" for="ch" forName="textCenter" val="65"/>
+              <dgm:constr type="primFontSz" for="des" forName="childCenter1" val="65"/>
+              <dgm:constr type="primFontSz" for="des" forName="text1" op="equ" val="65"/>
+              <dgm:constr type="primFontSz" for="des" forName="childCenter2" refType="primFontSz" refFor="des" refForName="childCenter1" op="equ"/>
+              <dgm:constr type="primFontSz" for="des" forName="text2" refType="primFontSz" refFor="des" refForName="text1" op="equ"/>
+              <dgm:constr type="primFontSz" for="des" forName="childCenter3" refType="primFontSz" refFor="des" refForName="childCenter1" op="equ"/>
+              <dgm:constr type="primFontSz" for="des" forName="text3" refType="primFontSz" refFor="des" refForName="text1" op="equ"/>
+              <dgm:constr type="primFontSz" for="des" forName="childCenter4" refType="primFontSz" refFor="des" refForName="childCenter1" op="equ"/>
+              <dgm:constr type="primFontSz" for="des" forName="text4" refType="primFontSz" refFor="des" refForName="text1" op="equ"/>
+              <dgm:constr type="primFontSz" for="des" forName="childCenter5" refType="primFontSz" refFor="des" refForName="childCenter1" op="equ"/>
+              <dgm:constr type="primFontSz" for="des" forName="text5" refType="primFontSz" refFor="des" refForName="text1" op="equ"/>
+              <dgm:constr type="primFontSz" for="des" forName="childCenter6" refType="primFontSz" refFor="des" refForName="childCenter1" op="equ"/>
+              <dgm:constr type="primFontSz" for="des" forName="text6" refType="primFontSz" refFor="des" refForName="text1" op="equ"/>
+              <dgm:constr type="primFontSz" for="des" forName="childCenter7" refType="primFontSz" refFor="des" refForName="childCenter1" op="equ"/>
+              <dgm:constr type="primFontSz" for="des" forName="text7" refType="primFontSz" refFor="des" refForName="text1" op="equ"/>
+              <dgm:constr type="userS" for="des" ptType="node" refType="w" refFor="ch" refForName="textCenter" fact="0.67"/>
+            </dgm:constrLst>
+          </dgm:else>
+        </dgm:choose>
+      </dgm:if>
+      <dgm:else name="Name20">
+        <dgm:choose name="Name21">
+          <dgm:if name="Name22" axis="ch ch" ptType="node node" func="cnt" op="equ" val="1">
+            <dgm:constrLst>
+              <dgm:constr type="r" for="ch" forName="textCenter" refType="w"/>
+              <dgm:constr type="ctrY" for="ch" forName="textCenter" refType="h" fact="0.5"/>
+              <dgm:constr type="w" for="ch" forName="textCenter" refType="w" fact="0.32"/>
+              <dgm:constr type="h" for="ch" forName="textCenter" refType="w" refFor="ch" refForName="textCenter"/>
+              <dgm:constr type="l" for="ch" forName="cycle_1"/>
+              <dgm:constr type="ctrY" for="ch" forName="cycle_1" refType="h" fact="0.5"/>
+              <dgm:constr type="w" for="ch" forName="cycle_1" refType="w" fact="0.56"/>
+              <dgm:constr type="h" for="ch" forName="cycle_1" refType="h"/>
+              <dgm:constr type="primFontSz" for="ch" forName="textCenter" val="65"/>
+              <dgm:constr type="primFontSz" for="des" forName="childCenter1" val="65"/>
+              <dgm:constr type="primFontSz" for="des" forName="text1" op="equ" val="65"/>
+              <dgm:constr type="userS" for="des" ptType="node" refType="w" refFor="ch" refForName="textCenter" fact="0.67"/>
+            </dgm:constrLst>
+          </dgm:if>
+          <dgm:if name="Name23" axis="ch ch" ptType="node node" func="cnt" op="equ" val="2">
+            <dgm:constrLst>
+              <dgm:constr type="ctrX" for="ch" forName="textCenter" refType="w" fact="0.5"/>
+              <dgm:constr type="ctrY" for="ch" forName="textCenter" refType="h" fact="0.5"/>
+              <dgm:constr type="w" for="ch" forName="textCenter" refType="w" fact="0.25"/>
+              <dgm:constr type="h" for="ch" forName="textCenter" refType="w" refFor="ch" refForName="textCenter"/>
+              <dgm:constr type="ctrX" for="ch" forName="cycle_1" refType="w" fact="0.5"/>
+              <dgm:constr type="t" for="ch" forName="cycle_1"/>
+              <dgm:constr type="w" for="ch" forName="cycle_1" refType="w"/>
+              <dgm:constr type="h" for="ch" forName="cycle_1" refType="h" fact="0.34"/>
+              <dgm:constr type="ctrX" for="ch" forName="cycle_2" refType="w" fact="0.5"/>
+              <dgm:constr type="b" for="ch" forName="cycle_2" refType="h"/>
+              <dgm:constr type="w" for="ch" forName="cycle_2" refType="w"/>
+              <dgm:constr type="h" for="ch" forName="cycle_2" refType="h" fact="0.34"/>
+              <dgm:constr type="primFontSz" for="ch" forName="textCenter" val="65"/>
+              <dgm:constr type="primFontSz" for="des" forName="childCenter1" val="65"/>
+              <dgm:constr type="primFontSz" for="des" forName="text1" op="equ" val="65"/>
+              <dgm:constr type="primFontSz" for="des" forName="childCenter2" refType="primFontSz" refFor="des" refForName="childCenter1" op="equ"/>
+              <dgm:constr type="primFontSz" for="des" forName="text2" refType="primFontSz" refFor="des" refForName="text1" op="equ"/>
+              <dgm:constr type="userS" for="des" ptType="node" refType="w" refFor="ch" refForName="textCenter" fact="0.67"/>
+            </dgm:constrLst>
+          </dgm:if>
+          <dgm:if name="Name24" axis="ch ch" ptType="node node" func="cnt" op="equ" val="3">
+            <dgm:choose name="Name25">
+              <dgm:if name="Name26" axis="ch ch ch" ptType="node node node" st="1 2 0" cnt="1 1 0" func="cnt" op="equ" val="1">
+                <dgm:choose name="Name27">
+                  <dgm:if name="Name28" axis="ch ch ch" ptType="node node node" st="1 3 0" cnt="1 1 0" func="cnt" op="equ" val="1">
+                    <dgm:constrLst>
+                      <dgm:constr type="ctrX" for="ch" forName="textCenter" refType="w" fact="0.5"/>
+                      <dgm:constr type="t" for="ch" forName="textCenter" refType="h" fact="0.436"/>
+                      <dgm:constr type="w" for="ch" forName="textCenter" refType="w" fact="0.21"/>
+                      <dgm:constr type="h" for="ch" forName="textCenter" refType="w" refFor="ch" refForName="textCenter"/>
+                      <dgm:constr type="ctrX" for="ch" forName="cycle_1" refType="w" fact="0.5"/>
+                      <dgm:constr type="t" for="ch" forName="cycle_1"/>
+                      <dgm:constr type="w" for="ch" forName="cycle_1" refType="w" fact="0.61"/>
+                      <dgm:constr type="h" for="ch" forName="cycle_1" refType="h" fact="0.36"/>
+                      <dgm:constr type="diam" for="ch" forName="cycle_1" refType="w" fact="0.5"/>
+                      <dgm:constr type="l" for="ch" forName="cycle_2"/>
+                      <dgm:constr type="b" for="ch" forName="cycle_2" refType="h" fact="0.85"/>
+                      <dgm:constr type="w" for="ch" forName="cycle_2" refType="w" fact="0.46"/>
+                      <dgm:constr type="h" for="ch" forName="cycle_2" refType="h" fact="0.54"/>
+                      <dgm:constr type="diam" for="ch" forName="cycle_2" refType="w" fact="0.5"/>
+                      <dgm:constr type="r" for="ch" forName="cycle_3" refType="w"/>
+                      <dgm:constr type="b" for="ch" forName="cycle_3" refType="h" fact="0.85"/>
+                      <dgm:constr type="w" for="ch" forName="cycle_3" refType="w" fact="0.46"/>
+                      <dgm:constr type="h" for="ch" forName="cycle_3" refType="h" fact="0.54"/>
+                      <dgm:constr type="diam" for="ch" forName="cycle_3" refType="w" fact="0.5"/>
+                      <dgm:constr type="primFontSz" for="ch" forName="textCenter" val="65"/>
+                      <dgm:constr type="primFontSz" for="des" forName="childCenter1" val="65"/>
+                      <dgm:constr type="primFontSz" for="des" forName="text1" op="equ" val="65"/>
+                      <dgm:constr type="primFontSz" for="des" forName="childCenter2" refType="primFontSz" refFor="des" refForName="childCenter1" op="equ"/>
+                      <dgm:constr type="primFontSz" for="des" forName="text2" refType="primFontSz" refFor="des" refForName="text1" op="equ"/>
+                      <dgm:constr type="primFontSz" for="des" forName="childCenter3" refType="primFontSz" refFor="des" refForName="childCenter1" op="equ"/>
+                      <dgm:constr type="primFontSz" for="des" forName="text3" refType="primFontSz" refFor="des" refForName="text1" op="equ"/>
+                      <dgm:constr type="userS" for="des" ptType="node" refType="w" refFor="ch" refForName="textCenter" fact="0.67"/>
+                    </dgm:constrLst>
+                  </dgm:if>
+                  <dgm:else name="Name29">
+                    <dgm:constrLst>
+                      <dgm:constr type="ctrX" for="ch" forName="textCenter" refType="w" fact="0.5"/>
+                      <dgm:constr type="t" for="ch" forName="textCenter" refType="h" fact="0.436"/>
+                      <dgm:constr type="w" for="ch" forName="textCenter" refType="w" fact="0.21"/>
+                      <dgm:constr type="h" for="ch" forName="textCenter" refType="w" refFor="ch" refForName="textCenter"/>
+                      <dgm:constr type="ctrX" for="ch" forName="cycle_1" refType="w" fact="0.5"/>
+                      <dgm:constr type="t" for="ch" forName="cycle_1"/>
+                      <dgm:constr type="w" for="ch" forName="cycle_1" refType="w" fact="0.61"/>
+                      <dgm:constr type="h" for="ch" forName="cycle_1" refType="h" fact="0.36"/>
+                      <dgm:constr type="diam" for="ch" forName="cycle_1" refType="w" fact="0.5"/>
+                      <dgm:constr type="l" for="ch" forName="cycle_2"/>
+                      <dgm:constr type="b" for="ch" forName="cycle_2" refType="h" fact="0.85"/>
+                      <dgm:constr type="w" for="ch" forName="cycle_2" refType="w" fact="0.46"/>
+                      <dgm:constr type="h" for="ch" forName="cycle_2" refType="h" fact="0.54"/>
+                      <dgm:constr type="diam" for="ch" forName="cycle_2" refType="w" fact="0.5"/>
+                      <dgm:constr type="r" for="ch" forName="cycle_3" refType="w"/>
+                      <dgm:constr type="b" for="ch" forName="cycle_3" refType="h"/>
+                      <dgm:constr type="w" for="ch" forName="cycle_3" refType="w" fact="0.46"/>
+                      <dgm:constr type="h" for="ch" forName="cycle_3" refType="h" fact="0.54"/>
+                      <dgm:constr type="diam" for="ch" forName="cycle_3" refType="w" fact="0.5"/>
+                      <dgm:constr type="primFontSz" for="ch" forName="textCenter" val="65"/>
+                      <dgm:constr type="primFontSz" for="des" forName="childCenter1" val="65"/>
+                      <dgm:constr type="primFontSz" for="des" forName="text1" op="equ" val="65"/>
+                      <dgm:constr type="primFontSz" for="des" forName="childCenter2" refType="primFontSz" refFor="des" refForName="childCenter1" op="equ"/>
+                      <dgm:constr type="primFontSz" for="des" forName="text2" refType="primFontSz" refFor="des" refForName="text1" op="equ"/>
+                      <dgm:constr type="primFontSz" for="des" forName="childCenter3" refType="primFontSz" refFor="des" refForName="childCenter1" op="equ"/>
+                      <dgm:constr type="primFontSz" for="des" forName="text3" refType="primFontSz" refFor="des" refForName="text1" op="equ"/>
+                      <dgm:constr type="userS" for="des" ptType="node" refType="w" refFor="ch" refForName="textCenter" fact="0.67"/>
+                    </dgm:constrLst>
+                  </dgm:else>
+                </dgm:choose>
+              </dgm:if>
+              <dgm:else name="Name30">
+                <dgm:choose name="Name31">
+                  <dgm:if name="Name32" axis="ch ch ch" ptType="node node node" st="1 3 0" cnt="1 1 0" func="cnt" op="equ" val="1">
+                    <dgm:constrLst>
+                      <dgm:constr type="ctrX" for="ch" forName="textCenter" refType="w" fact="0.5"/>
+                      <dgm:constr type="t" for="ch" forName="textCenter" refType="h" fact="0.436"/>
+                      <dgm:constr type="w" for="ch" forName="textCenter" refType="w" fact="0.21"/>
+                      <dgm:constr type="h" for="ch" forName="textCenter" refType="w" refFor="ch" refForName="textCenter"/>
+                      <dgm:constr type="ctrX" for="ch" forName="cycle_1" refType="w" fact="0.5"/>
+                      <dgm:constr type="t" for="ch" forName="cycle_1"/>
+                      <dgm:constr type="w" for="ch" forName="cycle_1" refType="w" fact="0.61"/>
+                      <dgm:constr type="h" for="ch" forName="cycle_1" refType="h" fact="0.36"/>
+                      <dgm:constr type="diam" for="ch" forName="cycle_1" refType="w" fact="0.5"/>
+                      <dgm:constr type="l" for="ch" forName="cycle_2"/>
+                      <dgm:constr type="b" for="ch" forName="cycle_2" refType="h"/>
+                      <dgm:constr type="w" for="ch" forName="cycle_2" refType="w" fact="0.46"/>
+                      <dgm:constr type="h" for="ch" forName="cycle_2" refType="h" fact="0.54"/>
+                      <dgm:constr type="diam" for="ch" forName="cycle_2" refType="w" fact="0.5"/>
+                      <dgm:constr type="r" for="ch" forName="cycle_3" refType="w"/>
+                      <dgm:constr type="b" for="ch" forName="cycle_3" refType="h" fact="0.85"/>
+                      <dgm:constr type="w" for="ch" forName="cycle_3" refType="w" fact="0.46"/>
+                      <dgm:constr type="h" for="ch" forName="cycle_3" refType="h" fact="0.54"/>
+                      <dgm:constr type="diam" for="ch" forName="cycle_3" refType="w" fact="0.5"/>
+                      <dgm:constr type="primFontSz" for="ch" forName="textCenter" val="65"/>
+                      <dgm:constr type="primFontSz" for="des" forName="childCenter1" val="65"/>
+                      <dgm:constr type="primFontSz" for="des" forName="text1" op="equ" val="65"/>
+                      <dgm:constr type="primFontSz" for="des" forName="childCenter2" refType="primFontSz" refFor="des" refForName="childCenter1" op="equ"/>
+                      <dgm:constr type="primFontSz" for="des" forName="text2" refType="primFontSz" refFor="des" refForName="text1" op="equ"/>
+                      <dgm:constr type="primFontSz" for="des" forName="childCenter3" refType="primFontSz" refFor="des" refForName="childCenter1" op="equ"/>
+                      <dgm:constr type="primFontSz" for="des" forName="text3" refType="primFontSz" refFor="des" refForName="text1" op="equ"/>
+                      <dgm:constr type="userS" for="des" ptType="node" refType="w" refFor="ch" refForName="textCenter" fact="0.67"/>
+                    </dgm:constrLst>
+                  </dgm:if>
+                  <dgm:else name="Name33">
+                    <dgm:constrLst>
+                      <dgm:constr type="ctrX" for="ch" forName="textCenter" refType="w" fact="0.5"/>
+                      <dgm:constr type="t" for="ch" forName="textCenter" refType="h" fact="0.436"/>
+                      <dgm:constr type="w" for="ch" forName="textCenter" refType="w" fact="0.21"/>
+                      <dgm:constr type="h" for="ch" forName="textCenter" refType="w" refFor="ch" refForName="textCenter"/>
+                      <dgm:constr type="ctrX" for="ch" forName="cycle_1" refType="w" fact="0.5"/>
+                      <dgm:constr type="t" for="ch" forName="cycle_1"/>
+                      <dgm:constr type="w" for="ch" forName="cycle_1" refType="w" fact="0.61"/>
+                      <dgm:constr type="h" for="ch" forName="cycle_1" refType="h" fact="0.36"/>
+                      <dgm:constr type="diam" for="ch" forName="cycle_1" refType="w" fact="0.5"/>
+                      <dgm:constr type="l" for="ch" forName="cycle_2"/>
+                      <dgm:constr type="b" for="ch" forName="cycle_2" refType="h"/>
+                      <dgm:constr type="w" for="ch" forName="cycle_2" refType="w" fact="0.46"/>
+                      <dgm:constr type="h" for="ch" forName="cycle_2" refType="h" fact="0.54"/>
+                      <dgm:constr type="diam" for="ch" forName="cycle_2" refType="w" fact="0.5"/>
+                      <dgm:constr type="r" for="ch" forName="cycle_3" refType="w"/>
+                      <dgm:constr type="b" for="ch" forName="cycle_3" refType="h"/>
+                      <dgm:constr type="w" for="ch" forName="cycle_3" refType="w" fact="0.46"/>
+                      <dgm:constr type="h" for="ch" forName="cycle_3" refType="h" fact="0.54"/>
+                      <dgm:constr type="diam" for="ch" forName="cycle_3" refType="w" fact="0.5"/>
+                      <dgm:constr type="primFontSz" for="ch" forName="textCenter" val="65"/>
+                      <dgm:constr type="primFontSz" for="des" forName="childCenter1" val="65"/>
+                      <dgm:constr type="primFontSz" for="des" forName="text1" op="equ" val="65"/>
+                      <dgm:constr type="primFontSz" for="des" forName="childCenter2" refType="primFontSz" refFor="des" refForName="childCenter1" op="equ"/>
+                      <dgm:constr type="primFontSz" for="des" forName="text2" refType="primFontSz" refFor="des" refForName="text1" op="equ"/>
+                      <dgm:constr type="primFontSz" for="des" forName="childCenter3" refType="primFontSz" refFor="des" refForName="childCenter1" op="equ"/>
+                      <dgm:constr type="primFontSz" for="des" forName="text3" refType="primFontSz" refFor="des" refForName="text1" op="equ"/>
+                      <dgm:constr type="userS" for="des" ptType="node" refType="w" refFor="ch" refForName="textCenter" fact="0.67"/>
+                    </dgm:constrLst>
+                  </dgm:else>
+                </dgm:choose>
+              </dgm:else>
+            </dgm:choose>
+          </dgm:if>
+          <dgm:if name="Name34" axis="ch ch" ptType="node node" func="cnt" op="equ" val="4">
+            <dgm:constrLst>
+              <dgm:constr type="ctrX" for="ch" forName="textCenter" refType="w" fact="0.5"/>
+              <dgm:constr type="ctrY" for="ch" forName="textCenter" refType="h" fact="0.5"/>
+              <dgm:constr type="w" for="ch" forName="textCenter" refType="w" fact="0.2"/>
+              <dgm:constr type="h" for="ch" forName="textCenter" refType="w" refFor="ch" refForName="textCenter"/>
+              <dgm:constr type="ctrX" for="ch" forName="cycle_1" refType="w" fact="0.5"/>
+              <dgm:constr type="t" for="ch" forName="cycle_1"/>
+              <dgm:constr type="w" for="ch" forName="cycle_1" refType="w" fact="0.5"/>
+              <dgm:constr type="h" for="ch" forName="cycle_1" refType="h" fact="0.33"/>
+              <dgm:constr type="l" for="ch" forName="cycle_2"/>
+              <dgm:constr type="ctrY" for="ch" forName="cycle_2" refType="h" fact="0.5"/>
+              <dgm:constr type="w" for="ch" forName="cycle_2" refType="w" fact="0.33"/>
+              <dgm:constr type="h" for="ch" forName="cycle_2" refType="h" fact="0.5"/>
+              <dgm:constr type="ctrX" for="ch" forName="cycle_3" refType="w" fact="0.5"/>
+              <dgm:constr type="b" for="ch" forName="cycle_3" refType="h"/>
+              <dgm:constr type="w" for="ch" forName="cycle_3" refType="w" fact="0.5"/>
+              <dgm:constr type="h" for="ch" forName="cycle_3" refType="h" fact="0.33"/>
+              <dgm:constr type="r" for="ch" forName="cycle_4" refType="w"/>
+              <dgm:constr type="ctrY" for="ch" forName="cycle_4" refType="h" fact="0.5"/>
+              <dgm:constr type="w" for="ch" forName="cycle_4" refType="w" fact="0.33"/>
+              <dgm:constr type="h" for="ch" forName="cycle_4" refType="h" fact="0.5"/>
+              <dgm:constr type="primFontSz" for="ch" forName="textCenter" val="65"/>
+              <dgm:constr type="primFontSz" for="des" forName="childCenter1" val="65"/>
+              <dgm:constr type="primFontSz" for="des" forName="text1" op="equ" val="65"/>
+              <dgm:constr type="primFontSz" for="des" forName="childCenter2" refType="primFontSz" refFor="des" refForName="childCenter1" op="equ"/>
+              <dgm:constr type="primFontSz" for="des" forName="text2" refType="primFontSz" refFor="des" refForName="text1" op="equ"/>
+              <dgm:constr type="primFontSz" for="des" forName="childCenter3" refType="primFontSz" refFor="des" refForName="childCenter1" op="equ"/>
+              <dgm:constr type="primFontSz" for="des" forName="text3" refType="primFontSz" refFor="des" refForName="text1" op="equ"/>
+              <dgm:constr type="primFontSz" for="des" forName="childCenter4" refType="primFontSz" refFor="des" refForName="childCenter1" op="equ"/>
+              <dgm:constr type="primFontSz" for="des" forName="text4" refType="primFontSz" refFor="des" refForName="text1" op="equ"/>
+              <dgm:constr type="userS" for="des" ptType="node" refType="w" refFor="ch" refForName="textCenter" fact="0.67"/>
+            </dgm:constrLst>
+          </dgm:if>
+          <dgm:if name="Name35" axis="ch ch" ptType="node node" func="cnt" op="equ" val="5">
+            <dgm:constrLst>
+              <dgm:constr type="ctrX" for="ch" forName="textCenter" refType="w" fact="0.5"/>
+              <dgm:constr type="t" for="ch" forName="textCenter" refType="h" fact="0.42"/>
+              <dgm:constr type="w" for="ch" forName="textCenter" refType="w" fact="0.2"/>
+              <dgm:constr type="h" for="ch" forName="textCenter" refType="w" refFor="ch" refForName="textCenter"/>
+              <dgm:constr type="ctrX" for="ch" forName="cycle_1" refType="w" fact="0.5"/>
+              <dgm:constr type="t" for="ch" forName="cycle_1"/>
+              <dgm:constr type="w" for="ch" forName="cycle_1" refType="w" fact="0.33"/>
+              <dgm:constr type="h" for="ch" forName="cycle_1" refType="w" refFor="ch" refForName="cycle_1"/>
+              <dgm:constr type="l" for="ch" forName="cycle_2"/>
+              <dgm:constr type="t" for="ch" forName="cycle_2" refType="h" fact="0.24"/>
+              <dgm:constr type="w" for="ch" forName="cycle_2" refType="w" fact="0.33"/>
+              <dgm:constr type="h" for="ch" forName="cycle_2" refType="w" refFor="ch" refForName="cycle_2"/>
+              <dgm:constr type="l" for="ch" forName="cycle_3" refType="w" fact="0.11"/>
+              <dgm:constr type="b" for="ch" forName="cycle_3" refType="h"/>
+              <dgm:constr type="w" for="ch" forName="cycle_3" refType="w" fact="0.33"/>
+              <dgm:constr type="h" for="ch" forName="cycle_3" refType="w" refFor="ch" refForName="cycle_3"/>
+              <dgm:constr type="r" for="ch" forName="cycle_4" refType="w" fact="0.89"/>
+              <dgm:constr type="b" for="ch" forName="cycle_4" refType="h"/>
+              <dgm:constr type="w" for="ch" forName="cycle_4" refType="w" fact="0.33"/>
+              <dgm:constr type="h" for="ch" forName="cycle_4" refType="w" refFor="ch" refForName="cycle_4"/>
+              <dgm:constr type="r" for="ch" forName="cycle_5" refType="w"/>
+              <dgm:constr type="t" for="ch" forName="cycle_5" refType="h" fact="0.24"/>
+              <dgm:constr type="w" for="ch" forName="cycle_5" refType="w" fact="0.33"/>
+              <dgm:constr type="h" for="ch" forName="cycle_5" refType="w" refFor="ch" refForName="cycle_5"/>
+              <dgm:constr type="primFontSz" for="ch" forName="textCenter" val="65"/>
+              <dgm:constr type="primFontSz" for="des" forName="childCenter1" val="65"/>
+              <dgm:constr type="primFontSz" for="des" forName="text1" op="equ" val="65"/>
+              <dgm:constr type="primFontSz" for="des" forName="childCenter2" refType="primFontSz" refFor="des" refForName="childCenter1" op="equ"/>
+              <dgm:constr type="primFontSz" for="des" forName="text2" refType="primFontSz" refFor="des" refForName="text1" op="equ"/>
+              <dgm:constr type="primFontSz" for="des" forName="childCenter3" refType="primFontSz" refFor="des" refForName="childCenter1" op="equ"/>
+              <dgm:constr type="primFontSz" for="des" forName="text3" refType="primFontSz" refFor="des" refForName="text1" op="equ"/>
+              <dgm:constr type="primFontSz" for="des" forName="childCenter4" refType="primFontSz" refFor="des" refForName="childCenter1" op="equ"/>
+              <dgm:constr type="primFontSz" for="des" forName="text4" refType="primFontSz" refFor="des" refForName="text1" op="equ"/>
+              <dgm:constr type="primFontSz" for="des" forName="childCenter5" refType="primFontSz" refFor="des" refForName="childCenter1" op="equ"/>
+              <dgm:constr type="primFontSz" for="des" forName="text5" refType="primFontSz" refFor="des" refForName="text1" op="equ"/>
+              <dgm:constr type="userS" for="des" ptType="node" refType="w" refFor="ch" refForName="textCenter" fact="0.67"/>
+            </dgm:constrLst>
+          </dgm:if>
+          <dgm:if name="Name36" axis="ch ch" ptType="node node" func="cnt" op="equ" val="6">
+            <dgm:constrLst>
+              <dgm:constr type="ctrX" for="ch" forName="textCenter" refType="w" fact="0.5"/>
+              <dgm:constr type="ctrY" for="ch" forName="textCenter" refType="h" fact="0.5"/>
+              <dgm:constr type="w" for="ch" forName="textCenter" refType="w" fact="0.2"/>
+              <dgm:constr type="h" for="ch" forName="textCenter" refType="w" refFor="ch" refForName="textCenter"/>
+              <dgm:constr type="ctrX" for="ch" forName="cycle_1" refType="w" fact="0.5"/>
+              <dgm:constr type="t" for="ch" forName="cycle_1"/>
+              <dgm:constr type="w" for="ch" forName="cycle_1" refType="w" fact="0.33"/>
+              <dgm:constr type="h" for="ch" forName="cycle_1" refType="w" refFor="ch" refForName="cycle_1"/>
+              <dgm:constr type="l" for="ch" forName="cycle_2"/>
+              <dgm:constr type="t" for="ch" forName="cycle_2" refType="h" fact="0.17"/>
+              <dgm:constr type="w" for="ch" forName="cycle_2" refType="w" fact="0.33"/>
+              <dgm:constr type="h" for="ch" forName="cycle_2" refType="w" refFor="ch" refForName="cycle_2"/>
+              <dgm:constr type="l" for="ch" forName="cycle_3"/>
+              <dgm:constr type="b" for="ch" forName="cycle_3" refType="h" fact="0.83"/>
+              <dgm:constr type="w" for="ch" forName="cycle_3" refType="w" fact="0.33"/>
+              <dgm:constr type="h" for="ch" forName="cycle_3" refType="w" refFor="ch" refForName="cycle_3"/>
+              <dgm:constr type="ctrX" for="ch" forName="cycle_4" refType="w" fact="0.5"/>
+              <dgm:constr type="b" for="ch" forName="cycle_4" refType="h"/>
+              <dgm:constr type="w" for="ch" forName="cycle_4" refType="w" fact="0.33"/>
+              <dgm:constr type="h" for="ch" forName="cycle_4" refType="w" refFor="ch" refForName="cycle_4"/>
+              <dgm:constr type="r" for="ch" forName="cycle_5" refType="w"/>
+              <dgm:constr type="b" for="ch" forName="cycle_5" refType="h" fact="0.83"/>
+              <dgm:constr type="w" for="ch" forName="cycle_5" refType="w" fact="0.33"/>
+              <dgm:constr type="h" for="ch" forName="cycle_5" refType="w" refFor="ch" refForName="cycle_5"/>
+              <dgm:constr type="r" for="ch" forName="cycle_6" refType="w"/>
+              <dgm:constr type="t" for="ch" forName="cycle_6" refType="h" fact="0.17"/>
+              <dgm:constr type="w" for="ch" forName="cycle_6" refType="w" fact="0.33"/>
+              <dgm:constr type="h" for="ch" forName="cycle_6" refType="w" refFor="ch" refForName="cycle_6"/>
+              <dgm:constr type="primFontSz" for="ch" forName="textCenter" val="65"/>
+              <dgm:constr type="primFontSz" for="des" forName="childCenter1" val="65"/>
+              <dgm:constr type="primFontSz" for="des" forName="text1" op="equ" val="65"/>
+              <dgm:constr type="primFontSz" for="des" forName="childCenter2" refType="primFontSz" refFor="des" refForName="childCenter1" op="equ"/>
+              <dgm:constr type="primFontSz" for="des" forName="text2" refType="primFontSz" refFor="des" refForName="text1" op="equ"/>
+              <dgm:constr type="primFontSz" for="des" forName="childCenter3" refType="primFontSz" refFor="des" refForName="childCenter1" op="equ"/>
+              <dgm:constr type="primFontSz" for="des" forName="text3" refType="primFontSz" refFor="des" refForName="text1" op="equ"/>
+              <dgm:constr type="primFontSz" for="des" forName="childCenter4" refType="primFontSz" refFor="des" refForName="childCenter1" op="equ"/>
+              <dgm:constr type="primFontSz" for="des" forName="text4" refType="primFontSz" refFor="des" refForName="text1" op="equ"/>
+              <dgm:constr type="primFontSz" for="des" forName="childCenter5" refType="primFontSz" refFor="des" refForName="childCenter1" op="equ"/>
+              <dgm:constr type="primFontSz" for="des" forName="text5" refType="primFontSz" refFor="des" refForName="text1" op="equ"/>
+              <dgm:constr type="primFontSz" for="des" forName="childCenter6" refType="primFontSz" refFor="des" refForName="childCenter1" op="equ"/>
+              <dgm:constr type="primFontSz" for="des" forName="text6" refType="primFontSz" refFor="des" refForName="text1" op="equ"/>
+              <dgm:constr type="userS" for="des" ptType="node" refType="w" refFor="ch" refForName="textCenter" fact="0.67"/>
+            </dgm:constrLst>
+          </dgm:if>
+          <dgm:else name="Name37">
+            <dgm:constrLst>
+              <dgm:constr type="ctrX" for="ch" forName="textCenter" refType="w" fact="0.5"/>
+              <dgm:constr type="t" for="ch" forName="textCenter" refType="h" fact="0.444"/>
+              <dgm:constr type="w" for="ch" forName="textCenter" refType="w" fact="0.167"/>
+              <dgm:constr type="h" for="ch" forName="textCenter" refType="w" refFor="ch" refForName="textCenter"/>
+              <dgm:constr type="ctrX" for="ch" forName="cycle_1" refType="w" fact="0.5"/>
+              <dgm:constr type="t" for="ch" forName="cycle_1"/>
+              <dgm:constr type="w" for="ch" forName="cycle_1" refType="w" fact="0.263"/>
+              <dgm:constr type="h" for="ch" forName="cycle_1" refType="w" refFor="ch" refForName="cycle_1"/>
+              <dgm:constr type="l" for="ch" forName="cycle_2" refType="w" fact="0.062"/>
+              <dgm:constr type="t" for="ch" forName="cycle_2" refType="h" fact="0.141"/>
+              <dgm:constr type="w" for="ch" forName="cycle_2" refType="w" fact="0.263"/>
+              <dgm:constr type="h" for="ch" forName="cycle_2" refType="w" refFor="ch" refForName="cycle_2"/>
+              <dgm:constr type="l" for="ch" forName="cycle_3"/>
+              <dgm:constr type="b" for="ch" forName="cycle_3" refType="h" fact="0.74"/>
+              <dgm:constr type="w" for="ch" forName="cycle_3" refType="w" fact="0.263"/>
+              <dgm:constr type="h" for="ch" forName="cycle_3" refType="w" refFor="ch" refForName="cycle_3"/>
+              <dgm:constr type="l" for="ch" forName="cycle_4" refType="w" fact="0.2"/>
+              <dgm:constr type="b" for="ch" forName="cycle_4" refType="h"/>
+              <dgm:constr type="w" for="ch" forName="cycle_4" refType="w" fact="0.263"/>
+              <dgm:constr type="h" for="ch" forName="cycle_4" refType="w" refFor="ch" refForName="cycle_4"/>
+              <dgm:constr type="r" for="ch" forName="cycle_5" refType="w" fact="0.8"/>
+              <dgm:constr type="b" for="ch" forName="cycle_5" refType="h"/>
+              <dgm:constr type="w" for="ch" forName="cycle_5" refType="w" fact="0.263"/>
+              <dgm:constr type="h" for="ch" forName="cycle_5" refType="w" refFor="ch" refForName="cycle_5"/>
+              <dgm:constr type="r" for="ch" forName="cycle_6" refType="w"/>
+              <dgm:constr type="b" for="ch" forName="cycle_6" refType="h" fact="0.74"/>
+              <dgm:constr type="w" for="ch" forName="cycle_6" refType="w" fact="0.263"/>
+              <dgm:constr type="h" for="ch" forName="cycle_6" refType="w" refFor="ch" refForName="cycle_6"/>
+              <dgm:constr type="r" for="ch" forName="cycle_7" refType="w" fact="0.938"/>
+              <dgm:constr type="t" for="ch" forName="cycle_7" refType="h" fact="0.141"/>
+              <dgm:constr type="w" for="ch" forName="cycle_7" refType="w" fact="0.263"/>
+              <dgm:constr type="h" for="ch" forName="cycle_7" refType="w" refFor="ch" refForName="cycle_7"/>
+              <dgm:constr type="primFontSz" for="ch" forName="textCenter" val="65"/>
+              <dgm:constr type="primFontSz" for="des" forName="childCenter1" val="65"/>
+              <dgm:constr type="primFontSz" for="des" forName="text1" op="equ" val="65"/>
+              <dgm:constr type="primFontSz" for="des" forName="childCenter2" refType="primFontSz" refFor="des" refForName="childCenter1" op="equ"/>
+              <dgm:constr type="primFontSz" for="des" forName="text2" refType="primFontSz" refFor="des" refForName="text1" op="equ"/>
+              <dgm:constr type="primFontSz" for="des" forName="childCenter3" refType="primFontSz" refFor="des" refForName="childCenter1" op="equ"/>
+              <dgm:constr type="primFontSz" for="des" forName="text3" refType="primFontSz" refFor="des" refForName="text1" op="equ"/>
+              <dgm:constr type="primFontSz" for="des" forName="childCenter4" refType="primFontSz" refFor="des" refForName="childCenter1" op="equ"/>
+              <dgm:constr type="primFontSz" for="des" forName="text4" refType="primFontSz" refFor="des" refForName="text1" op="equ"/>
+              <dgm:constr type="primFontSz" for="des" forName="childCenter5" refType="primFontSz" refFor="des" refForName="childCenter1" op="equ"/>
+              <dgm:constr type="primFontSz" for="des" forName="text5" refType="primFontSz" refFor="des" refForName="text1" op="equ"/>
+              <dgm:constr type="primFontSz" for="des" forName="childCenter6" refType="primFontSz" refFor="des" refForName="childCenter1" op="equ"/>
+              <dgm:constr type="primFontSz" for="des" forName="text6" refType="primFontSz" refFor="des" refForName="text1" op="equ"/>
+              <dgm:constr type="primFontSz" for="des" forName="childCenter7" refType="primFontSz" refFor="des" refForName="childCenter1" op="equ"/>
+              <dgm:constr type="primFontSz" for="des" forName="text7" refType="primFontSz" refFor="des" refForName="text1" op="equ"/>
+              <dgm:constr type="userS" for="des" ptType="node" refType="w" refFor="ch" refForName="textCenter" fact="0.67"/>
+            </dgm:constrLst>
+          </dgm:else>
+        </dgm:choose>
+      </dgm:else>
+    </dgm:choose>
+    <dgm:forEach name="Name38" axis="ch" ptType="node" cnt="1">
+      <dgm:choose name="Name39">
+        <dgm:if name="Name40" axis="des" func="maxDepth" op="lte" val="1">
+          <dgm:layoutNode name="singleCycle">
+            <dgm:choose name="Name41">
+              <dgm:if name="Name42" axis="ch" ptType="node" func="cnt" op="equ" val="1">
+                <dgm:choose name="Name43">
+                  <dgm:if name="Name44" func="var" arg="dir" op="equ" val="norm">
+                    <dgm:alg type="cycle">
+                      <dgm:param type="stAng" val="90"/>
+                      <dgm:param type="ctrShpMap" val="fNode"/>
+                    </dgm:alg>
+                  </dgm:if>
+                  <dgm:else name="Name45">
+                    <dgm:alg type="cycle">
+                      <dgm:param type="stAng" val="-90"/>
+                      <dgm:param type="spanAng" val="-360"/>
+                      <dgm:param type="ctrShpMap" val="fNode"/>
+                    </dgm:alg>
+                  </dgm:else>
+                </dgm:choose>
+              </dgm:if>
+              <dgm:else name="Name46">
+                <dgm:choose name="Name47">
+                  <dgm:if name="Name48" func="var" arg="dir" op="equ" val="norm">
+                    <dgm:alg type="cycle">
+                      <dgm:param type="ctrShpMap" val="fNode"/>
+                    </dgm:alg>
+                  </dgm:if>
+                  <dgm:else name="Name49">
+                    <dgm:alg type="cycle">
+                      <dgm:param type="spanAng" val="-360"/>
+                      <dgm:param type="ctrShpMap" val="fNode"/>
+                    </dgm:alg>
+                  </dgm:else>
+                </dgm:choose>
+              </dgm:else>
+            </dgm:choose>
+            <dgm:shape xmlns:r="http://schemas.openxmlformats.org/officeDocument/2006/relationships" r:blip="">
+              <dgm:adjLst/>
+            </dgm:shape>
+            <dgm:presOf/>
+            <dgm:choose name="Name50">
+              <dgm:if name="Name51" axis="ch" ptType="node" func="cnt" op="equ" val="0">
+                <dgm:constrLst>
+                  <dgm:constr type="w" for="ch" forName="singleCenter" refType="w"/>
+                  <dgm:constr type="h" for="ch" forName="singleCenter" refType="w" refFor="ch" refForName="singleCenter"/>
+                </dgm:constrLst>
+              </dgm:if>
+              <dgm:if name="Name52" axis="ch" ptType="node" func="cnt" op="equ" val="1">
+                <dgm:constrLst>
+                  <dgm:constr type="w" for="ch" forName="singleCenter" refType="w" fact="0.5"/>
+                  <dgm:constr type="h" for="ch" forName="singleCenter" refType="w" refFor="ch" refForName="singleCenter"/>
+                  <dgm:constr type="userS" for="ch" ptType="node" refType="w" refFor="ch" refForName="singleCenter" fact="0.67"/>
+                </dgm:constrLst>
+              </dgm:if>
+              <dgm:else name="Name53">
+                <dgm:constrLst>
+                  <dgm:constr type="w" for="ch" forName="singleCenter" refType="w" fact="0.3"/>
+                  <dgm:constr type="h" for="ch" forName="singleCenter" refType="w" refFor="ch" refForName="singleCenter"/>
+                  <dgm:constr type="userS" for="ch" ptType="node" refType="w" refFor="ch" refForName="singleCenter" fact="0.67"/>
+                </dgm:constrLst>
+              </dgm:else>
+            </dgm:choose>
+            <dgm:layoutNode name="singleCenter" styleLbl="node1">
+              <dgm:varLst>
+                <dgm:chMax val="7"/>
+                <dgm:chPref val="7"/>
+              </dgm:varLst>
+              <dgm:alg type="tx"/>
+              <dgm:shape xmlns:r="http://schemas.openxmlformats.org/officeDocument/2006/relationships" type="roundRect" r:blip="">
+                <dgm:adjLst/>
+              </dgm:shape>
+              <dgm:presOf axis="self" ptType="node"/>
+              <dgm:constrLst>
+                <dgm:constr type="tMarg" refType="primFontSz" fact="0.2"/>
+                <dgm:constr type="bMarg" refType="primFontSz" fact="0.2"/>
+                <dgm:constr type="lMarg" refType="primFontSz" fact="0.2"/>
+                <dgm:constr type="rMarg" refType="primFontSz" fact="0.2"/>
+              </dgm:constrLst>
+              <dgm:ruleLst>
+                <dgm:rule type="primFontSz" val="5" fact="NaN" max="NaN"/>
+              </dgm:ruleLst>
+            </dgm:layoutNode>
+            <dgm:forEach name="Name54" axis="ch" cnt="21">
+              <dgm:forEach name="Name55" axis="self" ptType="parTrans">
+                <dgm:layoutNode name="Name56">
+                  <dgm:alg type="conn">
+                    <dgm:param type="dim" val="1D"/>
+                    <dgm:param type="begPts" val="auto"/>
+                    <dgm:param type="endPts" val="auto"/>
+                    <dgm:param type="begSty" val="noArr"/>
+                    <dgm:param type="endSty" val="noArr"/>
+                  </dgm:alg>
+                  <dgm:shape xmlns:r="http://schemas.openxmlformats.org/officeDocument/2006/relationships" type="conn" r:blip="">
+                    <dgm:adjLst/>
+                  </dgm:shape>
+                  <dgm:presOf axis="self"/>
+                  <dgm:constrLst>
+                    <dgm:constr type="begPad"/>
+                    <dgm:constr type="endPad"/>
+                  </dgm:constrLst>
+                </dgm:layoutNode>
+              </dgm:forEach>
+              <dgm:forEach name="Name57" axis="self" ptType="node">
+                <dgm:layoutNode name="text0" styleLbl="node1">
+                  <dgm:varLst>
+                    <dgm:bulletEnabled val="1"/>
+                  </dgm:varLst>
+                  <dgm:alg type="tx"/>
+                  <dgm:shape xmlns:r="http://schemas.openxmlformats.org/officeDocument/2006/relationships" type="roundRect" r:blip="">
+                    <dgm:adjLst/>
+                  </dgm:shape>
+                  <dgm:presOf axis="desOrSelf" ptType="node"/>
+                  <dgm:constrLst>
+                    <dgm:constr type="userS"/>
+                    <dgm:constr type="w" refType="userS"/>
+                    <dgm:constr type="h" refType="w"/>
+                    <dgm:constr type="tMarg" refType="primFontSz" fact="0.2"/>
+                    <dgm:constr type="bMarg" refType="primFontSz" fact="0.2"/>
+                    <dgm:constr type="lMarg" refType="primFontSz" fact="0.2"/>
+                    <dgm:constr type="rMarg" refType="primFontSz" fact="0.2"/>
+                  </dgm:constrLst>
+                  <dgm:ruleLst>
+                    <dgm:rule type="primFontSz" val="5" fact="NaN" max="NaN"/>
+                  </dgm:ruleLst>
+                </dgm:layoutNode>
+              </dgm:forEach>
+            </dgm:forEach>
+          </dgm:layoutNode>
+        </dgm:if>
+        <dgm:else name="Name58">
+          <dgm:layoutNode name="textCenter" styleLbl="node1">
+            <dgm:alg type="tx"/>
+            <dgm:shape xmlns:r="http://schemas.openxmlformats.org/officeDocument/2006/relationships" type="roundRect" r:blip="">
+              <dgm:adjLst/>
+            </dgm:shape>
+            <dgm:presOf axis="self" ptType="node"/>
+            <dgm:constrLst>
+              <dgm:constr type="tMarg" refType="primFontSz" fact="0.2"/>
+              <dgm:constr type="bMarg" refType="primFontSz" fact="0.2"/>
+              <dgm:constr type="lMarg" refType="primFontSz" fact="0.2"/>
+              <dgm:constr type="rMarg" refType="primFontSz" fact="0.2"/>
+            </dgm:constrLst>
+            <dgm:ruleLst>
+              <dgm:rule type="primFontSz" val="5" fact="NaN" max="NaN"/>
+            </dgm:ruleLst>
+          </dgm:layoutNode>
+          <dgm:choose name="Name59">
+            <dgm:if name="Name60" axis="ch" ptType="node" func="cnt" op="gte" val="1">
+              <dgm:layoutNode name="cycle_1">
+                <dgm:choose name="Name61">
+                  <dgm:if name="Name62" func="var" arg="dir" op="equ" val="norm">
+                    <dgm:choose name="Name63">
+                      <dgm:if name="Name64" axis="ch" ptType="node" func="cnt" op="equ" val="1">
+                        <dgm:choose name="Name65">
+                          <dgm:if name="Name66" axis="ch ch" ptType="node node" st="1 1" cnt="1 0" func="cnt" op="equ" val="1">
+                            <dgm:alg type="cycle">
+                              <dgm:param type="ctrShpMap" val="fNode"/>
+                              <dgm:param type="stAng" val="90"/>
+                            </dgm:alg>
+                          </dgm:if>
+                          <dgm:if name="Name67" axis="ch ch" ptType="node node" st="1 1" cnt="1 0" func="cnt" op="equ" val="2">
+                            <dgm:alg type="cycle">
+                              <dgm:param type="ctrShpMap" val="fNode"/>
+                              <dgm:param type="stAng" val="45"/>
+                              <dgm:param type="spanAng" val="90"/>
+                            </dgm:alg>
+                          </dgm:if>
+                          <dgm:else name="Name68">
+                            <dgm:alg type="cycle">
+                              <dgm:param type="ctrShpMap" val="fNode"/>
+                              <dgm:param type="stAng" val="0"/>
+                              <dgm:param type="spanAng" val="180"/>
+                            </dgm:alg>
+                          </dgm:else>
+                        </dgm:choose>
+                      </dgm:if>
+                      <dgm:if name="Name69" axis="ch" ptType="node" func="cnt" op="equ" val="2">
+                        <dgm:choose name="Name70">
+                          <dgm:if name="Name71" axis="ch ch" ptType="node node" st="1 1" cnt="1 0" func="cnt" op="equ" val="1">
+                            <dgm:alg type="cycle">
+                              <dgm:param type="ctrShpMap" val="fNode"/>
+                              <dgm:param type="stAng" val="0"/>
+                            </dgm:alg>
+                          </dgm:if>
+                          <dgm:if name="Name72" axis="ch ch" ptType="node node" st="1 1" cnt="1 0" func="cnt" op="equ" val="2">
+                            <dgm:alg type="cycle">
+                              <dgm:param type="ctrShpMap" val="fNode"/>
+                              <dgm:param type="stAng" val="315"/>
+                              <dgm:param type="spanAng" val="90"/>
+                            </dgm:alg>
+                          </dgm:if>
+                          <dgm:else name="Name73">
+                            <dgm:alg type="cycle">
+                              <dgm:param type="ctrShpMap" val="fNode"/>
+                              <dgm:param type="stAng" val="270"/>
+                              <dgm:param type="spanAng" val="180"/>
+                            </dgm:alg>
+                          </dgm:else>
+                        </dgm:choose>
+                      </dgm:if>
+                      <dgm:if name="Name74" axis="ch" ptType="node" func="cnt" op="equ" val="3">
+                        <dgm:choose name="Name75">
+                          <dgm:if name="Name76" axis="ch ch" ptType="node node" st="1 1" cnt="1 0" func="cnt" op="equ" val="1">
+                            <dgm:alg type="cycle">
+                              <dgm:param type="ctrShpMap" val="fNode"/>
+                              <dgm:param type="stAng" val="0"/>
+                            </dgm:alg>
+                          </dgm:if>
+                          <dgm:if name="Name77" axis="ch ch" ptType="node node" st="1 1" cnt="1 0" func="cnt" op="equ" val="2">
+                            <dgm:alg type="cycle">
+                              <dgm:param type="ctrShpMap" val="fNode"/>
+                              <dgm:param type="stAng" val="315"/>
+                              <dgm:param type="spanAng" val="90"/>
+                            </dgm:alg>
+                          </dgm:if>
+                          <dgm:else name="Name78">
+                            <dgm:alg type="cycle">
+                              <dgm:param type="ctrShpMap" val="fNode"/>
+                              <dgm:param type="stAng" val="270"/>
+                              <dgm:param type="spanAng" val="180"/>
+                            </dgm:alg>
+                          </dgm:else>
+                        </dgm:choose>
+                      </dgm:if>
+                      <dgm:if name="Name79" axis="ch" ptType="node" func="cnt" op="equ" val="4">
+                        <dgm:choose name="Name80">
+                          <dgm:if name="Name81" axis="ch ch" ptType="node node" st="1 1" cnt="1 0" func="cnt" op="equ" val="1">
+                            <dgm:alg type="cycle">
+                              <dgm:param type="ctrShpMap" val="fNode"/>
+                              <dgm:param type="stAng" val="0"/>
+                            </dgm:alg>
+                          </dgm:if>
+                          <dgm:if name="Name82" axis="ch ch" ptType="node node" st="1 1" cnt="1 0" func="cnt" op="equ" val="2">
+                            <dgm:alg type="cycle">
+                              <dgm:param type="ctrShpMap" val="fNode"/>
+                              <dgm:param type="stAng" val="315"/>
+                              <dgm:param type="spanAng" val="90"/>
+                            </dgm:alg>
+                          </dgm:if>
+                          <dgm:else name="Name83">
+                            <dgm:alg type="cycle">
+                              <dgm:param type="ctrShpMap" val="fNode"/>
+                              <dgm:param type="stAng" val="292.5"/>
+                              <dgm:param type="spanAng" val="135"/>
+                            </dgm:alg>
+                          </dgm:else>
+                        </dgm:choose>
+                      </dgm:if>
+                      <dgm:if name="Name84" axis="ch" ptType="node" func="cnt" op="equ" val="5">
+                        <dgm:choose name="Name85">
+                          <dgm:if name="Name86" axis="ch ch" ptType="node node" st="1 1" cnt="1 0" func="cnt" op="equ" val="1">
+                            <dgm:alg type="cycle">
+                              <dgm:param type="ctrShpMap" val="fNode"/>
+                              <dgm:param type="stAng" val="0"/>
+                            </dgm:alg>
+                          </dgm:if>
+                          <dgm:if name="Name87" axis="ch ch" ptType="node node" st="1 1" cnt="1 0" func="cnt" op="equ" val="2">
+                            <dgm:alg type="cycle">
+                              <dgm:param type="ctrShpMap" val="fNode"/>
+                              <dgm:param type="stAng" val="315"/>
+                              <dgm:param type="spanAng" val="90"/>
+                            </dgm:alg>
+                          </dgm:if>
+                          <dgm:else name="Name88">
+                            <dgm:alg type="cycle">
+                              <dgm:param type="ctrShpMap" val="fNode"/>
+                              <dgm:param type="stAng" val="0"/>
+                              <dgm:param type="spanAng" val="360"/>
+                            </dgm:alg>
+                          </dgm:else>
+                        </dgm:choose>
+                      </dgm:if>
+                      <dgm:if name="Name89" axis="ch" ptType="node" func="cnt" op="equ" val="6">
+                        <dgm:choose name="Name90">
+                          <dgm:if name="Name91" axis="ch ch" ptType="node node" st="1 1" cnt="1 0" func="cnt" op="equ" val="1">
+                            <dgm:alg type="cycle">
+                              <dgm:param type="ctrShpMap" val="fNode"/>
+                              <dgm:param type="stAng" val="0"/>
+                            </dgm:alg>
+                          </dgm:if>
+                          <dgm:if name="Name92" axis="ch ch" ptType="node node" st="1 1" cnt="1 0" func="cnt" op="equ" val="2">
+                            <dgm:alg type="cycle">
+                              <dgm:param type="ctrShpMap" val="fNode"/>
+                              <dgm:param type="stAng" val="315"/>
+                              <dgm:param type="spanAng" val="90"/>
+                            </dgm:alg>
+                          </dgm:if>
+                          <dgm:else name="Name93">
+                            <dgm:alg type="cycle">
+                              <dgm:param type="ctrShpMap" val="fNode"/>
+                              <dgm:param type="stAng" val="0"/>
+                              <dgm:param type="spanAng" val="360"/>
+                            </dgm:alg>
+                          </dgm:else>
+                        </dgm:choose>
+                      </dgm:if>
+                      <dgm:if name="Name94" axis="ch" ptType="node" func="cnt" op="gte" val="7">
+                        <dgm:choose name="Name95">
+                          <dgm:if name="Name96" axis="ch ch" ptType="node node" st="1 1" cnt="1 0" func="cnt" op="equ" val="1">
+                            <dgm:alg type="cycle">
+                              <dgm:param type="ctrShpMap" val="fNode"/>
+                              <dgm:param type="stAng" val="0"/>
+                            </dgm:alg>
+                          </dgm:if>
+                          <dgm:if name="Name97" axis="ch ch" ptType="node node" st="1 1" cnt="1 0" func="cnt" op="equ" val="2">
+                            <dgm:alg type="cycle">
+                              <dgm:param type="ctrShpMap" val="fNode"/>
+                              <dgm:param type="stAng" val="315"/>
+                              <dgm:param type="spanAng" val="90"/>
+                            </dgm:alg>
+                          </dgm:if>
+                          <dgm:else name="Name98">
+                            <dgm:alg type="cycle">
+                              <dgm:param type="ctrShpMap" val="fNode"/>
+                              <dgm:param type="stAng" val="0"/>
+                              <dgm:param type="spanAng" val="360"/>
+                            </dgm:alg>
+                          </dgm:else>
+                        </dgm:choose>
+                      </dgm:if>
+                      <dgm:else name="Name99"/>
+                    </dgm:choose>
+                  </dgm:if>
+                  <dgm:else name="Name100">
+                    <dgm:choose name="Name101">
+                      <dgm:if name="Name102" axis="ch" ptType="node" func="cnt" op="equ" val="1">
+                        <dgm:choose name="Name103">
+                          <dgm:if name="Name104" axis="ch ch" ptType="node node" st="1 1" cnt="1 0" func="cnt" op="equ" val="1">
+                            <dgm:alg type="cycle">
+                              <dgm:param type="ctrShpMap" val="fNode"/>
+                              <dgm:param type="stAng" val="270"/>
+                            </dgm:alg>
+                          </dgm:if>
+                          <dgm:if name="Name105" axis="ch ch" ptType="node node" st="1 1" cnt="1 0" func="cnt" op="equ" val="2">
+                            <dgm:alg type="cycle">
+                              <dgm:param type="ctrShpMap" val="fNode"/>
+                              <dgm:param type="stAng" val="315"/>
+                              <dgm:param type="spanAng" val="-90"/>
+                            </dgm:alg>
+                          </dgm:if>
+                          <dgm:else name="Name106">
+                            <dgm:alg type="cycle">
+                              <dgm:param type="ctrShpMap" val="fNode"/>
+                              <dgm:param type="stAng" val="0"/>
+                              <dgm:param type="spanAng" val="-180"/>
+                            </dgm:alg>
+                          </dgm:else>
+                        </dgm:choose>
+                      </dgm:if>
+                      <dgm:if name="Name107" axis="ch" ptType="node" func="cnt" op="equ" val="2">
+                        <dgm:choose name="Name108">
+                          <dgm:if name="Name109" axis="ch ch" ptType="node node" st="1 1" cnt="1 0" func="cnt" op="equ" val="1">
+                            <dgm:alg type="cycle">
+                              <dgm:param type="ctrShpMap" val="fNode"/>
+                              <dgm:param type="stAng" val="0"/>
+                            </dgm:alg>
+                          </dgm:if>
+                          <dgm:if name="Name110" axis="ch ch" ptType="node node" st="1 1" cnt="1 0" func="cnt" op="equ" val="2">
+                            <dgm:alg type="cycle">
+                              <dgm:param type="ctrShpMap" val="fNode"/>
+                              <dgm:param type="stAng" val="45"/>
+                              <dgm:param type="spanAng" val="-90"/>
+                            </dgm:alg>
+                          </dgm:if>
+                          <dgm:else name="Name111">
+                            <dgm:alg type="cycle">
+                              <dgm:param type="ctrShpMap" val="fNode"/>
+                              <dgm:param type="stAng" val="90"/>
+                              <dgm:param type="spanAng" val="-180"/>
+                            </dgm:alg>
+                          </dgm:else>
+                        </dgm:choose>
+                      </dgm:if>
+                      <dgm:if name="Name112" axis="ch" ptType="node" func="cnt" op="equ" val="3">
+                        <dgm:choose name="Name113">
+                          <dgm:if name="Name114" axis="ch ch" ptType="node node" st="1 1" cnt="1 0" func="cnt" op="equ" val="1">
+                            <dgm:alg type="cycle">
+                              <dgm:param type="ctrShpMap" val="fNode"/>
+                              <dgm:param type="stAng" val="0"/>
+                            </dgm:alg>
+                          </dgm:if>
+                          <dgm:if name="Name115" axis="ch ch" ptType="node node" st="1 1" cnt="1 0" func="cnt" op="equ" val="2">
+                            <dgm:alg type="cycle">
+                              <dgm:param type="ctrShpMap" val="fNode"/>
+                              <dgm:param type="stAng" val="45"/>
+                              <dgm:param type="spanAng" val="-90"/>
+                            </dgm:alg>
+                          </dgm:if>
+                          <dgm:else name="Name116">
+                            <dgm:alg type="cycle">
+                              <dgm:param type="ctrShpMap" val="fNode"/>
+                              <dgm:param type="stAng" val="90"/>
+                              <dgm:param type="spanAng" val="-180"/>
+                            </dgm:alg>
+                          </dgm:else>
+                        </dgm:choose>
+                      </dgm:if>
+                      <dgm:if name="Name117" axis="ch" ptType="node" func="cnt" op="equ" val="4">
+                        <dgm:choose name="Name118">
+                          <dgm:if name="Name119" axis="ch ch" ptType="node node" st="1 1" cnt="1 0" func="cnt" op="equ" val="1">
+                            <dgm:alg type="cycle">
+                              <dgm:param type="ctrShpMap" val="fNode"/>
+                              <dgm:param type="stAng" val="0"/>
+                            </dgm:alg>
+                          </dgm:if>
+                          <dgm:if name="Name120" axis="ch ch" ptType="node node" st="1 1" cnt="1 0" func="cnt" op="equ" val="2">
+                            <dgm:alg type="cycle">
+                              <dgm:param type="ctrShpMap" val="fNode"/>
+                              <dgm:param type="stAng" val="45"/>
+                              <dgm:param type="spanAng" val="-90"/>
+                            </dgm:alg>
+                          </dgm:if>
+                          <dgm:else name="Name121">
+                            <dgm:alg type="cycle">
+                              <dgm:param type="ctrShpMap" val="fNode"/>
+                              <dgm:param type="stAng" val="67.5"/>
+                              <dgm:param type="spanAng" val="-135"/>
+                            </dgm:alg>
+                          </dgm:else>
+                        </dgm:choose>
+                      </dgm:if>
+                      <dgm:if name="Name122" axis="ch" ptType="node" func="cnt" op="equ" val="5">
+                        <dgm:choose name="Name123">
+                          <dgm:if name="Name124" axis="ch ch" ptType="node node" st="1 1" cnt="1 0" func="cnt" op="equ" val="1">
+                            <dgm:alg type="cycle">
+                              <dgm:param type="ctrShpMap" val="fNode"/>
+                              <dgm:param type="stAng" val="0"/>
+                            </dgm:alg>
+                          </dgm:if>
+                          <dgm:if name="Name125" axis="ch ch" ptType="node node" st="1 1" cnt="1 0" func="cnt" op="equ" val="2">
+                            <dgm:alg type="cycle">
+                              <dgm:param type="ctrShpMap" val="fNode"/>
+                              <dgm:param type="stAng" val="45"/>
+                              <dgm:param type="spanAng" val="-90"/>
+                            </dgm:alg>
+                          </dgm:if>
+                          <dgm:else name="Name126">
+                            <dgm:alg type="cycle">
+                              <dgm:param type="ctrShpMap" val="fNode"/>
+                              <dgm:param type="stAng" val="0"/>
+                              <dgm:param type="spanAng" val="-360"/>
+                            </dgm:alg>
+                          </dgm:else>
+                        </dgm:choose>
+                      </dgm:if>
+                      <dgm:if name="Name127" axis="ch" ptType="node" func="cnt" op="equ" val="6">
+                        <dgm:choose name="Name128">
+                          <dgm:if name="Name129" axis="ch ch" ptType="node node" st="1 1" cnt="1 0" func="cnt" op="equ" val="1">
+                            <dgm:alg type="cycle">
+                              <dgm:param type="ctrShpMap" val="fNode"/>
+                              <dgm:param type="stAng" val="0"/>
+                            </dgm:alg>
+                          </dgm:if>
+                          <dgm:if name="Name130" axis="ch ch" ptType="node node" st="1 1" cnt="1 0" func="cnt" op="equ" val="2">
+                            <dgm:alg type="cycle">
+                              <dgm:param type="ctrShpMap" val="fNode"/>
+                              <dgm:param type="stAng" val="45"/>
+                              <dgm:param type="spanAng" val="-90"/>
+                            </dgm:alg>
+                          </dgm:if>
+                          <dgm:else name="Name131">
+                            <dgm:alg type="cycle">
+                              <dgm:param type="ctrShpMap" val="fNode"/>
+                              <dgm:param type="stAng" val="0"/>
+                              <dgm:param type="spanAng" val="-360"/>
+                            </dgm:alg>
+                          </dgm:else>
+                        </dgm:choose>
+                      </dgm:if>
+                      <dgm:if name="Name132" axis="ch" ptType="node" func="cnt" op="gte" val="7">
+                        <dgm:choose name="Name133">
+                          <dgm:if name="Name134" axis="ch ch" ptType="node node" st="1 1" cnt="1 0" func="cnt" op="equ" val="1">
+                            <dgm:alg type="cycle">
+                              <dgm:param type="ctrShpMap" val="fNode"/>
+                              <dgm:param type="stAng" val="0"/>
+                            </dgm:alg>
+                          </dgm:if>
+                          <dgm:if name="Name135" axis="ch ch" ptType="node node" st="1 1" cnt="1 0" func="cnt" op="equ" val="2">
+                            <dgm:alg type="cycle">
+                              <dgm:param type="ctrShpMap" val="fNode"/>
+                              <dgm:param type="stAng" val="45"/>
+                              <dgm:param type="spanAng" val="-90"/>
+                            </dgm:alg>
+                          </dgm:if>
+                          <dgm:else name="Name136">
+                            <dgm:alg type="cycle">
+                              <dgm:param type="ctrShpMap" val="fNode"/>
+                              <dgm:param type="stAng" val="0"/>
+                              <dgm:param type="spanAng" val="-360"/>
+                            </dgm:alg>
+                          </dgm:else>
+                        </dgm:choose>
+                      </dgm:if>
+                      <dgm:else name="Name137"/>
+                    </dgm:choose>
+                  </dgm:else>
+                </dgm:choose>
+                <dgm:shape xmlns:r="http://schemas.openxmlformats.org/officeDocument/2006/relationships" r:blip="">
+                  <dgm:adjLst/>
+                </dgm:shape>
+                <dgm:presOf/>
+                <dgm:constrLst>
+                  <dgm:constr type="sp" refType="w" fact="0.1"/>
+                  <dgm:constr type="sibSp" refType="w" fact="0.1"/>
+                </dgm:constrLst>
+                <dgm:forEach name="Name138" axis="ch" ptType="node" cnt="1">
+                  <dgm:layoutNode name="childCenter1" styleLbl="node1">
+                    <dgm:alg type="tx"/>
+                    <dgm:shape xmlns:r="http://schemas.openxmlformats.org/officeDocument/2006/relationships" type="roundRect" r:blip="">
+                      <dgm:adjLst/>
+                    </dgm:shape>
+                    <dgm:presOf axis="self" ptType="node"/>
+                    <dgm:constrLst>
+                      <dgm:constr type="userS"/>
+                      <dgm:constr type="w" refType="userS"/>
+                      <dgm:constr type="h" refType="w"/>
+                      <dgm:constr type="tMarg" refType="primFontSz" fact="0.2"/>
+                      <dgm:constr type="bMarg" refType="primFontSz" fact="0.2"/>
+                      <dgm:constr type="lMarg" refType="primFontSz" fact="0.2"/>
+                      <dgm:constr type="rMarg" refType="primFontSz" fact="0.2"/>
+                    </dgm:constrLst>
+                    <dgm:ruleLst>
+                      <dgm:rule type="primFontSz" val="5" fact="NaN" max="NaN"/>
+                    </dgm:ruleLst>
+                  </dgm:layoutNode>
+                  <dgm:forEach name="Name139" axis="ch">
+                    <dgm:forEach name="Name140" axis="self" ptType="parTrans">
+                      <dgm:layoutNode name="Name141">
+                        <dgm:alg type="conn">
+                          <dgm:param type="dim" val="1D"/>
+                          <dgm:param type="begPts" val="auto"/>
+                          <dgm:param type="endPts" val="auto"/>
+                          <dgm:param type="begSty" val="noArr"/>
+                          <dgm:param type="endSty" val="noArr"/>
+                        </dgm:alg>
+                        <dgm:shape xmlns:r="http://schemas.openxmlformats.org/officeDocument/2006/relationships" type="conn" r:blip="">
+                          <dgm:adjLst/>
+                        </dgm:shape>
+                        <dgm:presOf axis="self"/>
+                        <dgm:constrLst>
+                          <dgm:constr type="begPad"/>
+                          <dgm:constr type="endPad"/>
+                        </dgm:constrLst>
+                      </dgm:layoutNode>
+                    </dgm:forEach>
+                    <dgm:forEach name="Name142" axis="self" ptType="node">
+                      <dgm:layoutNode name="text1" styleLbl="node1">
+                        <dgm:varLst>
+                          <dgm:bulletEnabled val="1"/>
+                        </dgm:varLst>
+                        <dgm:alg type="tx"/>
+                        <dgm:shape xmlns:r="http://schemas.openxmlformats.org/officeDocument/2006/relationships" type="roundRect" r:blip="">
+                          <dgm:adjLst/>
+                        </dgm:shape>
+                        <dgm:presOf axis="desOrSelf" ptType="node"/>
+                        <dgm:constrLst>
+                          <dgm:constr type="userS"/>
+                          <dgm:constr type="w" refType="userS"/>
+                          <dgm:constr type="h" refType="w"/>
+                          <dgm:constr type="tMarg" refType="primFontSz" fact="0.2"/>
+                          <dgm:constr type="bMarg" refType="primFontSz" fact="0.2"/>
+                          <dgm:constr type="lMarg" refType="primFontSz" fact="0.2"/>
+                          <dgm:constr type="rMarg" refType="primFontSz" fact="0.2"/>
+                        </dgm:constrLst>
+                        <dgm:ruleLst>
+                          <dgm:rule type="primFontSz" val="5" fact="NaN" max="NaN"/>
+                        </dgm:ruleLst>
+                      </dgm:layoutNode>
+                    </dgm:forEach>
+                  </dgm:forEach>
+                </dgm:forEach>
+              </dgm:layoutNode>
+              <dgm:forEach name="Name143" axis="ch" ptType="parTrans" cnt="1">
+                <dgm:layoutNode name="Name144">
+                  <dgm:alg type="conn">
+                    <dgm:param type="dim" val="1D"/>
+                    <dgm:param type="begPts" val="auto"/>
+                    <dgm:param type="endPts" val="auto"/>
+                    <dgm:param type="endSty" val="noArr"/>
+                    <dgm:param type="srcNode" val="textCenter"/>
+                    <dgm:param type="dstNode" val="childCenter1"/>
+                  </dgm:alg>
+                  <dgm:shape xmlns:r="http://schemas.openxmlformats.org/officeDocument/2006/relationships" type="conn" r:blip="" zOrderOff="-999">
+                    <dgm:adjLst/>
+                  </dgm:shape>
+                  <dgm:presOf axis="self"/>
+                  <dgm:constrLst>
+                    <dgm:constr type="h"/>
+                    <dgm:constr type="begPad"/>
+                    <dgm:constr type="endPad"/>
+                  </dgm:constrLst>
+                </dgm:layoutNode>
+              </dgm:forEach>
+            </dgm:if>
+            <dgm:else name="Name145"/>
+          </dgm:choose>
+          <dgm:choose name="Name146">
+            <dgm:if name="Name147" axis="ch" ptType="node" func="cnt" op="gte" val="2">
+              <dgm:layoutNode name="cycle_2">
+                <dgm:choose name="Name148">
+                  <dgm:if name="Name149" func="var" arg="dir" op="equ" val="norm">
+                    <dgm:choose name="Name150">
+                      <dgm:if name="Name151" axis="ch" ptType="node" func="cnt" op="equ" val="2">
+                        <dgm:choose name="Name152">
+                          <dgm:if name="Name153" axis="ch ch" ptType="node node" st="2 1" cnt="1 0" func="cnt" op="equ" val="1">
+                            <dgm:alg type="cycle">
+                              <dgm:param type="ctrShpMap" val="fNode"/>
+                              <dgm:param type="stAng" val="180"/>
+                            </dgm:alg>
+                          </dgm:if>
+                          <dgm:if name="Name154" axis="ch ch" ptType="node node" st="2 1" cnt="1 0" func="cnt" op="equ" val="2">
+                            <dgm:alg type="cycle">
+                              <dgm:param type="ctrShpMap" val="fNode"/>
+                              <dgm:param type="stAng" val="135"/>
+                              <dgm:param type="spanAng" val="90"/>
+                            </dgm:alg>
+                          </dgm:if>
+                          <dgm:else name="Name155">
+                            <dgm:alg type="cycle">
+                              <dgm:param type="ctrShpMap" val="fNode"/>
+                              <dgm:param type="stAng" val="90"/>
+                              <dgm:param type="spanAng" val="180"/>
+                            </dgm:alg>
+                          </dgm:else>
+                        </dgm:choose>
+                      </dgm:if>
+                      <dgm:if name="Name156" axis="ch" ptType="node" func="cnt" op="equ" val="3">
+                        <dgm:choose name="Name157">
+                          <dgm:if name="Name158" axis="ch ch" ptType="node node" st="2 1" cnt="1 0" func="cnt" op="equ" val="1">
+                            <dgm:alg type="cycle">
+                              <dgm:param type="ctrShpMap" val="fNode"/>
+                              <dgm:param type="stAng" val="120"/>
+                              <dgm:param type="horzAlign" val="r"/>
+                              <dgm:param type="vertAlign" val="b"/>
+                            </dgm:alg>
+                          </dgm:if>
+                          <dgm:if name="Name159" axis="ch ch" ptType="node node" st="2 1" cnt="1 0" func="cnt" op="equ" val="2">
+                            <dgm:alg type="cycle">
+                              <dgm:param type="ctrShpMap" val="fNode"/>
+                              <dgm:param type="stAng" val="75"/>
+                              <dgm:param type="spanAng" val="90"/>
+                              <dgm:param type="horzAlign" val="r"/>
+                              <dgm:param type="vertAlign" val="b"/>
+                            </dgm:alg>
+                          </dgm:if>
+                          <dgm:else name="Name160">
+                            <dgm:alg type="cycle">
+                              <dgm:param type="ctrShpMap" val="fNode"/>
+                              <dgm:param type="stAng" val="30"/>
+                              <dgm:param type="spanAng" val="180"/>
+                            </dgm:alg>
+                          </dgm:else>
+                        </dgm:choose>
+                      </dgm:if>
+                      <dgm:if name="Name161" axis="ch" ptType="node" func="cnt" op="equ" val="4">
+                        <dgm:choose name="Name162">
+                          <dgm:if name="Name163" axis="ch ch" ptType="node node" st="2 1" cnt="1 0" func="cnt" op="equ" val="1">
+                            <dgm:alg type="cycle">
+                              <dgm:param type="ctrShpMap" val="fNode"/>
+                              <dgm:param type="stAng" val="90"/>
+                            </dgm:alg>
+                          </dgm:if>
+                          <dgm:if name="Name164" axis="ch ch" ptType="node node" st="2 1" cnt="1 0" func="cnt" op="equ" val="2">
+                            <dgm:alg type="cycle">
+                              <dgm:param type="ctrShpMap" val="fNode"/>
+                              <dgm:param type="stAng" val="45"/>
+                              <dgm:param type="spanAng" val="90"/>
+                            </dgm:alg>
+                          </dgm:if>
+                          <dgm:else name="Name165">
+                            <dgm:alg type="cycle">
+                              <dgm:param type="ctrShpMap" val="fNode"/>
+                              <dgm:param type="stAng" val="22.5"/>
+                              <dgm:param type="spanAng" val="135"/>
+                            </dgm:alg>
+                          </dgm:else>
+                        </dgm:choose>
+                      </dgm:if>
+                      <dgm:if name="Name166" axis="ch" ptType="node" func="cnt" op="equ" val="5">
+                        <dgm:choose name="Name167">
+                          <dgm:if name="Name168" axis="ch ch" ptType="node node" st="2 1" cnt="1 0" func="cnt" op="equ" val="1">
+                            <dgm:alg type="cycle">
+                              <dgm:param type="ctrShpMap" val="fNode"/>
+                              <dgm:param type="stAng" val="72"/>
+                            </dgm:alg>
+                          </dgm:if>
+                          <dgm:if name="Name169" axis="ch ch" ptType="node node" st="2 1" cnt="1 0" func="cnt" op="equ" val="2">
+                            <dgm:alg type="cycle">
+                              <dgm:param type="ctrShpMap" val="fNode"/>
+                              <dgm:param type="stAng" val="27"/>
+                              <dgm:param type="spanAng" val="90"/>
+                            </dgm:alg>
+                          </dgm:if>
+                          <dgm:else name="Name170">
+                            <dgm:alg type="cycle">
+                              <dgm:param type="ctrShpMap" val="fNode"/>
+                              <dgm:param type="stAng" val="0"/>
+                              <dgm:param type="spanAng" val="360"/>
+                            </dgm:alg>
+                          </dgm:else>
+                        </dgm:choose>
+                      </dgm:if>
+                      <dgm:if name="Name171" axis="ch" ptType="node" func="cnt" op="equ" val="6">
+                        <dgm:choose name="Name172">
+                          <dgm:if name="Name173" axis="ch ch" ptType="node node" st="2 1" cnt="1 0" func="cnt" op="equ" val="1">
+                            <dgm:alg type="cycle">
+                              <dgm:param type="ctrShpMap" val="fNode"/>
+                              <dgm:param type="stAng" val="60"/>
+                            </dgm:alg>
+                          </dgm:if>
+                          <dgm:if name="Name174" axis="ch ch" ptType="node node" st="2 1" cnt="1 0" func="cnt" op="equ" val="2">
+                            <dgm:alg type="cycle">
+                              <dgm:param type="ctrShpMap" val="fNode"/>
+                              <dgm:param type="stAng" val="15"/>
+                              <dgm:param type="spanAng" val="90"/>
+                            </dgm:alg>
+                          </dgm:if>
+                          <dgm:else name="Name175">
+                            <dgm:alg type="cycle">
+                              <dgm:param type="ctrShpMap" val="fNode"/>
+                              <dgm:param type="stAng" val="0"/>
+                              <dgm:param type="spanAng" val="360"/>
+                            </dgm:alg>
+                          </dgm:else>
+                        </dgm:choose>
+                      </dgm:if>
+                      <dgm:if name="Name176" axis="ch" ptType="node" func="cnt" op="gte" val="7">
+                        <dgm:choose name="Name177">
+                          <dgm:if name="Name178" axis="ch ch" ptType="node node" st="2 1" cnt="1 0" func="cnt" op="equ" val="1">
+                            <dgm:alg type="cycle">
+                              <dgm:param type="ctrShpMap" val="fNode"/>
+                              <dgm:param type="stAng" val="51"/>
+                            </dgm:alg>
+                          </dgm:if>
+                          <dgm:if name="Name179" axis="ch ch" ptType="node node" st="2 1" cnt="1 0" func="cnt" op="equ" val="2">
+                            <dgm:alg type="cycle">
+                              <dgm:param type="ctrShpMap" val="fNode"/>
+                              <dgm:param type="stAng" val="6"/>
+                              <dgm:param type="spanAng" val="90"/>
+                            </dgm:alg>
+                          </dgm:if>
+                          <dgm:else name="Name180">
+                            <dgm:alg type="cycle">
+                              <dgm:param type="ctrShpMap" val="fNode"/>
+                              <dgm:param type="stAng" val="0"/>
+                              <dgm:param type="spanAng" val="360"/>
+                            </dgm:alg>
+                          </dgm:else>
+                        </dgm:choose>
+                      </dgm:if>
+                      <dgm:else name="Name181"/>
+                    </dgm:choose>
+                  </dgm:if>
+                  <dgm:else name="Name182">
+                    <dgm:choose name="Name183">
+                      <dgm:if name="Name184" axis="ch" ptType="node" func="cnt" op="equ" val="2">
+                        <dgm:choose name="Name185">
+                          <dgm:if name="Name186" axis="ch ch" ptType="node node" st="2 1" cnt="1 0" func="cnt" op="equ" val="1">
+                            <dgm:alg type="cycle">
+                              <dgm:param type="ctrShpMap" val="fNode"/>
+                              <dgm:param type="stAng" val="180"/>
+                            </dgm:alg>
+                          </dgm:if>
+                          <dgm:if name="Name187" axis="ch ch" ptType="node node" st="2 1" cnt="1 0" func="cnt" op="equ" val="2">
+                            <dgm:alg type="cycle">
+                              <dgm:param type="ctrShpMap" val="fNode"/>
+                              <dgm:param type="stAng" val="225"/>
+                              <dgm:param type="spanAng" val="-90"/>
+                            </dgm:alg>
+                          </dgm:if>
+                          <dgm:else name="Name188">
+                            <dgm:alg type="cycle">
+                              <dgm:param type="ctrShpMap" val="fNode"/>
+                              <dgm:param type="stAng" val="270"/>
+                              <dgm:param type="spanAng" val="-180"/>
+                            </dgm:alg>
+                          </dgm:else>
+                        </dgm:choose>
+                      </dgm:if>
+                      <dgm:if name="Name189" axis="ch" ptType="node" func="cnt" op="equ" val="3">
+                        <dgm:choose name="Name190">
+                          <dgm:if name="Name191" axis="ch ch" ptType="node node" st="2 1" cnt="1 0" func="cnt" op="equ" val="1">
+                            <dgm:alg type="cycle">
+                              <dgm:param type="ctrShpMap" val="fNode"/>
+                              <dgm:param type="stAng" val="240"/>
+                              <dgm:param type="horzAlign" val="l"/>
+                              <dgm:param type="vertAlign" val="b"/>
+                            </dgm:alg>
+                          </dgm:if>
+                          <dgm:if name="Name192" axis="ch ch" ptType="node node" st="2 1" cnt="1 0" func="cnt" op="equ" val="2">
+                            <dgm:alg type="cycle">
+                              <dgm:param type="ctrShpMap" val="fNode"/>
+                              <dgm:param type="stAng" val="285"/>
+                              <dgm:param type="spanAng" val="-90"/>
+                              <dgm:param type="horzAlign" val="l"/>
+                              <dgm:param type="vertAlign" val="b"/>
+                            </dgm:alg>
+                          </dgm:if>
+                          <dgm:else name="Name193">
+                            <dgm:alg type="cycle">
+                              <dgm:param type="ctrShpMap" val="fNode"/>
+                              <dgm:param type="stAng" val="330"/>
+                              <dgm:param type="spanAng" val="-180"/>
+                            </dgm:alg>
+                          </dgm:else>
+                        </dgm:choose>
+                      </dgm:if>
+                      <dgm:if name="Name194" axis="ch" ptType="node" func="cnt" op="equ" val="4">
+                        <dgm:choose name="Name195">
+                          <dgm:if name="Name196" axis="ch ch" ptType="node node" st="2 1" cnt="1 0" func="cnt" op="equ" val="1">
+                            <dgm:alg type="cycle">
+                              <dgm:param type="ctrShpMap" val="fNode"/>
+                              <dgm:param type="stAng" val="270"/>
+                            </dgm:alg>
+                          </dgm:if>
+                          <dgm:if name="Name197" axis="ch ch" ptType="node node" st="2 1" cnt="1 0" func="cnt" op="equ" val="2">
+                            <dgm:alg type="cycle">
+                              <dgm:param type="ctrShpMap" val="fNode"/>
+                              <dgm:param type="stAng" val="315"/>
+                              <dgm:param type="spanAng" val="-90"/>
+                            </dgm:alg>
+                          </dgm:if>
+                          <dgm:else name="Name198">
+                            <dgm:alg type="cycle">
+                              <dgm:param type="ctrShpMap" val="fNode"/>
+                              <dgm:param type="stAng" val="337.5"/>
+                              <dgm:param type="spanAng" val="-135"/>
+                            </dgm:alg>
+                          </dgm:else>
+                        </dgm:choose>
+                      </dgm:if>
+                      <dgm:if name="Name199" axis="ch" ptType="node" func="cnt" op="equ" val="5">
+                        <dgm:choose name="Name200">
+                          <dgm:if name="Name201" axis="ch ch" ptType="node node" st="2 1" cnt="1 0" func="cnt" op="equ" val="1">
+                            <dgm:alg type="cycle">
+                              <dgm:param type="ctrShpMap" val="fNode"/>
+                              <dgm:param type="stAng" val="288"/>
+                            </dgm:alg>
+                          </dgm:if>
+                          <dgm:if name="Name202" axis="ch ch" ptType="node node" st="2 1" cnt="1 0" func="cnt" op="equ" val="2">
+                            <dgm:alg type="cycle">
+                              <dgm:param type="ctrShpMap" val="fNode"/>
+                              <dgm:param type="stAng" val="333"/>
+                              <dgm:param type="spanAng" val="-90"/>
+                            </dgm:alg>
+                          </dgm:if>
+                          <dgm:else name="Name203">
+                            <dgm:alg type="cycle">
+                              <dgm:param type="ctrShpMap" val="fNode"/>
+                              <dgm:param type="stAng" val="0"/>
+                              <dgm:param type="spanAng" val="-360"/>
+                            </dgm:alg>
+                          </dgm:else>
+                        </dgm:choose>
+                      </dgm:if>
+                      <dgm:if name="Name204" axis="ch" ptType="node" func="cnt" op="equ" val="6">
+                        <dgm:choose name="Name205">
+                          <dgm:if name="Name206" axis="ch ch" ptType="node node" st="2 1" cnt="1 0" func="cnt" op="equ" val="1">
+                            <dgm:alg type="cycle">
+                              <dgm:param type="ctrShpMap" val="fNode"/>
+                              <dgm:param type="stAng" val="300"/>
+                            </dgm:alg>
+                          </dgm:if>
+                          <dgm:if name="Name207" axis="ch ch" ptType="node node" st="2 1" cnt="1 0" func="cnt" op="equ" val="2">
+                            <dgm:alg type="cycle">
+                              <dgm:param type="ctrShpMap" val="fNode"/>
+                              <dgm:param type="stAng" val="345"/>
+                              <dgm:param type="spanAng" val="-90"/>
+                            </dgm:alg>
+                          </dgm:if>
+                          <dgm:else name="Name208">
+                            <dgm:alg type="cycle">
+                              <dgm:param type="ctrShpMap" val="fNode"/>
+                              <dgm:param type="stAng" val="0"/>
+                              <dgm:param type="spanAng" val="-360"/>
+                            </dgm:alg>
+                          </dgm:else>
+                        </dgm:choose>
+                      </dgm:if>
+                      <dgm:if name="Name209" axis="ch" ptType="node" func="cnt" op="gte" val="7">
+                        <dgm:choose name="Name210">
+                          <dgm:if name="Name211" axis="ch ch" ptType="node node" st="2 1" cnt="1 0" func="cnt" op="equ" val="1">
+                            <dgm:alg type="cycle">
+                              <dgm:param type="ctrShpMap" val="fNode"/>
+                              <dgm:param type="stAng" val="308"/>
+                            </dgm:alg>
+                          </dgm:if>
+                          <dgm:if name="Name212" axis="ch ch" ptType="node node" st="2 1" cnt="1 0" func="cnt" op="equ" val="2">
+                            <dgm:alg type="cycle">
+                              <dgm:param type="ctrShpMap" val="fNode"/>
+                              <dgm:param type="stAng" val="353"/>
+                              <dgm:param type="spanAng" val="-90"/>
+                            </dgm:alg>
+                          </dgm:if>
+                          <dgm:else name="Name213">
+                            <dgm:alg type="cycle">
+                              <dgm:param type="ctrShpMap" val="fNode"/>
+                              <dgm:param type="stAng" val="0"/>
+                              <dgm:param type="spanAng" val="-360"/>
+                            </dgm:alg>
+                          </dgm:else>
+                        </dgm:choose>
+                      </dgm:if>
+                      <dgm:else name="Name214"/>
+                    </dgm:choose>
+                  </dgm:else>
+                </dgm:choose>
+                <dgm:shape xmlns:r="http://schemas.openxmlformats.org/officeDocument/2006/relationships" r:blip="">
+                  <dgm:adjLst/>
+                </dgm:shape>
+                <dgm:presOf/>
+                <dgm:constrLst>
+                  <dgm:constr type="sp" refType="w" fact="0.1"/>
+                  <dgm:constr type="sibSp" refType="w" fact="0.1"/>
+                </dgm:constrLst>
+                <dgm:forEach name="Name215" axis="ch" ptType="node" st="2" cnt="1">
+                  <dgm:layoutNode name="childCenter2" styleLbl="node1">
+                    <dgm:alg type="tx"/>
+                    <dgm:shape xmlns:r="http://schemas.openxmlformats.org/officeDocument/2006/relationships" type="roundRect" r:blip="">
+                      <dgm:adjLst/>
+                    </dgm:shape>
+                    <dgm:presOf axis="self" ptType="node"/>
+                    <dgm:constrLst>
+                      <dgm:constr type="userS"/>
+                      <dgm:constr type="w" refType="userS"/>
+                      <dgm:constr type="h" refType="w"/>
+                      <dgm:constr type="tMarg" refType="primFontSz" fact="0.2"/>
+                      <dgm:constr type="bMarg" refType="primFontSz" fact="0.2"/>
+                      <dgm:constr type="lMarg" refType="primFontSz" fact="0.2"/>
+                      <dgm:constr type="rMarg" refType="primFontSz" fact="0.2"/>
+                    </dgm:constrLst>
+                    <dgm:ruleLst>
+                      <dgm:rule type="primFontSz" val="5" fact="NaN" max="NaN"/>
+                    </dgm:ruleLst>
+                  </dgm:layoutNode>
+                  <dgm:forEach name="Name216" axis="ch">
+                    <dgm:forEach name="Name217" axis="self" ptType="parTrans">
+                      <dgm:layoutNode name="Name218">
+                        <dgm:alg type="conn">
+                          <dgm:param type="dim" val="1D"/>
+                          <dgm:param type="begPts" val="auto"/>
+                          <dgm:param type="endPts" val="auto"/>
+                          <dgm:param type="begSty" val="noArr"/>
+                          <dgm:param type="endSty" val="noArr"/>
+                        </dgm:alg>
+                        <dgm:shape xmlns:r="http://schemas.openxmlformats.org/officeDocument/2006/relationships" type="conn" r:blip="">
+                          <dgm:adjLst/>
+                        </dgm:shape>
+                        <dgm:presOf axis="self"/>
+                        <dgm:constrLst>
+                          <dgm:constr type="begPad"/>
+                          <dgm:constr type="endPad"/>
+                        </dgm:constrLst>
+                      </dgm:layoutNode>
+                    </dgm:forEach>
+                    <dgm:forEach name="Name219" axis="self" ptType="node">
+                      <dgm:layoutNode name="text2" styleLbl="node1">
+                        <dgm:varLst>
+                          <dgm:bulletEnabled val="1"/>
+                        </dgm:varLst>
+                        <dgm:alg type="tx"/>
+                        <dgm:shape xmlns:r="http://schemas.openxmlformats.org/officeDocument/2006/relationships" type="roundRect" r:blip="">
+                          <dgm:adjLst/>
+                        </dgm:shape>
+                        <dgm:presOf axis="desOrSelf" ptType="node"/>
+                        <dgm:constrLst>
+                          <dgm:constr type="userS"/>
+                          <dgm:constr type="w" refType="userS"/>
+                          <dgm:constr type="h" refType="w"/>
+                          <dgm:constr type="tMarg" refType="primFontSz" fact="0.2"/>
+                          <dgm:constr type="bMarg" refType="primFontSz" fact="0.2"/>
+                          <dgm:constr type="lMarg" refType="primFontSz" fact="0.2"/>
+                          <dgm:constr type="rMarg" refType="primFontSz" fact="0.2"/>
+                        </dgm:constrLst>
+                        <dgm:ruleLst>
+                          <dgm:rule type="primFontSz" val="5" fact="NaN" max="NaN"/>
+                        </dgm:ruleLst>
+                      </dgm:layoutNode>
+                    </dgm:forEach>
+                  </dgm:forEach>
+                </dgm:forEach>
+              </dgm:layoutNode>
+              <dgm:forEach name="Name220" axis="ch" ptType="parTrans" st="2" cnt="1">
+                <dgm:layoutNode name="Name221">
+                  <dgm:alg type="conn">
+                    <dgm:param type="dim" val="1D"/>
+                    <dgm:param type="begPts" val="auto"/>
+                    <dgm:param type="endPts" val="auto"/>
+                    <dgm:param type="endSty" val="noArr"/>
+                    <dgm:param type="srcNode" val="textCenter"/>
+                    <dgm:param type="dstNode" val="childCenter2"/>
+                  </dgm:alg>
+                  <dgm:shape xmlns:r="http://schemas.openxmlformats.org/officeDocument/2006/relationships" type="conn" r:blip="" zOrderOff="-999">
+                    <dgm:adjLst/>
+                  </dgm:shape>
+                  <dgm:presOf axis="self"/>
+                  <dgm:constrLst>
+                    <dgm:constr type="h"/>
+                    <dgm:constr type="begPad"/>
+                    <dgm:constr type="endPad"/>
+                  </dgm:constrLst>
+                </dgm:layoutNode>
+              </dgm:forEach>
+            </dgm:if>
+            <dgm:else name="Name222"/>
+          </dgm:choose>
+          <dgm:choose name="Name223">
+            <dgm:if name="Name224" axis="ch" ptType="node" func="cnt" op="gte" val="3">
+              <dgm:layoutNode name="cycle_3">
+                <dgm:choose name="Name225">
+                  <dgm:if name="Name226" func="var" arg="dir" op="equ" val="norm">
+                    <dgm:choose name="Name227">
+                      <dgm:if name="Name228" axis="ch" ptType="node" func="cnt" op="equ" val="3">
+                        <dgm:choose name="Name229">
+                          <dgm:if name="Name230" axis="ch ch" ptType="node node" st="3 1" cnt="1 0" func="cnt" op="equ" val="1">
+                            <dgm:alg type="cycle">
+                              <dgm:param type="ctrShpMap" val="fNode"/>
+                              <dgm:param type="stAng" val="240"/>
+                              <dgm:param type="horzAlign" val="l"/>
+                              <dgm:param type="vertAlign" val="b"/>
+                            </dgm:alg>
+                          </dgm:if>
+                          <dgm:if name="Name231" axis="ch ch" ptType="node node" st="3 1" cnt="1 0" func="cnt" op="equ" val="2">
+                            <dgm:alg type="cycle">
+                              <dgm:param type="ctrShpMap" val="fNode"/>
+                              <dgm:param type="stAng" val="195"/>
+                              <dgm:param type="spanAng" val="90"/>
+                              <dgm:param type="horzAlign" val="l"/>
+                              <dgm:param type="vertAlign" val="b"/>
+                            </dgm:alg>
+                          </dgm:if>
+                          <dgm:else name="Name232">
+                            <dgm:alg type="cycle">
+                              <dgm:param type="ctrShpMap" val="fNode"/>
+                              <dgm:param type="stAng" val="150"/>
+                              <dgm:param type="spanAng" val="180"/>
+                            </dgm:alg>
+                          </dgm:else>
+                        </dgm:choose>
+                      </dgm:if>
+                      <dgm:if name="Name233" axis="ch" ptType="node" func="cnt" op="equ" val="4">
+                        <dgm:choose name="Name234">
+                          <dgm:if name="Name235" axis="ch ch" ptType="node node" st="3 1" cnt="1 0" func="cnt" op="equ" val="1">
+                            <dgm:alg type="cycle">
+                              <dgm:param type="ctrShpMap" val="fNode"/>
+                              <dgm:param type="stAng" val="180"/>
+                            </dgm:alg>
+                          </dgm:if>
+                          <dgm:if name="Name236" axis="ch ch" ptType="node node" st="3 1" cnt="1 0" func="cnt" op="equ" val="2">
+                            <dgm:alg type="cycle">
+                              <dgm:param type="ctrShpMap" val="fNode"/>
+                              <dgm:param type="stAng" val="135"/>
+                              <dgm:param type="spanAng" val="90"/>
+                            </dgm:alg>
+                          </dgm:if>
+                          <dgm:else name="Name237">
+                            <dgm:alg type="cycle">
+                              <dgm:param type="ctrShpMap" val="fNode"/>
+                              <dgm:param type="stAng" val="112.5"/>
+                              <dgm:param type="spanAng" val="135"/>
+                            </dgm:alg>
+                          </dgm:else>
+                        </dgm:choose>
+                      </dgm:if>
+                      <dgm:if name="Name238" axis="ch" ptType="node" func="cnt" op="equ" val="5">
+                        <dgm:choose name="Name239">
+                          <dgm:if name="Name240" axis="ch ch" ptType="node node" st="3 1" cnt="1 0" func="cnt" op="equ" val="1">
+                            <dgm:alg type="cycle">
+                              <dgm:param type="ctrShpMap" val="fNode"/>
+                              <dgm:param type="stAng" val="144"/>
+                            </dgm:alg>
+                          </dgm:if>
+                          <dgm:if name="Name241" axis="ch ch" ptType="node node" st="3 1" cnt="1 0" func="cnt" op="equ" val="2">
+                            <dgm:alg type="cycle">
+                              <dgm:param type="ctrShpMap" val="fNode"/>
+                              <dgm:param type="stAng" val="99"/>
+                              <dgm:param type="spanAng" val="90"/>
+                            </dgm:alg>
+                          </dgm:if>
+                          <dgm:else name="Name242">
+                            <dgm:alg type="cycle">
+                              <dgm:param type="ctrShpMap" val="fNode"/>
+                              <dgm:param type="stAng" val="0"/>
+                              <dgm:param type="spanAng" val="360"/>
+                            </dgm:alg>
+                          </dgm:else>
+                        </dgm:choose>
+                      </dgm:if>
+                      <dgm:if name="Name243" axis="ch" ptType="node" func="cnt" op="equ" val="6">
+                        <dgm:choose name="Name244">
+                          <dgm:if name="Name245" axis="ch ch" ptType="node node" st="3 1" cnt="1 0" func="cnt" op="equ" val="1">
+                            <dgm:alg type="cycle">
+                              <dgm:param type="ctrShpMap" val="fNode"/>
+                              <dgm:param type="stAng" val="120"/>
+                            </dgm:alg>
+                          </dgm:if>
+                          <dgm:if name="Name246" axis="ch ch" ptType="node node" st="3 1" cnt="1 0" func="cnt" op="equ" val="2">
+                            <dgm:alg type="cycle">
+                              <dgm:param type="ctrShpMap" val="fNode"/>
+                              <dgm:param type="stAng" val="75"/>
+                              <dgm:param type="spanAng" val="90"/>
+                            </dgm:alg>
+                          </dgm:if>
+                          <dgm:else name="Name247">
+                            <dgm:alg type="cycle">
+                              <dgm:param type="ctrShpMap" val="fNode"/>
+                              <dgm:param type="stAng" val="0"/>
+                              <dgm:param type="spanAng" val="360"/>
+                            </dgm:alg>
+                          </dgm:else>
+                        </dgm:choose>
+                      </dgm:if>
+                      <dgm:if name="Name248" axis="ch" ptType="node" func="cnt" op="gte" val="7">
+                        <dgm:choose name="Name249">
+                          <dgm:if name="Name250" axis="ch ch" ptType="node node" st="3 1" cnt="1 0" func="cnt" op="equ" val="1">
+                            <dgm:alg type="cycle">
+                              <dgm:param type="ctrShpMap" val="fNode"/>
+                              <dgm:param type="stAng" val="102"/>
+                            </dgm:alg>
+                          </dgm:if>
+                          <dgm:if name="Name251" axis="ch ch" ptType="node node" st="3 1" cnt="1 0" func="cnt" op="equ" val="2">
+                            <dgm:alg type="cycle">
+                              <dgm:param type="ctrShpMap" val="fNode"/>
+                              <dgm:param type="stAng" val="57"/>
+                              <dgm:param type="spanAng" val="90"/>
+                            </dgm:alg>
+                          </dgm:if>
+                          <dgm:else name="Name252">
+                            <dgm:alg type="cycle">
+                              <dgm:param type="ctrShpMap" val="fNode"/>
+                              <dgm:param type="stAng" val="0"/>
+                              <dgm:param type="spanAng" val="360"/>
+                            </dgm:alg>
+                          </dgm:else>
+                        </dgm:choose>
+                      </dgm:if>
+                      <dgm:else name="Name253"/>
+                    </dgm:choose>
+                  </dgm:if>
+                  <dgm:else name="Name254">
+                    <dgm:choose name="Name255">
+                      <dgm:if name="Name256" axis="ch" ptType="node" func="cnt" op="equ" val="3">
+                        <dgm:choose name="Name257">
+                          <dgm:if name="Name258" axis="ch ch" ptType="node node" st="3 1" cnt="1 0" func="cnt" op="equ" val="1">
+                            <dgm:alg type="cycle">
+                              <dgm:param type="ctrShpMap" val="fNode"/>
+                              <dgm:param type="stAng" val="120"/>
+                              <dgm:param type="horzAlign" val="r"/>
+                              <dgm:param type="vertAlign" val="b"/>
+                            </dgm:alg>
+                          </dgm:if>
+                          <dgm:if name="Name259" axis="ch ch" ptType="node node" st="3 1" cnt="1 0" func="cnt" op="equ" val="2">
+                            <dgm:alg type="cycle">
+                              <dgm:param type="ctrShpMap" val="fNode"/>
+                              <dgm:param type="stAng" val="165"/>
+                              <dgm:param type="spanAng" val="-90"/>
+                              <dgm:param type="horzAlign" val="r"/>
+                              <dgm:param type="vertAlign" val="b"/>
+                            </dgm:alg>
+                          </dgm:if>
+                          <dgm:else name="Name260">
+                            <dgm:alg type="cycle">
+                              <dgm:param type="ctrShpMap" val="fNode"/>
+                              <dgm:param type="stAng" val="210"/>
+                              <dgm:param type="spanAng" val="-180"/>
+                            </dgm:alg>
+                          </dgm:else>
+                        </dgm:choose>
+                      </dgm:if>
+                      <dgm:if name="Name261" axis="ch" ptType="node" func="cnt" op="equ" val="4">
+                        <dgm:choose name="Name262">
+                          <dgm:if name="Name263" axis="ch ch" ptType="node node" st="3 1" cnt="1 0" func="cnt" op="equ" val="1">
+                            <dgm:alg type="cycle">
+                              <dgm:param type="ctrShpMap" val="fNode"/>
+                              <dgm:param type="stAng" val="180"/>
+                            </dgm:alg>
+                          </dgm:if>
+                          <dgm:if name="Name264" axis="ch ch" ptType="node node" st="3 1" cnt="1 0" func="cnt" op="equ" val="2">
+                            <dgm:alg type="cycle">
+                              <dgm:param type="ctrShpMap" val="fNode"/>
+                              <dgm:param type="stAng" val="225"/>
+                              <dgm:param type="spanAng" val="-90"/>
+                            </dgm:alg>
+                          </dgm:if>
+                          <dgm:else name="Name265">
+                            <dgm:alg type="cycle">
+                              <dgm:param type="ctrShpMap" val="fNode"/>
+                              <dgm:param type="stAng" val="247.5"/>
+                              <dgm:param type="spanAng" val="-135"/>
+                            </dgm:alg>
+                          </dgm:else>
+                        </dgm:choose>
+                      </dgm:if>
+                      <dgm:if name="Name266" axis="ch" ptType="node" func="cnt" op="equ" val="5">
+                        <dgm:choose name="Name267">
+                          <dgm:if name="Name268" axis="ch ch" ptType="node node" st="3 1" cnt="1 0" func="cnt" op="equ" val="1">
+                            <dgm:alg type="cycle">
+                              <dgm:param type="ctrShpMap" val="fNode"/>
+                              <dgm:param type="stAng" val="216"/>
+                            </dgm:alg>
+                          </dgm:if>
+                          <dgm:if name="Name269" axis="ch ch" ptType="node node" st="3 1" cnt="1 0" func="cnt" op="equ" val="2">
+                            <dgm:alg type="cycle">
+                              <dgm:param type="ctrShpMap" val="fNode"/>
+                              <dgm:param type="stAng" val="261"/>
+                              <dgm:param type="spanAng" val="-90"/>
+                            </dgm:alg>
+                          </dgm:if>
+                          <dgm:else name="Name270">
+                            <dgm:alg type="cycle">
+                              <dgm:param type="ctrShpMap" val="fNode"/>
+                              <dgm:param type="stAng" val="0"/>
+                              <dgm:param type="spanAng" val="-360"/>
+                            </dgm:alg>
+                          </dgm:else>
+                        </dgm:choose>
+                      </dgm:if>
+                      <dgm:if name="Name271" axis="ch" ptType="node" func="cnt" op="equ" val="6">
+                        <dgm:choose name="Name272">
+                          <dgm:if name="Name273" axis="ch ch" ptType="node node" st="3 1" cnt="1 0" func="cnt" op="equ" val="1">
+                            <dgm:alg type="cycle">
+                              <dgm:param type="ctrShpMap" val="fNode"/>
+                              <dgm:param type="stAng" val="240"/>
+                            </dgm:alg>
+                          </dgm:if>
+                          <dgm:if name="Name274" axis="ch ch" ptType="node node" st="3 1" cnt="1 0" func="cnt" op="equ" val="2">
+                            <dgm:alg type="cycle">
+                              <dgm:param type="ctrShpMap" val="fNode"/>
+                              <dgm:param type="stAng" val="285"/>
+                              <dgm:param type="spanAng" val="-90"/>
+                            </dgm:alg>
+                          </dgm:if>
+                          <dgm:else name="Name275">
+                            <dgm:alg type="cycle">
+                              <dgm:param type="ctrShpMap" val="fNode"/>
+                              <dgm:param type="stAng" val="0"/>
+                              <dgm:param type="spanAng" val="-360"/>
+                            </dgm:alg>
+                          </dgm:else>
+                        </dgm:choose>
+                      </dgm:if>
+                      <dgm:if name="Name276" axis="ch" ptType="node" func="cnt" op="gte" val="7">
+                        <dgm:choose name="Name277">
+                          <dgm:if name="Name278" axis="ch ch" ptType="node node" st="3 1" cnt="1 0" func="cnt" op="equ" val="1">
+                            <dgm:alg type="cycle">
+                              <dgm:param type="ctrShpMap" val="fNode"/>
+                              <dgm:param type="stAng" val="257"/>
+                            </dgm:alg>
+                          </dgm:if>
+                          <dgm:if name="Name279" axis="ch ch" ptType="node node" st="3 1" cnt="1 0" func="cnt" op="equ" val="2">
+                            <dgm:alg type="cycle">
+                              <dgm:param type="ctrShpMap" val="fNode"/>
+                              <dgm:param type="stAng" val="302"/>
+                              <dgm:param type="spanAng" val="-90"/>
+                            </dgm:alg>
+                          </dgm:if>
+                          <dgm:else name="Name280">
+                            <dgm:alg type="cycle">
+                              <dgm:param type="ctrShpMap" val="fNode"/>
+                              <dgm:param type="stAng" val="0"/>
+                              <dgm:param type="spanAng" val="-360"/>
+                            </dgm:alg>
+                          </dgm:else>
+                        </dgm:choose>
+                      </dgm:if>
+                      <dgm:else name="Name281"/>
+                    </dgm:choose>
+                  </dgm:else>
+                </dgm:choose>
+                <dgm:shape xmlns:r="http://schemas.openxmlformats.org/officeDocument/2006/relationships" r:blip="">
+                  <dgm:adjLst/>
+                </dgm:shape>
+                <dgm:presOf/>
+                <dgm:constrLst>
+                  <dgm:constr type="sp" refType="w" fact="0.1"/>
+                  <dgm:constr type="sibSp" refType="w" fact="0.1"/>
+                </dgm:constrLst>
+                <dgm:forEach name="Name282" axis="ch" ptType="node" st="3" cnt="1">
+                  <dgm:layoutNode name="childCenter3" styleLbl="node1">
+                    <dgm:alg type="tx"/>
+                    <dgm:shape xmlns:r="http://schemas.openxmlformats.org/officeDocument/2006/relationships" type="roundRect" r:blip="">
+                      <dgm:adjLst/>
+                    </dgm:shape>
+                    <dgm:presOf axis="self" ptType="node"/>
+                    <dgm:constrLst>
+                      <dgm:constr type="userS"/>
+                      <dgm:constr type="w" refType="userS"/>
+                      <dgm:constr type="h" refType="w"/>
+                      <dgm:constr type="tMarg" refType="primFontSz" fact="0.2"/>
+                      <dgm:constr type="bMarg" refType="primFontSz" fact="0.2"/>
+                      <dgm:constr type="lMarg" refType="primFontSz" fact="0.2"/>
+                      <dgm:constr type="rMarg" refType="primFontSz" fact="0.2"/>
+                    </dgm:constrLst>
+                    <dgm:ruleLst>
+                      <dgm:rule type="primFontSz" val="5" fact="NaN" max="NaN"/>
+                    </dgm:ruleLst>
+                  </dgm:layoutNode>
+                  <dgm:forEach name="Name283" axis="ch">
+                    <dgm:forEach name="Name284" axis="self" ptType="parTrans">
+                      <dgm:layoutNode name="Name285">
+                        <dgm:alg type="conn">
+                          <dgm:param type="dim" val="1D"/>
+                          <dgm:param type="begPts" val="auto"/>
+                          <dgm:param type="endPts" val="auto"/>
+                          <dgm:param type="begSty" val="noArr"/>
+                          <dgm:param type="endSty" val="noArr"/>
+                        </dgm:alg>
+                        <dgm:shape xmlns:r="http://schemas.openxmlformats.org/officeDocument/2006/relationships" type="conn" r:blip="">
+                          <dgm:adjLst/>
+                        </dgm:shape>
+                        <dgm:presOf axis="self"/>
+                        <dgm:constrLst>
+                          <dgm:constr type="begPad"/>
+                          <dgm:constr type="endPad"/>
+                        </dgm:constrLst>
+                      </dgm:layoutNode>
+                    </dgm:forEach>
+                    <dgm:forEach name="Name286" axis="self" ptType="node">
+                      <dgm:layoutNode name="text3" styleLbl="node1">
+                        <dgm:varLst>
+                          <dgm:bulletEnabled val="1"/>
+                        </dgm:varLst>
+                        <dgm:alg type="tx"/>
+                        <dgm:shape xmlns:r="http://schemas.openxmlformats.org/officeDocument/2006/relationships" type="roundRect" r:blip="">
+                          <dgm:adjLst/>
+                        </dgm:shape>
+                        <dgm:presOf axis="desOrSelf" ptType="node"/>
+                        <dgm:constrLst>
+                          <dgm:constr type="userS"/>
+                          <dgm:constr type="w" refType="userS"/>
+                          <dgm:constr type="h" refType="w"/>
+                          <dgm:constr type="tMarg" refType="primFontSz" fact="0.2"/>
+                          <dgm:constr type="bMarg" refType="primFontSz" fact="0.2"/>
+                          <dgm:constr type="lMarg" refType="primFontSz" fact="0.2"/>
+                          <dgm:constr type="rMarg" refType="primFontSz" fact="0.2"/>
+                        </dgm:constrLst>
+                        <dgm:ruleLst>
+                          <dgm:rule type="primFontSz" val="5" fact="NaN" max="NaN"/>
+                        </dgm:ruleLst>
+                      </dgm:layoutNode>
+                    </dgm:forEach>
+                  </dgm:forEach>
+                </dgm:forEach>
+              </dgm:layoutNode>
+              <dgm:forEach name="Name287" axis="ch" ptType="parTrans" st="3" cnt="1">
+                <dgm:layoutNode name="Name288">
+                  <dgm:alg type="conn">
+                    <dgm:param type="dim" val="1D"/>
+                    <dgm:param type="begPts" val="auto"/>
+                    <dgm:param type="endPts" val="auto"/>
+                    <dgm:param type="endSty" val="noArr"/>
+                    <dgm:param type="srcNode" val="textCenter"/>
+                    <dgm:param type="dstNode" val="childCenter3"/>
+                  </dgm:alg>
+                  <dgm:shape xmlns:r="http://schemas.openxmlformats.org/officeDocument/2006/relationships" type="conn" r:blip="" zOrderOff="-999">
+                    <dgm:adjLst/>
+                  </dgm:shape>
+                  <dgm:presOf axis="self"/>
+                  <dgm:constrLst>
+                    <dgm:constr type="h"/>
+                    <dgm:constr type="begPad"/>
+                    <dgm:constr type="endPad"/>
+                  </dgm:constrLst>
+                </dgm:layoutNode>
+              </dgm:forEach>
+            </dgm:if>
+            <dgm:else name="Name289"/>
+          </dgm:choose>
+          <dgm:choose name="Name290">
+            <dgm:if name="Name291" axis="ch" ptType="node" func="cnt" op="gte" val="4">
+              <dgm:layoutNode name="cycle_4">
+                <dgm:choose name="Name292">
+                  <dgm:if name="Name293" func="var" arg="dir" op="equ" val="norm">
+                    <dgm:choose name="Name294">
+                      <dgm:if name="Name295" axis="ch" ptType="node" func="cnt" op="equ" val="4">
+                        <dgm:choose name="Name296">
+                          <dgm:if name="Name297" axis="ch ch" ptType="node node" st="4 1" cnt="1 0" func="cnt" op="equ" val="1">
+                            <dgm:alg type="cycle">
+                              <dgm:param type="ctrShpMap" val="fNode"/>
+                              <dgm:param type="stAng" val="270"/>
+                            </dgm:alg>
+                          </dgm:if>
+                          <dgm:if name="Name298" axis="ch ch" ptType="node node" st="4 1" cnt="1 0" func="cnt" op="equ" val="2">
+                            <dgm:alg type="cycle">
+                              <dgm:param type="ctrShpMap" val="fNode"/>
+                              <dgm:param type="stAng" val="225"/>
+                              <dgm:param type="spanAng" val="90"/>
+                            </dgm:alg>
+                          </dgm:if>
+                          <dgm:else name="Name299">
+                            <dgm:alg type="cycle">
+                              <dgm:param type="ctrShpMap" val="fNode"/>
+                              <dgm:param type="stAng" val="202.5"/>
+                              <dgm:param type="spanAng" val="135"/>
+                            </dgm:alg>
+                          </dgm:else>
+                        </dgm:choose>
+                      </dgm:if>
+                      <dgm:if name="Name300" axis="ch" ptType="node" func="cnt" op="equ" val="5">
+                        <dgm:choose name="Name301">
+                          <dgm:if name="Name302" axis="ch ch" ptType="node node" st="4 1" cnt="1 0" func="cnt" op="equ" val="1">
+                            <dgm:alg type="cycle">
+                              <dgm:param type="ctrShpMap" val="fNode"/>
+                              <dgm:param type="stAng" val="216"/>
+                            </dgm:alg>
+                          </dgm:if>
+                          <dgm:if name="Name303" axis="ch ch" ptType="node node" st="4 1" cnt="1 0" func="cnt" op="equ" val="2">
+                            <dgm:alg type="cycle">
+                              <dgm:param type="ctrShpMap" val="fNode"/>
+                              <dgm:param type="stAng" val="171"/>
+                              <dgm:param type="spanAng" val="90"/>
+                            </dgm:alg>
+                          </dgm:if>
+                          <dgm:else name="Name304">
+                            <dgm:alg type="cycle">
+                              <dgm:param type="ctrShpMap" val="fNode"/>
+                              <dgm:param type="stAng" val="0"/>
+                              <dgm:param type="spanAng" val="360"/>
+                            </dgm:alg>
+                          </dgm:else>
+                        </dgm:choose>
+                      </dgm:if>
+                      <dgm:if name="Name305" axis="ch" ptType="node" func="cnt" op="equ" val="6">
+                        <dgm:choose name="Name306">
+                          <dgm:if name="Name307" axis="ch ch" ptType="node node" st="4 1" cnt="1 0" func="cnt" op="equ" val="1">
+                            <dgm:alg type="cycle">
+                              <dgm:param type="ctrShpMap" val="fNode"/>
+                              <dgm:param type="stAng" val="180"/>
+                            </dgm:alg>
+                          </dgm:if>
+                          <dgm:if name="Name308" axis="ch ch" ptType="node node" st="4 1" cnt="1 0" func="cnt" op="equ" val="2">
+                            <dgm:alg type="cycle">
+                              <dgm:param type="ctrShpMap" val="fNode"/>
+                              <dgm:param type="stAng" val="135"/>
+                              <dgm:param type="spanAng" val="90"/>
+                            </dgm:alg>
+                          </dgm:if>
+                          <dgm:else name="Name309">
+                            <dgm:alg type="cycle">
+                              <dgm:param type="ctrShpMap" val="fNode"/>
+                              <dgm:param type="stAng" val="0"/>
+                              <dgm:param type="spanAng" val="360"/>
+                            </dgm:alg>
+                          </dgm:else>
+                        </dgm:choose>
+                      </dgm:if>
+                      <dgm:if name="Name310" axis="ch" ptType="node" func="cnt" op="gte" val="7">
+                        <dgm:choose name="Name311">
+                          <dgm:if name="Name312" axis="ch ch" ptType="node node" st="4 1" cnt="1 0" func="cnt" op="equ" val="1">
+                            <dgm:alg type="cycle">
+                              <dgm:param type="ctrShpMap" val="fNode"/>
+                              <dgm:param type="stAng" val="154"/>
+                            </dgm:alg>
+                          </dgm:if>
+                          <dgm:if name="Name313" axis="ch ch" ptType="node node" st="4 1" cnt="1 0" func="cnt" op="equ" val="2">
+                            <dgm:alg type="cycle">
+                              <dgm:param type="ctrShpMap" val="fNode"/>
+                              <dgm:param type="stAng" val="109"/>
+                              <dgm:param type="spanAng" val="90"/>
+                            </dgm:alg>
+                          </dgm:if>
+                          <dgm:else name="Name314">
+                            <dgm:alg type="cycle">
+                              <dgm:param type="ctrShpMap" val="fNode"/>
+                              <dgm:param type="stAng" val="0"/>
+                              <dgm:param type="spanAng" val="360"/>
+                            </dgm:alg>
+                          </dgm:else>
+                        </dgm:choose>
+                      </dgm:if>
+                      <dgm:else name="Name315"/>
+                    </dgm:choose>
+                  </dgm:if>
+                  <dgm:else name="Name316">
+                    <dgm:choose name="Name317">
+                      <dgm:if name="Name318" axis="ch" ptType="node" func="cnt" op="equ" val="4">
+                        <dgm:choose name="Name319">
+                          <dgm:if name="Name320" axis="ch ch" ptType="node node" st="4 1" cnt="1 0" func="cnt" op="equ" val="1">
+                            <dgm:alg type="cycle">
+                              <dgm:param type="ctrShpMap" val="fNode"/>
+                              <dgm:param type="stAng" val="90"/>
+                            </dgm:alg>
+                          </dgm:if>
+                          <dgm:if name="Name321" axis="ch ch" ptType="node node" st="4 1" cnt="1 0" func="cnt" op="equ" val="2">
+                            <dgm:alg type="cycle">
+                              <dgm:param type="ctrShpMap" val="fNode"/>
+                              <dgm:param type="stAng" val="135"/>
+                              <dgm:param type="spanAng" val="-90"/>
+                            </dgm:alg>
+                          </dgm:if>
+                          <dgm:else name="Name322">
+                            <dgm:alg type="cycle">
+                              <dgm:param type="ctrShpMap" val="fNode"/>
+                              <dgm:param type="stAng" val="157.5"/>
+                              <dgm:param type="spanAng" val="-135"/>
+                            </dgm:alg>
+                          </dgm:else>
+                        </dgm:choose>
+                      </dgm:if>
+                      <dgm:if name="Name323" axis="ch" ptType="node" func="cnt" op="equ" val="5">
+                        <dgm:choose name="Name324">
+                          <dgm:if name="Name325" axis="ch ch" ptType="node node" st="4 1" cnt="1 0" func="cnt" op="equ" val="1">
+                            <dgm:alg type="cycle">
+                              <dgm:param type="ctrShpMap" val="fNode"/>
+                              <dgm:param type="stAng" val="144"/>
+                            </dgm:alg>
+                          </dgm:if>
+                          <dgm:if name="Name326" axis="ch ch" ptType="node node" st="4 1" cnt="1 0" func="cnt" op="equ" val="2">
+                            <dgm:alg type="cycle">
+                              <dgm:param type="ctrShpMap" val="fNode"/>
+                              <dgm:param type="stAng" val="189"/>
+                              <dgm:param type="spanAng" val="-90"/>
+                            </dgm:alg>
+                          </dgm:if>
+                          <dgm:else name="Name327">
+                            <dgm:alg type="cycle">
+                              <dgm:param type="ctrShpMap" val="fNode"/>
+                              <dgm:param type="stAng" val="0"/>
+                              <dgm:param type="spanAng" val="-360"/>
+                            </dgm:alg>
+                          </dgm:else>
+                        </dgm:choose>
+                      </dgm:if>
+                      <dgm:if name="Name328" axis="ch" ptType="node" func="cnt" op="equ" val="6">
+                        <dgm:choose name="Name329">
+                          <dgm:if name="Name330" axis="ch ch" ptType="node node" st="4 1" cnt="1 0" func="cnt" op="equ" val="1">
+                            <dgm:alg type="cycle">
+                              <dgm:param type="ctrShpMap" val="fNode"/>
+                              <dgm:param type="stAng" val="180"/>
+                            </dgm:alg>
+                          </dgm:if>
+                          <dgm:if name="Name331" axis="ch ch" ptType="node node" st="4 1" cnt="1 0" func="cnt" op="equ" val="2">
+                            <dgm:alg type="cycle">
+                              <dgm:param type="ctrShpMap" val="fNode"/>
+                              <dgm:param type="stAng" val="225"/>
+                              <dgm:param type="spanAng" val="-90"/>
+                            </dgm:alg>
+                          </dgm:if>
+                          <dgm:else name="Name332">
+                            <dgm:alg type="cycle">
+                              <dgm:param type="ctrShpMap" val="fNode"/>
+                              <dgm:param type="stAng" val="0"/>
+                              <dgm:param type="spanAng" val="-360"/>
+                            </dgm:alg>
+                          </dgm:else>
+                        </dgm:choose>
+                      </dgm:if>
+                      <dgm:if name="Name333" axis="ch" ptType="node" func="cnt" op="gte" val="7">
+                        <dgm:choose name="Name334">
+                          <dgm:if name="Name335" axis="ch ch" ptType="node node" st="4 1" cnt="1 0" func="cnt" op="equ" val="1">
+                            <dgm:alg type="cycle">
+                              <dgm:param type="ctrShpMap" val="fNode"/>
+                              <dgm:param type="stAng" val="205"/>
+                            </dgm:alg>
+                          </dgm:if>
+                          <dgm:if name="Name336" axis="ch ch" ptType="node node" st="4 1" cnt="1 0" func="cnt" op="equ" val="2">
+                            <dgm:alg type="cycle">
+                              <dgm:param type="ctrShpMap" val="fNode"/>
+                              <dgm:param type="stAng" val="250"/>
+                              <dgm:param type="spanAng" val="-90"/>
+                            </dgm:alg>
+                          </dgm:if>
+                          <dgm:else name="Name337">
+                            <dgm:alg type="cycle">
+                              <dgm:param type="ctrShpMap" val="fNode"/>
+                              <dgm:param type="stAng" val="0"/>
+                              <dgm:param type="spanAng" val="-360"/>
+                            </dgm:alg>
+                          </dgm:else>
+                        </dgm:choose>
+                      </dgm:if>
+                      <dgm:else name="Name338"/>
+                    </dgm:choose>
+                  </dgm:else>
+                </dgm:choose>
+                <dgm:shape xmlns:r="http://schemas.openxmlformats.org/officeDocument/2006/relationships" r:blip="">
+                  <dgm:adjLst/>
+                </dgm:shape>
+                <dgm:presOf/>
+                <dgm:constrLst>
+                  <dgm:constr type="sp" refType="w" fact="0.1"/>
+                  <dgm:constr type="sibSp" refType="w" fact="0.1"/>
+                </dgm:constrLst>
+                <dgm:forEach name="Name339" axis="ch" ptType="node" st="4" cnt="1">
+                  <dgm:layoutNode name="childCenter4" styleLbl="node1">
+                    <dgm:alg type="tx"/>
+                    <dgm:shape xmlns:r="http://schemas.openxmlformats.org/officeDocument/2006/relationships" type="roundRect" r:blip="">
+                      <dgm:adjLst/>
+                    </dgm:shape>
+                    <dgm:presOf axis="self" ptType="node"/>
+                    <dgm:constrLst>
+                      <dgm:constr type="userS"/>
+                      <dgm:constr type="w" refType="userS"/>
+                      <dgm:constr type="h" refType="w"/>
+                      <dgm:constr type="tMarg" refType="primFontSz" fact="0.2"/>
+                      <dgm:constr type="bMarg" refType="primFontSz" fact="0.2"/>
+                      <dgm:constr type="lMarg" refType="primFontSz" fact="0.2"/>
+                      <dgm:constr type="rMarg" refType="primFontSz" fact="0.2"/>
+                    </dgm:constrLst>
+                    <dgm:ruleLst>
+                      <dgm:rule type="primFontSz" val="5" fact="NaN" max="NaN"/>
+                    </dgm:ruleLst>
+                  </dgm:layoutNode>
+                  <dgm:forEach name="Name340" axis="ch">
+                    <dgm:forEach name="Name341" axis="self" ptType="parTrans">
+                      <dgm:layoutNode name="Name342">
+                        <dgm:alg type="conn">
+                          <dgm:param type="dim" val="1D"/>
+                          <dgm:param type="begPts" val="auto"/>
+                          <dgm:param type="endPts" val="auto"/>
+                          <dgm:param type="begSty" val="noArr"/>
+                          <dgm:param type="endSty" val="noArr"/>
+                        </dgm:alg>
+                        <dgm:shape xmlns:r="http://schemas.openxmlformats.org/officeDocument/2006/relationships" type="conn" r:blip="">
+                          <dgm:adjLst/>
+                        </dgm:shape>
+                        <dgm:presOf axis="self"/>
+                        <dgm:constrLst>
+                          <dgm:constr type="begPad"/>
+                          <dgm:constr type="endPad"/>
+                        </dgm:constrLst>
+                      </dgm:layoutNode>
+                    </dgm:forEach>
+                    <dgm:forEach name="Name343" axis="self" ptType="node">
+                      <dgm:layoutNode name="text4" styleLbl="node1">
+                        <dgm:varLst>
+                          <dgm:bulletEnabled val="1"/>
+                        </dgm:varLst>
+                        <dgm:alg type="tx"/>
+                        <dgm:shape xmlns:r="http://schemas.openxmlformats.org/officeDocument/2006/relationships" type="roundRect" r:blip="">
+                          <dgm:adjLst/>
+                        </dgm:shape>
+                        <dgm:presOf axis="desOrSelf" ptType="node"/>
+                        <dgm:constrLst>
+                          <dgm:constr type="userS"/>
+                          <dgm:constr type="w" refType="userS"/>
+                          <dgm:constr type="h" refType="w"/>
+                          <dgm:constr type="tMarg" refType="primFontSz" fact="0.2"/>
+                          <dgm:constr type="bMarg" refType="primFontSz" fact="0.2"/>
+                          <dgm:constr type="lMarg" refType="primFontSz" fact="0.2"/>
+                          <dgm:constr type="rMarg" refType="primFontSz" fact="0.2"/>
+                        </dgm:constrLst>
+                        <dgm:ruleLst>
+                          <dgm:rule type="primFontSz" val="5" fact="NaN" max="NaN"/>
+                        </dgm:ruleLst>
+                      </dgm:layoutNode>
+                    </dgm:forEach>
+                  </dgm:forEach>
+                </dgm:forEach>
+              </dgm:layoutNode>
+              <dgm:forEach name="Name344" axis="ch" ptType="parTrans" st="4" cnt="1">
+                <dgm:layoutNode name="Name345">
+                  <dgm:alg type="conn">
+                    <dgm:param type="dim" val="1D"/>
+                    <dgm:param type="begPts" val="auto"/>
+                    <dgm:param type="endPts" val="auto"/>
+                    <dgm:param type="endSty" val="noArr"/>
+                    <dgm:param type="srcNode" val="textCenter"/>
+                    <dgm:param type="dstNode" val="childCenter4"/>
+                  </dgm:alg>
+                  <dgm:shape xmlns:r="http://schemas.openxmlformats.org/officeDocument/2006/relationships" type="conn" r:blip="" zOrderOff="-999">
+                    <dgm:adjLst/>
+                  </dgm:shape>
+                  <dgm:presOf axis="self"/>
+                  <dgm:constrLst>
+                    <dgm:constr type="h"/>
+                    <dgm:constr type="begPad"/>
+                    <dgm:constr type="endPad"/>
+                  </dgm:constrLst>
+                </dgm:layoutNode>
+              </dgm:forEach>
+            </dgm:if>
+            <dgm:else name="Name346"/>
+          </dgm:choose>
+          <dgm:choose name="Name347">
+            <dgm:if name="Name348" axis="ch" ptType="node" func="cnt" op="gte" val="5">
+              <dgm:layoutNode name="cycle_5">
+                <dgm:choose name="Name349">
+                  <dgm:if name="Name350" func="var" arg="dir" op="equ" val="norm">
+                    <dgm:choose name="Name351">
+                      <dgm:if name="Name352" axis="ch" ptType="node" func="cnt" op="equ" val="5">
+                        <dgm:choose name="Name353">
+                          <dgm:if name="Name354" axis="ch ch" ptType="node node" st="5 1" cnt="1 0" func="cnt" op="equ" val="1">
+                            <dgm:alg type="cycle">
+                              <dgm:param type="ctrShpMap" val="fNode"/>
+                              <dgm:param type="stAng" val="288"/>
+                            </dgm:alg>
+                          </dgm:if>
+                          <dgm:if name="Name355" axis="ch ch" ptType="node node" st="5 1" cnt="1 0" func="cnt" op="equ" val="2">
+                            <dgm:alg type="cycle">
+                              <dgm:param type="ctrShpMap" val="fNode"/>
+                              <dgm:param type="stAng" val="243"/>
+                              <dgm:param type="spanAng" val="90"/>
+                            </dgm:alg>
+                          </dgm:if>
+                          <dgm:else name="Name356">
+                            <dgm:alg type="cycle">
+                              <dgm:param type="ctrShpMap" val="fNode"/>
+                              <dgm:param type="stAng" val="0"/>
+                              <dgm:param type="spanAng" val="360"/>
+                            </dgm:alg>
+                          </dgm:else>
+                        </dgm:choose>
+                      </dgm:if>
+                      <dgm:if name="Name357" axis="ch" ptType="node" func="cnt" op="equ" val="6">
+                        <dgm:choose name="Name358">
+                          <dgm:if name="Name359" axis="ch ch" ptType="node node" st="5 1" cnt="1 0" func="cnt" op="equ" val="1">
+                            <dgm:alg type="cycle">
+                              <dgm:param type="ctrShpMap" val="fNode"/>
+                              <dgm:param type="stAng" val="240"/>
+                            </dgm:alg>
+                          </dgm:if>
+                          <dgm:if name="Name360" axis="ch ch" ptType="node node" st="5 1" cnt="1 0" func="cnt" op="equ" val="2">
+                            <dgm:alg type="cycle">
+                              <dgm:param type="ctrShpMap" val="fNode"/>
+                              <dgm:param type="stAng" val="195"/>
+                              <dgm:param type="spanAng" val="90"/>
+                            </dgm:alg>
+                          </dgm:if>
+                          <dgm:else name="Name361">
+                            <dgm:alg type="cycle">
+                              <dgm:param type="ctrShpMap" val="fNode"/>
+                              <dgm:param type="stAng" val="0"/>
+                              <dgm:param type="spanAng" val="360"/>
+                            </dgm:alg>
+                          </dgm:else>
+                        </dgm:choose>
+                      </dgm:if>
+                      <dgm:if name="Name362" axis="ch" ptType="node" func="cnt" op="gte" val="7">
+                        <dgm:choose name="Name363">
+                          <dgm:if name="Name364" axis="ch ch" ptType="node node" st="5 1" cnt="1 0" func="cnt" op="equ" val="1">
+                            <dgm:alg type="cycle">
+                              <dgm:param type="ctrShpMap" val="fNode"/>
+                              <dgm:param type="stAng" val="205"/>
+                            </dgm:alg>
+                          </dgm:if>
+                          <dgm:if name="Name365" axis="ch ch" ptType="node node" st="5 1" cnt="1 0" func="cnt" op="equ" val="2">
+                            <dgm:alg type="cycle">
+                              <dgm:param type="ctrShpMap" val="fNode"/>
+                              <dgm:param type="stAng" val="160"/>
+                              <dgm:param type="spanAng" val="90"/>
+                            </dgm:alg>
+                          </dgm:if>
+                          <dgm:else name="Name366">
+                            <dgm:alg type="cycle">
+                              <dgm:param type="ctrShpMap" val="fNode"/>
+                              <dgm:param type="stAng" val="0"/>
+                              <dgm:param type="spanAng" val="360"/>
+                            </dgm:alg>
+                          </dgm:else>
+                        </dgm:choose>
+                      </dgm:if>
+                      <dgm:else name="Name367"/>
+                    </dgm:choose>
+                  </dgm:if>
+                  <dgm:else name="Name368">
+                    <dgm:choose name="Name369">
+                      <dgm:if name="Name370" axis="ch" ptType="node" func="cnt" op="equ" val="5">
+                        <dgm:choose name="Name371">
+                          <dgm:if name="Name372" axis="ch ch" ptType="node node" st="5 1" cnt="1 0" func="cnt" op="equ" val="1">
+                            <dgm:alg type="cycle">
+                              <dgm:param type="ctrShpMap" val="fNode"/>
+                              <dgm:param type="stAng" val="72"/>
+                            </dgm:alg>
+                          </dgm:if>
+                          <dgm:if name="Name373" axis="ch ch" ptType="node node" st="5 1" cnt="1 0" func="cnt" op="equ" val="2">
+                            <dgm:alg type="cycle">
+                              <dgm:param type="ctrShpMap" val="fNode"/>
+                              <dgm:param type="stAng" val="117"/>
+                              <dgm:param type="spanAng" val="-90"/>
+                            </dgm:alg>
+                          </dgm:if>
+                          <dgm:else name="Name374">
+                            <dgm:alg type="cycle">
+                              <dgm:param type="ctrShpMap" val="fNode"/>
+                              <dgm:param type="stAng" val="0"/>
+                              <dgm:param type="spanAng" val="-360"/>
+                            </dgm:alg>
+                          </dgm:else>
+                        </dgm:choose>
+                      </dgm:if>
+                      <dgm:if name="Name375" axis="ch" ptType="node" func="cnt" op="equ" val="6">
+                        <dgm:choose name="Name376">
+                          <dgm:if name="Name377" axis="ch ch" ptType="node node" st="5 1" cnt="1 0" func="cnt" op="equ" val="1">
+                            <dgm:alg type="cycle">
+                              <dgm:param type="ctrShpMap" val="fNode"/>
+                              <dgm:param type="stAng" val="120"/>
+                            </dgm:alg>
+                          </dgm:if>
+                          <dgm:if name="Name378" axis="ch ch" ptType="node node" st="5 1" cnt="1 0" func="cnt" op="equ" val="2">
+                            <dgm:alg type="cycle">
+                              <dgm:param type="ctrShpMap" val="fNode"/>
+                              <dgm:param type="stAng" val="165"/>
+                              <dgm:param type="spanAng" val="-90"/>
+                            </dgm:alg>
+                          </dgm:if>
+                          <dgm:else name="Name379">
+                            <dgm:alg type="cycle">
+                              <dgm:param type="ctrShpMap" val="fNode"/>
+                              <dgm:param type="stAng" val="0"/>
+                              <dgm:param type="spanAng" val="-360"/>
+                            </dgm:alg>
+                          </dgm:else>
+                        </dgm:choose>
+                      </dgm:if>
+                      <dgm:if name="Name380" axis="ch" ptType="node" func="cnt" op="gte" val="7">
+                        <dgm:choose name="Name381">
+                          <dgm:if name="Name382" axis="ch ch" ptType="node node" st="5 1" cnt="1 0" func="cnt" op="equ" val="1">
+                            <dgm:alg type="cycle">
+                              <dgm:param type="ctrShpMap" val="fNode"/>
+                              <dgm:param type="stAng" val="154"/>
+                            </dgm:alg>
+                          </dgm:if>
+                          <dgm:if name="Name383" axis="ch ch" ptType="node node" st="5 1" cnt="1 0" func="cnt" op="equ" val="2">
+                            <dgm:alg type="cycle">
+                              <dgm:param type="ctrShpMap" val="fNode"/>
+                              <dgm:param type="stAng" val="199"/>
+                              <dgm:param type="spanAng" val="-90"/>
+                            </dgm:alg>
+                          </dgm:if>
+                          <dgm:else name="Name384">
+                            <dgm:alg type="cycle">
+                              <dgm:param type="ctrShpMap" val="fNode"/>
+                              <dgm:param type="stAng" val="0"/>
+                              <dgm:param type="spanAng" val="-360"/>
+                            </dgm:alg>
+                          </dgm:else>
+                        </dgm:choose>
+                      </dgm:if>
+                      <dgm:else name="Name385"/>
+                    </dgm:choose>
+                  </dgm:else>
+                </dgm:choose>
+                <dgm:shape xmlns:r="http://schemas.openxmlformats.org/officeDocument/2006/relationships" r:blip="">
+                  <dgm:adjLst/>
+                </dgm:shape>
+                <dgm:presOf/>
+                <dgm:constrLst>
+                  <dgm:constr type="sp" refType="w" fact="0.1"/>
+                  <dgm:constr type="sibSp" refType="w" fact="0.1"/>
+                </dgm:constrLst>
+                <dgm:forEach name="Name386" axis="ch" ptType="node" st="5" cnt="1">
+                  <dgm:layoutNode name="childCenter5" styleLbl="node1">
+                    <dgm:alg type="tx"/>
+                    <dgm:shape xmlns:r="http://schemas.openxmlformats.org/officeDocument/2006/relationships" type="roundRect" r:blip="">
+                      <dgm:adjLst/>
+                    </dgm:shape>
+                    <dgm:presOf axis="self" ptType="node"/>
+                    <dgm:constrLst>
+                      <dgm:constr type="userS"/>
+                      <dgm:constr type="w" refType="userS"/>
+                      <dgm:constr type="h" refType="w"/>
+                      <dgm:constr type="tMarg" refType="primFontSz" fact="0.2"/>
+                      <dgm:constr type="bMarg" refType="primFontSz" fact="0.2"/>
+                      <dgm:constr type="lMarg" refType="primFontSz" fact="0.2"/>
+                      <dgm:constr type="rMarg" refType="primFontSz" fact="0.2"/>
+                    </dgm:constrLst>
+                    <dgm:ruleLst>
+                      <dgm:rule type="primFontSz" val="5" fact="NaN" max="NaN"/>
+                    </dgm:ruleLst>
+                  </dgm:layoutNode>
+                  <dgm:forEach name="Name387" axis="ch">
+                    <dgm:forEach name="Name388" axis="self" ptType="parTrans">
+                      <dgm:layoutNode name="Name389">
+                        <dgm:alg type="conn">
+                          <dgm:param type="dim" val="1D"/>
+                          <dgm:param type="begPts" val="auto"/>
+                          <dgm:param type="endPts" val="auto"/>
+                          <dgm:param type="begSty" val="noArr"/>
+                          <dgm:param type="endSty" val="noArr"/>
+                        </dgm:alg>
+                        <dgm:shape xmlns:r="http://schemas.openxmlformats.org/officeDocument/2006/relationships" type="conn" r:blip="">
+                          <dgm:adjLst/>
+                        </dgm:shape>
+                        <dgm:presOf axis="self"/>
+                        <dgm:constrLst>
+                          <dgm:constr type="begPad"/>
+                          <dgm:constr type="endPad"/>
+                        </dgm:constrLst>
+                      </dgm:layoutNode>
+                    </dgm:forEach>
+                    <dgm:forEach name="Name390" axis="self" ptType="node">
+                      <dgm:layoutNode name="text5" styleLbl="node1">
+                        <dgm:varLst>
+                          <dgm:bulletEnabled val="1"/>
+                        </dgm:varLst>
+                        <dgm:alg type="tx"/>
+                        <dgm:shape xmlns:r="http://schemas.openxmlformats.org/officeDocument/2006/relationships" type="roundRect" r:blip="">
+                          <dgm:adjLst/>
+                        </dgm:shape>
+                        <dgm:presOf axis="desOrSelf" ptType="node"/>
+                        <dgm:constrLst>
+                          <dgm:constr type="userS"/>
+                          <dgm:constr type="w" refType="userS"/>
+                          <dgm:constr type="h" refType="w"/>
+                          <dgm:constr type="tMarg" refType="primFontSz" fact="0.2"/>
+                          <dgm:constr type="bMarg" refType="primFontSz" fact="0.2"/>
+                          <dgm:constr type="lMarg" refType="primFontSz" fact="0.2"/>
+                          <dgm:constr type="rMarg" refType="primFontSz" fact="0.2"/>
+                        </dgm:constrLst>
+                        <dgm:ruleLst>
+                          <dgm:rule type="primFontSz" val="5" fact="NaN" max="NaN"/>
+                        </dgm:ruleLst>
+                      </dgm:layoutNode>
+                    </dgm:forEach>
+                  </dgm:forEach>
+                </dgm:forEach>
+              </dgm:layoutNode>
+              <dgm:forEach name="Name391" axis="ch" ptType="parTrans" st="5" cnt="1">
+                <dgm:layoutNode name="Name392">
+                  <dgm:alg type="conn">
+                    <dgm:param type="dim" val="1D"/>
+                    <dgm:param type="begPts" val="auto"/>
+                    <dgm:param type="endPts" val="auto"/>
+                    <dgm:param type="endSty" val="noArr"/>
+                    <dgm:param type="srcNode" val="textCenter"/>
+                    <dgm:param type="dstNode" val="childCenter5"/>
+                  </dgm:alg>
+                  <dgm:shape xmlns:r="http://schemas.openxmlformats.org/officeDocument/2006/relationships" type="conn" r:blip="" zOrderOff="-999">
+                    <dgm:adjLst/>
+                  </dgm:shape>
+                  <dgm:presOf axis="self"/>
+                  <dgm:constrLst>
+                    <dgm:constr type="h"/>
+                    <dgm:constr type="begPad"/>
+                    <dgm:constr type="endPad"/>
+                  </dgm:constrLst>
+                </dgm:layoutNode>
+              </dgm:forEach>
+            </dgm:if>
+            <dgm:else name="Name393"/>
+          </dgm:choose>
+          <dgm:choose name="Name394">
+            <dgm:if name="Name395" axis="ch" ptType="node" func="cnt" op="gte" val="6">
+              <dgm:layoutNode name="cycle_6">
+                <dgm:choose name="Name396">
+                  <dgm:if name="Name397" func="var" arg="dir" op="equ" val="norm">
+                    <dgm:choose name="Name398">
+                      <dgm:if name="Name399" axis="ch" ptType="node" func="cnt" op="equ" val="6">
+                        <dgm:choose name="Name400">
+                          <dgm:if name="Name401" axis="ch ch" ptType="node node" st="6 1" cnt="1 0" func="cnt" op="equ" val="1">
+                            <dgm:alg type="cycle">
+                              <dgm:param type="ctrShpMap" val="fNode"/>
+                              <dgm:param type="stAng" val="300"/>
+                            </dgm:alg>
+                          </dgm:if>
+                          <dgm:if name="Name402" axis="ch ch" ptType="node node" st="6 1" cnt="1 0" func="cnt" op="equ" val="2">
+                            <dgm:alg type="cycle">
+                              <dgm:param type="ctrShpMap" val="fNode"/>
+                              <dgm:param type="stAng" val="255"/>
+                              <dgm:param type="spanAng" val="90"/>
+                            </dgm:alg>
+                          </dgm:if>
+                          <dgm:else name="Name403">
+                            <dgm:alg type="cycle">
+                              <dgm:param type="ctrShpMap" val="fNode"/>
+                              <dgm:param type="stAng" val="0"/>
+                              <dgm:param type="spanAng" val="360"/>
+                            </dgm:alg>
+                          </dgm:else>
+                        </dgm:choose>
+                      </dgm:if>
+                      <dgm:if name="Name404" axis="ch" ptType="node" func="cnt" op="gte" val="7">
+                        <dgm:choose name="Name405">
+                          <dgm:if name="Name406" axis="ch ch" ptType="node node" st="6 1" cnt="1 0" func="cnt" op="equ" val="1">
+                            <dgm:alg type="cycle">
+                              <dgm:param type="ctrShpMap" val="fNode"/>
+                              <dgm:param type="stAng" val="257"/>
+                            </dgm:alg>
+                          </dgm:if>
+                          <dgm:if name="Name407" axis="ch ch" ptType="node node" st="6 1" cnt="1 0" func="cnt" op="equ" val="2">
+                            <dgm:alg type="cycle">
+                              <dgm:param type="ctrShpMap" val="fNode"/>
+                              <dgm:param type="stAng" val="212"/>
+                              <dgm:param type="spanAng" val="90"/>
+                            </dgm:alg>
+                          </dgm:if>
+                          <dgm:else name="Name408">
+                            <dgm:alg type="cycle">
+                              <dgm:param type="ctrShpMap" val="fNode"/>
+                              <dgm:param type="stAng" val="0"/>
+                              <dgm:param type="spanAng" val="360"/>
+                            </dgm:alg>
+                          </dgm:else>
+                        </dgm:choose>
+                      </dgm:if>
+                      <dgm:else name="Name409"/>
+                    </dgm:choose>
+                  </dgm:if>
+                  <dgm:else name="Name410">
+                    <dgm:choose name="Name411">
+                      <dgm:if name="Name412" axis="ch" ptType="node" func="cnt" op="equ" val="6">
+                        <dgm:choose name="Name413">
+                          <dgm:if name="Name414" axis="ch ch" ptType="node node" st="6 1" cnt="1 0" func="cnt" op="equ" val="1">
+                            <dgm:alg type="cycle">
+                              <dgm:param type="ctrShpMap" val="fNode"/>
+                              <dgm:param type="stAng" val="60"/>
+                            </dgm:alg>
+                          </dgm:if>
+                          <dgm:if name="Name415" axis="ch ch" ptType="node node" st="6 1" cnt="1 0" func="cnt" op="equ" val="2">
+                            <dgm:alg type="cycle">
+                              <dgm:param type="ctrShpMap" val="fNode"/>
+                              <dgm:param type="stAng" val="105"/>
+                              <dgm:param type="spanAng" val="-90"/>
+                            </dgm:alg>
+                          </dgm:if>
+                          <dgm:else name="Name416">
+                            <dgm:alg type="cycle">
+                              <dgm:param type="ctrShpMap" val="fNode"/>
+                              <dgm:param type="stAng" val="0"/>
+                              <dgm:param type="spanAng" val="-360"/>
+                            </dgm:alg>
+                          </dgm:else>
+                        </dgm:choose>
+                      </dgm:if>
+                      <dgm:if name="Name417" axis="ch" ptType="node" func="cnt" op="gte" val="7">
+                        <dgm:choose name="Name418">
+                          <dgm:if name="Name419" axis="ch ch" ptType="node node" st="6 1" cnt="1 0" func="cnt" op="equ" val="1">
+                            <dgm:alg type="cycle">
+                              <dgm:param type="ctrShpMap" val="fNode"/>
+                              <dgm:param type="stAng" val="102"/>
+                            </dgm:alg>
+                          </dgm:if>
+                          <dgm:if name="Name420" axis="ch ch" ptType="node node" st="6 1" cnt="1 0" func="cnt" op="equ" val="2">
+                            <dgm:alg type="cycle">
+                              <dgm:param type="ctrShpMap" val="fNode"/>
+                              <dgm:param type="stAng" val="147"/>
+                              <dgm:param type="spanAng" val="-90"/>
+                            </dgm:alg>
+                          </dgm:if>
+                          <dgm:else name="Name421">
+                            <dgm:alg type="cycle">
+                              <dgm:param type="ctrShpMap" val="fNode"/>
+                              <dgm:param type="stAng" val="0"/>
+                              <dgm:param type="spanAng" val="-360"/>
+                            </dgm:alg>
+                          </dgm:else>
+                        </dgm:choose>
+                      </dgm:if>
+                      <dgm:else name="Name422"/>
+                    </dgm:choose>
+                  </dgm:else>
+                </dgm:choose>
+                <dgm:shape xmlns:r="http://schemas.openxmlformats.org/officeDocument/2006/relationships" r:blip="">
+                  <dgm:adjLst/>
+                </dgm:shape>
+                <dgm:presOf/>
+                <dgm:constrLst>
+                  <dgm:constr type="sp" refType="w" fact="0.1"/>
+                  <dgm:constr type="sibSp" refType="w" fact="0.1"/>
+                </dgm:constrLst>
+                <dgm:forEach name="Name423" axis="ch" ptType="node" st="6" cnt="1">
+                  <dgm:layoutNode name="childCenter6" styleLbl="node1">
+                    <dgm:alg type="tx"/>
+                    <dgm:shape xmlns:r="http://schemas.openxmlformats.org/officeDocument/2006/relationships" type="roundRect" r:blip="">
+                      <dgm:adjLst/>
+                    </dgm:shape>
+                    <dgm:presOf axis="self" ptType="node"/>
+                    <dgm:constrLst>
+                      <dgm:constr type="userS"/>
+                      <dgm:constr type="w" refType="userS"/>
+                      <dgm:constr type="h" refType="w"/>
+                      <dgm:constr type="tMarg" refType="primFontSz" fact="0.2"/>
+                      <dgm:constr type="bMarg" refType="primFontSz" fact="0.2"/>
+                      <dgm:constr type="lMarg" refType="primFontSz" fact="0.2"/>
+                      <dgm:constr type="rMarg" refType="primFontSz" fact="0.2"/>
+                    </dgm:constrLst>
+                    <dgm:ruleLst>
+                      <dgm:rule type="primFontSz" val="5" fact="NaN" max="NaN"/>
+                    </dgm:ruleLst>
+                  </dgm:layoutNode>
+                  <dgm:forEach name="Name424" axis="ch">
+                    <dgm:forEach name="Name425" axis="self" ptType="parTrans">
+                      <dgm:layoutNode name="Name426">
+                        <dgm:alg type="conn">
+                          <dgm:param type="dim" val="1D"/>
+                          <dgm:param type="begPts" val="auto"/>
+                          <dgm:param type="endPts" val="auto"/>
+                          <dgm:param type="begSty" val="noArr"/>
+                          <dgm:param type="endSty" val="noArr"/>
+                        </dgm:alg>
+                        <dgm:shape xmlns:r="http://schemas.openxmlformats.org/officeDocument/2006/relationships" type="conn" r:blip="">
+                          <dgm:adjLst/>
+                        </dgm:shape>
+                        <dgm:presOf axis="self"/>
+                        <dgm:constrLst>
+                          <dgm:constr type="begPad"/>
+                          <dgm:constr type="endPad"/>
+                        </dgm:constrLst>
+                      </dgm:layoutNode>
+                    </dgm:forEach>
+                    <dgm:forEach name="Name427" axis="self" ptType="node">
+                      <dgm:layoutNode name="text6" styleLbl="node1">
+                        <dgm:varLst>
+                          <dgm:bulletEnabled val="1"/>
+                        </dgm:varLst>
+                        <dgm:alg type="tx"/>
+                        <dgm:shape xmlns:r="http://schemas.openxmlformats.org/officeDocument/2006/relationships" type="roundRect" r:blip="">
+                          <dgm:adjLst/>
+                        </dgm:shape>
+                        <dgm:presOf axis="desOrSelf" ptType="node"/>
+                        <dgm:constrLst>
+                          <dgm:constr type="userS"/>
+                          <dgm:constr type="w" refType="userS"/>
+                          <dgm:constr type="h" refType="w"/>
+                          <dgm:constr type="tMarg" refType="primFontSz" fact="0.2"/>
+                          <dgm:constr type="bMarg" refType="primFontSz" fact="0.2"/>
+                          <dgm:constr type="lMarg" refType="primFontSz" fact="0.2"/>
+                          <dgm:constr type="rMarg" refType="primFontSz" fact="0.2"/>
+                        </dgm:constrLst>
+                        <dgm:ruleLst>
+                          <dgm:rule type="primFontSz" val="5" fact="NaN" max="NaN"/>
+                        </dgm:ruleLst>
+                      </dgm:layoutNode>
+                    </dgm:forEach>
+                  </dgm:forEach>
+                </dgm:forEach>
+              </dgm:layoutNode>
+              <dgm:forEach name="Name428" axis="ch" ptType="parTrans" st="6" cnt="1">
+                <dgm:layoutNode name="Name429">
+                  <dgm:alg type="conn">
+                    <dgm:param type="dim" val="1D"/>
+                    <dgm:param type="begPts" val="auto"/>
+                    <dgm:param type="endPts" val="auto"/>
+                    <dgm:param type="endSty" val="noArr"/>
+                    <dgm:param type="srcNode" val="textCenter"/>
+                    <dgm:param type="dstNode" val="childCenter6"/>
+                  </dgm:alg>
+                  <dgm:shape xmlns:r="http://schemas.openxmlformats.org/officeDocument/2006/relationships" type="conn" r:blip="" zOrderOff="-999">
+                    <dgm:adjLst/>
+                  </dgm:shape>
+                  <dgm:presOf axis="self"/>
+                  <dgm:constrLst>
+                    <dgm:constr type="h"/>
+                    <dgm:constr type="begPad"/>
+                    <dgm:constr type="endPad"/>
+                  </dgm:constrLst>
+                </dgm:layoutNode>
+              </dgm:forEach>
+            </dgm:if>
+            <dgm:else name="Name430"/>
+          </dgm:choose>
+          <dgm:choose name="Name431">
+            <dgm:if name="Name432" axis="ch" ptType="node" func="cnt" op="gte" val="7">
+              <dgm:layoutNode name="cycle_7">
+                <dgm:choose name="Name433">
+                  <dgm:if name="Name434" func="var" arg="dir" op="equ" val="norm">
+                    <dgm:choose name="Name435">
+                      <dgm:if name="Name436" axis="ch" ptType="node" func="cnt" op="gte" val="7">
+                        <dgm:choose name="Name437">
+                          <dgm:if name="Name438" axis="ch ch" ptType="node node" st="7 1" cnt="1 0" func="cnt" op="equ" val="1">
+                            <dgm:alg type="cycle">
+                              <dgm:param type="ctrShpMap" val="fNode"/>
+                              <dgm:param type="stAng" val="308"/>
+                            </dgm:alg>
+                          </dgm:if>
+                          <dgm:if name="Name439" axis="ch ch" ptType="node node" st="7 1" cnt="1 0" func="cnt" op="equ" val="2">
+                            <dgm:alg type="cycle">
+                              <dgm:param type="ctrShpMap" val="fNode"/>
+                              <dgm:param type="stAng" val="263"/>
+                              <dgm:param type="spanAng" val="90"/>
+                            </dgm:alg>
+                          </dgm:if>
+                          <dgm:else name="Name440">
+                            <dgm:alg type="cycle">
+                              <dgm:param type="ctrShpMap" val="fNode"/>
+                              <dgm:param type="stAng" val="0"/>
+                              <dgm:param type="spanAng" val="360"/>
+                            </dgm:alg>
+                          </dgm:else>
+                        </dgm:choose>
+                      </dgm:if>
+                      <dgm:else name="Name441"/>
+                    </dgm:choose>
+                  </dgm:if>
+                  <dgm:else name="Name442">
+                    <dgm:choose name="Name443">
+                      <dgm:if name="Name444" axis="ch" ptType="node" func="cnt" op="gte" val="7">
+                        <dgm:choose name="Name445">
+                          <dgm:if name="Name446" axis="ch ch" ptType="node node" st="7 1" cnt="1 0" func="cnt" op="equ" val="1">
+                            <dgm:alg type="cycle">
+                              <dgm:param type="ctrShpMap" val="fNode"/>
+                              <dgm:param type="stAng" val="51"/>
+                            </dgm:alg>
+                          </dgm:if>
+                          <dgm:if name="Name447" axis="ch ch" ptType="node node" st="7 1" cnt="1 0" func="cnt" op="equ" val="2">
+                            <dgm:alg type="cycle">
+                              <dgm:param type="ctrShpMap" val="fNode"/>
+                              <dgm:param type="stAng" val="96"/>
+                              <dgm:param type="spanAng" val="-90"/>
+                            </dgm:alg>
+                          </dgm:if>
+                          <dgm:else name="Name448">
+                            <dgm:alg type="cycle">
+                              <dgm:param type="ctrShpMap" val="fNode"/>
+                              <dgm:param type="stAng" val="0"/>
+                              <dgm:param type="spanAng" val="-360"/>
+                            </dgm:alg>
+                          </dgm:else>
+                        </dgm:choose>
+                      </dgm:if>
+                      <dgm:else name="Name449"/>
+                    </dgm:choose>
+                  </dgm:else>
+                </dgm:choose>
+                <dgm:shape xmlns:r="http://schemas.openxmlformats.org/officeDocument/2006/relationships" r:blip="">
+                  <dgm:adjLst/>
+                </dgm:shape>
+                <dgm:presOf/>
+                <dgm:constrLst>
+                  <dgm:constr type="sp" refType="w" fact="0.1"/>
+                  <dgm:constr type="sibSp" refType="w" fact="0.1"/>
+                </dgm:constrLst>
+                <dgm:forEach name="Name450" axis="ch" ptType="node" st="7" cnt="1">
+                  <dgm:layoutNode name="childCenter7" styleLbl="node1">
+                    <dgm:alg type="tx"/>
+                    <dgm:shape xmlns:r="http://schemas.openxmlformats.org/officeDocument/2006/relationships" type="roundRect" r:blip="">
+                      <dgm:adjLst/>
+                    </dgm:shape>
+                    <dgm:presOf axis="self" ptType="node"/>
+                    <dgm:constrLst>
+                      <dgm:constr type="userS"/>
+                      <dgm:constr type="w" refType="userS"/>
+                      <dgm:constr type="h" refType="w"/>
+                      <dgm:constr type="tMarg" refType="primFontSz" fact="0.2"/>
+                      <dgm:constr type="bMarg" refType="primFontSz" fact="0.2"/>
+                      <dgm:constr type="lMarg" refType="primFontSz" fact="0.2"/>
+                      <dgm:constr type="rMarg" refType="primFontSz" fact="0.2"/>
+                    </dgm:constrLst>
+                    <dgm:ruleLst>
+                      <dgm:rule type="primFontSz" val="5" fact="NaN" max="NaN"/>
+                    </dgm:ruleLst>
+                  </dgm:layoutNode>
+                  <dgm:forEach name="Name451" axis="ch">
+                    <dgm:forEach name="Name452" axis="self" ptType="parTrans">
+                      <dgm:layoutNode name="Name453">
+                        <dgm:alg type="conn">
+                          <dgm:param type="dim" val="1D"/>
+                          <dgm:param type="begPts" val="auto"/>
+                          <dgm:param type="endPts" val="auto"/>
+                          <dgm:param type="begSty" val="noArr"/>
+                          <dgm:param type="endSty" val="noArr"/>
+                        </dgm:alg>
+                        <dgm:shape xmlns:r="http://schemas.openxmlformats.org/officeDocument/2006/relationships" type="conn" r:blip="">
+                          <dgm:adjLst/>
+                        </dgm:shape>
+                        <dgm:presOf axis="self"/>
+                        <dgm:constrLst>
+                          <dgm:constr type="begPad"/>
+                          <dgm:constr type="endPad"/>
+                        </dgm:constrLst>
+                      </dgm:layoutNode>
+                    </dgm:forEach>
+                    <dgm:forEach name="Name454" axis="self" ptType="node">
+                      <dgm:layoutNode name="text7" styleLbl="node1">
+                        <dgm:varLst>
+                          <dgm:bulletEnabled val="1"/>
+                        </dgm:varLst>
+                        <dgm:alg type="tx"/>
+                        <dgm:shape xmlns:r="http://schemas.openxmlformats.org/officeDocument/2006/relationships" type="roundRect" r:blip="">
+                          <dgm:adjLst/>
+                        </dgm:shape>
+                        <dgm:presOf axis="desOrSelf" ptType="node"/>
+                        <dgm:constrLst>
+                          <dgm:constr type="userS"/>
+                          <dgm:constr type="w" refType="userS"/>
+                          <dgm:constr type="h" refType="w"/>
+                          <dgm:constr type="tMarg" refType="primFontSz" fact="0.2"/>
+                          <dgm:constr type="bMarg" refType="primFontSz" fact="0.2"/>
+                          <dgm:constr type="lMarg" refType="primFontSz" fact="0.2"/>
+                          <dgm:constr type="rMarg" refType="primFontSz" fact="0.2"/>
+                        </dgm:constrLst>
+                        <dgm:ruleLst>
+                          <dgm:rule type="primFontSz" val="5" fact="NaN" max="NaN"/>
+                        </dgm:ruleLst>
+                      </dgm:layoutNode>
+                    </dgm:forEach>
+                  </dgm:forEach>
+                </dgm:forEach>
+              </dgm:layoutNode>
+              <dgm:forEach name="Name455" axis="ch" ptType="parTrans" st="7" cnt="1">
+                <dgm:layoutNode name="Name456">
+                  <dgm:alg type="conn">
+                    <dgm:param type="dim" val="1D"/>
+                    <dgm:param type="begPts" val="auto"/>
+                    <dgm:param type="endPts" val="auto"/>
+                    <dgm:param type="endSty" val="noArr"/>
+                    <dgm:param type="srcNode" val="textCenter"/>
+                    <dgm:param type="dstNode" val="childCenter7"/>
+                  </dgm:alg>
+                  <dgm:shape xmlns:r="http://schemas.openxmlformats.org/officeDocument/2006/relationships" type="conn" r:blip="" zOrderOff="-999">
+                    <dgm:adjLst/>
+                  </dgm:shape>
+                  <dgm:presOf axis="self"/>
+                  <dgm:constrLst>
+                    <dgm:constr type="h"/>
+                    <dgm:constr type="begPad"/>
+                    <dgm:constr type="endPad"/>
+                  </dgm:constrLst>
+                </dgm:layoutNode>
+              </dgm:forEach>
+            </dgm:if>
+            <dgm:else name="Name457"/>
+          </dgm:choose>
+        </dgm:else>
+      </dgm:choose>
+    </dgm:forEach>
+  </dgm:layoutNode>
+</dgm:layoutDef>
+</file>
+
+<file path=ppt/diagrams/quickStyle1.xml><?xml version="1.0" encoding="utf-8"?>
+<dgm:styleDef xmlns:dgm="http://schemas.openxmlformats.org/drawingml/2006/diagram" xmlns:a="http://schemas.openxmlformats.org/drawingml/2006/main" uniqueId="urn:microsoft.com/office/officeart/2005/8/quickstyle/simple1">
+  <dgm:title val=""/>
+  <dgm:desc val=""/>
+  <dgm:catLst>
+    <dgm:cat type="simple" pri="10100"/>
+  </dgm:catLst>
+  <dgm:scene3d>
+    <a:camera prst="orthographicFront"/>
+    <a:lightRig rig="threePt" dir="t"/>
+  </dgm:scene3d>
+  <dgm:styleLbl name="node0">
+    <dgm:scene3d>
+      <a:camera prst="orthographicFront"/>
+      <a:lightRig rig="threePt" dir="t"/>
+    </dgm:scene3d>
+    <dgm:sp3d/>
+    <dgm:txPr/>
+    <dgm:style>
+      <a:lnRef idx="2">
+        <a:scrgbClr r="0" g="0" b="0"/>
+      </a:lnRef>
+      <a:fillRef idx="1">
+        <a:scrgbClr r="0" g="0" b="0"/>
+      </a:fillRef>
+      <a:effectRef idx="0">
+        <a:scrgbClr r="0" g="0" b="0"/>
+      </a:effectRef>
+      <a:fontRef idx="minor">
+        <a:schemeClr val="lt1"/>
+      </a:fontRef>
+    </dgm:style>
+  </dgm:styleLbl>
+  <dgm:styleLbl name="lnNode1">
+    <dgm:scene3d>
+      <a:camera prst="orthographicFront"/>
+      <a:lightRig rig="threePt" dir="t"/>
+    </dgm:scene3d>
+    <dgm:sp3d/>
+    <dgm:txPr/>
+    <dgm:style>
+      <a:lnRef idx="2">
+        <a:scrgbClr r="0" g="0" b="0"/>
+      </a:lnRef>
+      <a:fillRef idx="1">
+        <a:scrgbClr r="0" g="0" b="0"/>
+      </a:fillRef>
+      <a:effectRef idx="0">
+        <a:scrgbClr r="0" g="0" b="0"/>
+      </a:effectRef>
+      <a:fontRef idx="minor">
+        <a:schemeClr val="lt1"/>
+      </a:fontRef>
+    </dgm:style>
+  </dgm:styleLbl>
+  <dgm:styleLbl name="vennNode1">
+    <dgm:scene3d>
+      <a:camera prst="orthographicFront"/>
+      <a:lightRig rig="threePt" dir="t"/>
+    </dgm:scene3d>
+    <dgm:sp3d/>
+    <dgm:txPr/>
+    <dgm:style>
+      <a:lnRef idx="2">
+        <a:scrgbClr r="0" g="0" b="0"/>
+      </a:lnRef>
+      <a:fillRef idx="1">
+        <a:scrgbClr r="0" g="0" b="0"/>
+      </a:fillRef>
+      <a:effectRef idx="0">
+        <a:scrgbClr r="0" g="0" b="0"/>
+      </a:effectRef>
+      <a:fontRef idx="minor">
+        <a:schemeClr val="tx1"/>
+      </a:fontRef>
+    </dgm:style>
+  </dgm:styleLbl>
+  <dgm:styleLbl name="alignNode1">
+    <dgm:scene3d>
+      <a:camera prst="orthographicFront"/>
+      <a:lightRig rig="threePt" dir="t"/>
+    </dgm:scene3d>
+    <dgm:sp3d/>
+    <dgm:txPr/>
+    <dgm:style>
+      <a:lnRef idx="2">
+        <a:scrgbClr r="0" g="0" b="0"/>
+      </a:lnRef>
+      <a:fillRef idx="1">
+        <a:scrgbClr r="0" g="0" b="0"/>
+      </a:fillRef>
+      <a:effectRef idx="0">
+        <a:scrgbClr r="0" g="0" b="0"/>
+      </a:effectRef>
+      <a:fontRef idx="minor">
+        <a:schemeClr val="lt1"/>
+      </a:fontRef>
+    </dgm:style>
+  </dgm:styleLbl>
+  <dgm:styleLbl name="node1">
+    <dgm:scene3d>
+      <a:camera prst="orthographicFront"/>
+      <a:lightRig rig="threePt" dir="t"/>
+    </dgm:scene3d>
+    <dgm:sp3d/>
+    <dgm:txPr/>
+    <dgm:style>
+      <a:lnRef idx="2">
+        <a:scrgbClr r="0" g="0" b="0"/>
+      </a:lnRef>
+      <a:fillRef idx="1">
+        <a:scrgbClr r="0" g="0" b="0"/>
+      </a:fillRef>
+      <a:effectRef idx="0">
+        <a:scrgbClr r="0" g="0" b="0"/>
+      </a:effectRef>
+      <a:fontRef idx="minor">
+        <a:schemeClr val="lt1"/>
+      </a:fontRef>
+    </dgm:style>
+  </dgm:styleLbl>
+  <dgm:styleLbl name="node2">
+    <dgm:scene3d>
+      <a:camera prst="orthographicFront"/>
+      <a:lightRig rig="threePt" dir="t"/>
+    </dgm:scene3d>
+    <dgm:sp3d/>
+    <dgm:txPr/>
+    <dgm:style>
+      <a:lnRef idx="2">
+        <a:scrgbClr r="0" g="0" b="0"/>
+      </a:lnRef>
+      <a:fillRef idx="1">
+        <a:scrgbClr r="0" g="0" b="0"/>
+      </a:fillRef>
+      <a:effectRef idx="0">
+        <a:scrgbClr r="0" g="0" b="0"/>
+      </a:effectRef>
+      <a:fontRef idx="minor">
+        <a:schemeClr val="lt1"/>
+      </a:fontRef>
+    </dgm:style>
+  </dgm:styleLbl>
+  <dgm:styleLbl name="node3">
+    <dgm:scene3d>
+      <a:camera prst="orthographicFront"/>
+      <a:lightRig rig="threePt" dir="t"/>
+    </dgm:scene3d>
+    <dgm:sp3d/>
+    <dgm:txPr/>
+    <dgm:style>
+      <a:lnRef idx="2">
+        <a:scrgbClr r="0" g="0" b="0"/>
+      </a:lnRef>
+      <a:fillRef idx="1">
+        <a:scrgbClr r="0" g="0" b="0"/>
+      </a:fillRef>
+      <a:effectRef idx="0">
+        <a:scrgbClr r="0" g="0" b="0"/>
+      </a:effectRef>
+      <a:fontRef idx="minor">
+        <a:schemeClr val="lt1"/>
+      </a:fontRef>
+    </dgm:style>
+  </dgm:styleLbl>
+  <dgm:styleLbl name="node4">
+    <dgm:scene3d>
+      <a:camera prst="orthographicFront"/>
+      <a:lightRig rig="threePt" dir="t"/>
+    </dgm:scene3d>
+    <dgm:sp3d/>
+    <dgm:txPr/>
+    <dgm:style>
+      <a:lnRef idx="2">
+        <a:scrgbClr r="0" g="0" b="0"/>
+      </a:lnRef>
+      <a:fillRef idx="1">
+        <a:scrgbClr r="0" g="0" b="0"/>
+      </a:fillRef>
+      <a:effectRef idx="0">
+        <a:scrgbClr r="0" g="0" b="0"/>
+      </a:effectRef>
+      <a:fontRef idx="minor">
+        <a:schemeClr val="lt1"/>
+      </a:fontRef>
+    </dgm:style>
+  </dgm:styleLbl>
+  <dgm:styleLbl name="fgImgPlace1">
+    <dgm:scene3d>
+      <a:camera prst="orthographicFront"/>
+      <a:lightRig rig="threePt" dir="t"/>
+    </dgm:scene3d>
+    <dgm:sp3d/>
+    <dgm:txPr/>
+    <dgm:style>
+      <a:lnRef idx="2">
+        <a:scrgbClr r="0" g="0" b="0"/>
+      </a:lnRef>
+      <a:fillRef idx="1">
+        <a:scrgbClr r="0" g="0" b="0"/>
+      </a:fillRef>
+      <a:effectRef idx="0">
+        <a:scrgbClr r="0" g="0" b="0"/>
+      </a:effectRef>
+      <a:fontRef idx="minor"/>
+    </dgm:style>
+  </dgm:styleLbl>
+  <dgm:styleLbl name="alignImgPlace1">
+    <dgm:scene3d>
+      <a:camera prst="orthographicFront"/>
+      <a:lightRig rig="threePt" dir="t"/>
+    </dgm:scene3d>
+    <dgm:sp3d/>
+    <dgm:txPr/>
+    <dgm:style>
+      <a:lnRef idx="2">
+        <a:scrgbClr r="0" g="0" b="0"/>
+      </a:lnRef>
+      <a:fillRef idx="1">
+        <a:scrgbClr r="0" g="0" b="0"/>
+      </a:fillRef>
+      <a:effectRef idx="0">
+        <a:scrgbClr r="0" g="0" b="0"/>
+      </a:effectRef>
+      <a:fontRef idx="minor"/>
+    </dgm:style>
+  </dgm:styleLbl>
+  <dgm:styleLbl name="bgImgPlace1">
+    <dgm:scene3d>
+      <a:camera prst="orthographicFront"/>
+      <a:lightRig rig="threePt" dir="t"/>
+    </dgm:scene3d>
+    <dgm:sp3d/>
+    <dgm:txPr/>
+    <dgm:style>
+      <a:lnRef idx="2">
+        <a:scrgbClr r="0" g="0" b="0"/>
+      </a:lnRef>
+      <a:fillRef idx="1">
+        <a:scrgbClr r="0" g="0" b="0"/>
+      </a:fillRef>
+      <a:effectRef idx="0">
+        <a:scrgbClr r="0" g="0" b="0"/>
+      </a:effectRef>
+      <a:fontRef idx="minor"/>
+    </dgm:style>
+  </dgm:styleLbl>
+  <dgm:styleLbl name="sibTrans2D1">
+    <dgm:scene3d>
+      <a:camera prst="orthographicFront"/>
+      <a:lightRig rig="threePt" dir="t"/>
+    </dgm:scene3d>
+    <dgm:sp3d/>
+    <dgm:txPr/>
+    <dgm:style>
+      <a:lnRef idx="0">
+        <a:scrgbClr r="0" g="0" b="0"/>
+      </a:lnRef>
+      <a:fillRef idx="1">
+        <a:scrgbClr r="0" g="0" b="0"/>
+      </a:fillRef>
+      <a:effectRef idx="0">
+        <a:scrgbClr r="0" g="0" b="0"/>
+      </a:effectRef>
+      <a:fontRef idx="minor">
+        <a:schemeClr val="lt1"/>
+      </a:fontRef>
+    </dgm:style>
+  </dgm:styleLbl>
+  <dgm:styleLbl name="fgSibTrans2D1">
+    <dgm:scene3d>
+      <a:camera prst="orthographicFront"/>
+      <a:lightRig rig="threePt" dir="t"/>
+    </dgm:scene3d>
+    <dgm:sp3d/>
+    <dgm:txPr/>
+    <dgm:style>
+      <a:lnRef idx="0">
+        <a:scrgbClr r="0" g="0" b="0"/>
+      </a:lnRef>
+      <a:fillRef idx="1">
+        <a:scrgbClr r="0" g="0" b="0"/>
+      </a:fillRef>
+      <a:effectRef idx="0">
+        <a:scrgbClr r="0" g="0" b="0"/>
+      </a:effectRef>
+      <a:fontRef idx="minor">
+        <a:schemeClr val="lt1"/>
+      </a:fontRef>
+    </dgm:style>
+  </dgm:styleLbl>
+  <dgm:styleLbl name="bgSibTrans2D1">
+    <dgm:scene3d>
+      <a:camera prst="orthographicFront"/>
+      <a:lightRig rig="threePt" dir="t"/>
+    </dgm:scene3d>
+    <dgm:sp3d/>
+    <dgm:txPr/>
+    <dgm:style>
+      <a:lnRef idx="0">
+        <a:scrgbClr r="0" g="0" b="0"/>
+      </a:lnRef>
+      <a:fillRef idx="1">
+        <a:scrgbClr r="0" g="0" b="0"/>
+      </a:fillRef>
+      <a:effectRef idx="0">
+        <a:scrgbClr r="0" g="0" b="0"/>
+      </a:effectRef>
+      <a:fontRef idx="minor">
+        <a:schemeClr val="lt1"/>
+      </a:fontRef>
+    </dgm:style>
+  </dgm:styleLbl>
+  <dgm:styleLbl name="sibTrans1D1">
+    <dgm:scene3d>
+      <a:camera prst="orthographicFront"/>
+      <a:lightRig rig="threePt" dir="t"/>
+    </dgm:scene3d>
+    <dgm:sp3d/>
+    <dgm:txPr/>
+    <dgm:style>
+      <a:lnRef idx="1">
+        <a:scrgbClr r="0" g="0" b="0"/>
+      </a:lnRef>
+      <a:fillRef idx="0">
+        <a:scrgbClr r="0" g="0" b="0"/>
+      </a:fillRef>
+      <a:effectRef idx="0">
+        <a:scrgbClr r="0" g="0" b="0"/>
+      </a:effectRef>
+      <a:fontRef idx="minor"/>
+    </dgm:style>
+  </dgm:styleLbl>
+  <dgm:styleLbl name="callout">
+    <dgm:scene3d>
+      <a:camera prst="orthographicFront"/>
+      <a:lightRig rig="threePt" dir="t"/>
+    </dgm:scene3d>
+    <dgm:sp3d/>
+    <dgm:txPr/>
+    <dgm:style>
+      <a:lnRef idx="2">
+        <a:scrgbClr r="0" g="0" b="0"/>
+      </a:lnRef>
+      <a:fillRef idx="1">
+        <a:scrgbClr r="0" g="0" b="0"/>
+      </a:fillRef>
+      <a:effectRef idx="0">
+        <a:scrgbClr r="0" g="0" b="0"/>
+      </a:effectRef>
+      <a:fontRef idx="minor"/>
+    </dgm:style>
+  </dgm:styleLbl>
+  <dgm:styleLbl name="asst0">
+    <dgm:scene3d>
+      <a:camera prst="orthographicFront"/>
+      <a:lightRig rig="threePt" dir="t"/>
+    </dgm:scene3d>
+    <dgm:sp3d/>
+    <dgm:txPr/>
+    <dgm:style>
+      <a:lnRef idx="2">
+        <a:scrgbClr r="0" g="0" b="0"/>
+      </a:lnRef>
+      <a:fillRef idx="1">
+        <a:scrgbClr r="0" g="0" b="0"/>
+      </a:fillRef>
+      <a:effectRef idx="0">
+        <a:scrgbClr r="0" g="0" b="0"/>
+      </a:effectRef>
+      <a:fontRef idx="minor">
+        <a:schemeClr val="lt1"/>
+      </a:fontRef>
+    </dgm:style>
+  </dgm:styleLbl>
+  <dgm:styleLbl name="asst1">
+    <dgm:scene3d>
+      <a:camera prst="orthographicFront"/>
+      <a:lightRig rig="threePt" dir="t"/>
+    </dgm:scene3d>
+    <dgm:sp3d/>
+    <dgm:txPr/>
+    <dgm:style>
+      <a:lnRef idx="2">
+        <a:scrgbClr r="0" g="0" b="0"/>
+      </a:lnRef>
+      <a:fillRef idx="1">
+        <a:scrgbClr r="0" g="0" b="0"/>
+      </a:fillRef>
+      <a:effectRef idx="0">
+        <a:scrgbClr r="0" g="0" b="0"/>
+      </a:effectRef>
+      <a:fontRef idx="minor">
+        <a:schemeClr val="lt1"/>
+      </a:fontRef>
+    </dgm:style>
+  </dgm:styleLbl>
+  <dgm:styleLbl name="asst2">
+    <dgm:scene3d>
+      <a:camera prst="orthographicFront"/>
+      <a:lightRig rig="threePt" dir="t"/>
+    </dgm:scene3d>
+    <dgm:sp3d/>
+    <dgm:txPr/>
+    <dgm:style>
+      <a:lnRef idx="2">
+        <a:scrgbClr r="0" g="0" b="0"/>
+      </a:lnRef>
+      <a:fillRef idx="1">
+        <a:scrgbClr r="0" g="0" b="0"/>
+      </a:fillRef>
+      <a:effectRef idx="0">
+        <a:scrgbClr r="0" g="0" b="0"/>
+      </a:effectRef>
+      <a:fontRef idx="minor">
+        <a:schemeClr val="lt1"/>
+      </a:fontRef>
+    </dgm:style>
+  </dgm:styleLbl>
+  <dgm:styleLbl name="asst3">
+    <dgm:scene3d>
+      <a:camera prst="orthographicFront"/>
+      <a:lightRig rig="threePt" dir="t"/>
+    </dgm:scene3d>
+    <dgm:sp3d/>
+    <dgm:txPr/>
+    <dgm:style>
+      <a:lnRef idx="2">
+        <a:scrgbClr r="0" g="0" b="0"/>
+      </a:lnRef>
+      <a:fillRef idx="1">
+        <a:scrgbClr r="0" g="0" b="0"/>
+      </a:fillRef>
+      <a:effectRef idx="0">
+        <a:scrgbClr r="0" g="0" b="0"/>
+      </a:effectRef>
+      <a:fontRef idx="minor">
+        <a:schemeClr val="lt1"/>
+      </a:fontRef>
+    </dgm:style>
+  </dgm:styleLbl>
+  <dgm:styleLbl name="asst4">
+    <dgm:scene3d>
+      <a:camera prst="orthographicFront"/>
+      <a:lightRig rig="threePt" dir="t"/>
+    </dgm:scene3d>
+    <dgm:sp3d/>
+    <dgm:txPr/>
+    <dgm:style>
+      <a:lnRef idx="2">
+        <a:scrgbClr r="0" g="0" b="0"/>
+      </a:lnRef>
+      <a:fillRef idx="1">
+        <a:scrgbClr r="0" g="0" b="0"/>
+      </a:fillRef>
+      <a:effectRef idx="0">
+        <a:scrgbClr r="0" g="0" b="0"/>
+      </a:effectRef>
+      <a:fontRef idx="minor">
+        <a:schemeClr val="lt1"/>
+      </a:fontRef>
+    </dgm:style>
+  </dgm:styleLbl>
+  <dgm:styleLbl name="parChTrans2D1">
+    <dgm:scene3d>
+      <a:camera prst="orthographicFront"/>
+      <a:lightRig rig="threePt" dir="t"/>
+    </dgm:scene3d>
+    <dgm:sp3d/>
+    <dgm:txPr/>
+    <dgm:style>
+      <a:lnRef idx="2">
+        <a:scrgbClr r="0" g="0" b="0"/>
+      </a:lnRef>
+      <a:fillRef idx="1">
+        <a:scrgbClr r="0" g="0" b="0"/>
+      </a:fillRef>
+      <a:effectRef idx="0">
+        <a:scrgbClr r="0" g="0" b="0"/>
+      </a:effectRef>
+      <a:fontRef idx="minor">
+        <a:schemeClr val="lt1"/>
+      </a:fontRef>
+    </dgm:style>
+  </dgm:styleLbl>
+  <dgm:styleLbl name="parChTrans2D2">
+    <dgm:scene3d>
+      <a:camera prst="orthographicFront"/>
+      <a:lightRig rig="threePt" dir="t"/>
+    </dgm:scene3d>
+    <dgm:sp3d/>
+    <dgm:txPr/>
+    <dgm:style>
+      <a:lnRef idx="2">
+        <a:scrgbClr r="0" g="0" b="0"/>
+      </a:lnRef>
+      <a:fillRef idx="1">
+        <a:scrgbClr r="0" g="0" b="0"/>
+      </a:fillRef>
+      <a:effectRef idx="0">
+        <a:scrgbClr r="0" g="0" b="0"/>
+      </a:effectRef>
+      <a:fontRef idx="minor">
+        <a:schemeClr val="lt1"/>
+      </a:fontRef>
+    </dgm:style>
+  </dgm:styleLbl>
+  <dgm:styleLbl name="parChTrans2D3">
+    <dgm:scene3d>
+      <a:camera prst="orthographicFront"/>
+      <a:lightRig rig="threePt" dir="t"/>
+    </dgm:scene3d>
+    <dgm:sp3d/>
+    <dgm:txPr/>
+    <dgm:style>
+      <a:lnRef idx="2">
+        <a:scrgbClr r="0" g="0" b="0"/>
+      </a:lnRef>
+      <a:fillRef idx="1">
+        <a:scrgbClr r="0" g="0" b="0"/>
+      </a:fillRef>
+      <a:effectRef idx="0">
+        <a:scrgbClr r="0" g="0" b="0"/>
+      </a:effectRef>
+      <a:fontRef idx="minor">
+        <a:schemeClr val="lt1"/>
+      </a:fontRef>
+    </dgm:style>
+  </dgm:styleLbl>
+  <dgm:styleLbl name="parChTrans2D4">
+    <dgm:scene3d>
+      <a:camera prst="orthographicFront"/>
+      <a:lightRig rig="threePt" dir="t"/>
+    </dgm:scene3d>
+    <dgm:sp3d/>
+    <dgm:txPr/>
+    <dgm:style>
+      <a:lnRef idx="2">
+        <a:scrgbClr r="0" g="0" b="0"/>
+      </a:lnRef>
+      <a:fillRef idx="1">
+        <a:scrgbClr r="0" g="0" b="0"/>
+      </a:fillRef>
+      <a:effectRef idx="0">
+        <a:scrgbClr r="0" g="0" b="0"/>
+      </a:effectRef>
+      <a:fontRef idx="minor">
+        <a:schemeClr val="lt1"/>
+      </a:fontRef>
+    </dgm:style>
+  </dgm:styleLbl>
+  <dgm:styleLbl name="parChTrans1D1">
+    <dgm:scene3d>
+      <a:camera prst="orthographicFront"/>
+      <a:lightRig rig="threePt" dir="t"/>
+    </dgm:scene3d>
+    <dgm:sp3d/>
+    <dgm:txPr/>
+    <dgm:style>
+      <a:lnRef idx="2">
+        <a:scrgbClr r="0" g="0" b="0"/>
+      </a:lnRef>
+      <a:fillRef idx="0">
+        <a:scrgbClr r="0" g="0" b="0"/>
+      </a:fillRef>
+      <a:effectRef idx="0">
+        <a:scrgbClr r="0" g="0" b="0"/>
+      </a:effectRef>
+      <a:fontRef idx="minor"/>
+    </dgm:style>
+  </dgm:styleLbl>
+  <dgm:styleLbl name="parChTrans1D2">
+    <dgm:scene3d>
+      <a:camera prst="orthographicFront"/>
+      <a:lightRig rig="threePt" dir="t"/>
+    </dgm:scene3d>
+    <dgm:sp3d/>
+    <dgm:txPr/>
+    <dgm:style>
+      <a:lnRef idx="2">
+        <a:scrgbClr r="0" g="0" b="0"/>
+      </a:lnRef>
+      <a:fillRef idx="0">
+        <a:scrgbClr r="0" g="0" b="0"/>
+      </a:fillRef>
+      <a:effectRef idx="0">
+        <a:scrgbClr r="0" g="0" b="0"/>
+      </a:effectRef>
+      <a:fontRef idx="minor"/>
+    </dgm:style>
+  </dgm:styleLbl>
+  <dgm:styleLbl name="parChTrans1D3">
+    <dgm:scene3d>
+      <a:camera prst="orthographicFront"/>
+      <a:lightRig rig="threePt" dir="t"/>
+    </dgm:scene3d>
+    <dgm:sp3d/>
+    <dgm:txPr/>
+    <dgm:style>
+      <a:lnRef idx="2">
+        <a:scrgbClr r="0" g="0" b="0"/>
+      </a:lnRef>
+      <a:fillRef idx="0">
+        <a:scrgbClr r="0" g="0" b="0"/>
+      </a:fillRef>
+      <a:effectRef idx="0">
+        <a:scrgbClr r="0" g="0" b="0"/>
+      </a:effectRef>
+      <a:fontRef idx="minor"/>
+    </dgm:style>
+  </dgm:styleLbl>
+  <dgm:styleLbl name="parChTrans1D4">
+    <dgm:scene3d>
+      <a:camera prst="orthographicFront"/>
+      <a:lightRig rig="threePt" dir="t"/>
+    </dgm:scene3d>
+    <dgm:sp3d/>
+    <dgm:txPr/>
+    <dgm:style>
+      <a:lnRef idx="2">
+        <a:scrgbClr r="0" g="0" b="0"/>
+      </a:lnRef>
+      <a:fillRef idx="0">
+        <a:scrgbClr r="0" g="0" b="0"/>
+      </a:fillRef>
+      <a:effectRef idx="0">
+        <a:scrgbClr r="0" g="0" b="0"/>
+      </a:effectRef>
+      <a:fontRef idx="minor"/>
+    </dgm:style>
+  </dgm:styleLbl>
+  <dgm:styleLbl name="fgAcc1">
+    <dgm:scene3d>
+      <a:camera prst="orthographicFront"/>
+      <a:lightRig rig="threePt" dir="t"/>
+    </dgm:scene3d>
+    <dgm:sp3d/>
+    <dgm:txPr/>
+    <dgm:style>
+      <a:lnRef idx="2">
+        <a:scrgbClr r="0" g="0" b="0"/>
+      </a:lnRef>
+      <a:fillRef idx="1">
+        <a:scrgbClr r="0" g="0" b="0"/>
+      </a:fillRef>
+      <a:effectRef idx="0">
+        <a:scrgbClr r="0" g="0" b="0"/>
+      </a:effectRef>
+      <a:fontRef idx="minor"/>
+    </dgm:style>
+  </dgm:styleLbl>
+  <dgm:styleLbl name="conFgAcc1">
+    <dgm:scene3d>
+      <a:camera prst="orthographicFront"/>
+      <a:lightRig rig="threePt" dir="t"/>
+    </dgm:scene3d>
+    <dgm:sp3d/>
+    <dgm:txPr/>
+    <dgm:style>
+      <a:lnRef idx="2">
+        <a:scrgbClr r="0" g="0" b="0"/>
+      </a:lnRef>
+      <a:fillRef idx="1">
+        <a:scrgbClr r="0" g="0" b="0"/>
+      </a:fillRef>
+      <a:effectRef idx="0">
+        <a:scrgbClr r="0" g="0" b="0"/>
+      </a:effectRef>
+      <a:fontRef idx="minor"/>
+    </dgm:style>
+  </dgm:styleLbl>
+  <dgm:styleLbl name="alignAcc1">
+    <dgm:scene3d>
+      <a:camera prst="orthographicFront"/>
+      <a:lightRig rig="threePt" dir="t"/>
+    </dgm:scene3d>
+    <dgm:sp3d/>
+    <dgm:txPr/>
+    <dgm:style>
+      <a:lnRef idx="2">
+        <a:scrgbClr r="0" g="0" b="0"/>
+      </a:lnRef>
+      <a:fillRef idx="1">
+        <a:scrgbClr r="0" g="0" b="0"/>
+      </a:fillRef>
+      <a:effectRef idx="0">
+        <a:scrgbClr r="0" g="0" b="0"/>
+      </a:effectRef>
+      <a:fontRef idx="minor"/>
+    </dgm:style>
+  </dgm:styleLbl>
+  <dgm:styleLbl name="trAlignAcc1">
+    <dgm:scene3d>
+      <a:camera prst="orthographicFront"/>
+      <a:lightRig rig="threePt" dir="t"/>
+    </dgm:scene3d>
+    <dgm:sp3d/>
+    <dgm:txPr/>
+    <dgm:style>
+      <a:lnRef idx="1">
+        <a:scrgbClr r="0" g="0" b="0"/>
+      </a:lnRef>
+      <a:fillRef idx="1">
+        <a:scrgbClr r="0" g="0" b="0"/>
+      </a:fillRef>
+      <a:effectRef idx="0">
+        <a:scrgbClr r="0" g="0" b="0"/>
+      </a:effectRef>
+      <a:fontRef idx="minor"/>
+    </dgm:style>
+  </dgm:styleLbl>
+  <dgm:styleLbl name="bgAcc1">
+    <dgm:scene3d>
+      <a:camera prst="orthographicFront"/>
+      <a:lightRig rig="threePt" dir="t"/>
+    </dgm:scene3d>
+    <dgm:sp3d/>
+    <dgm:txPr/>
+    <dgm:style>
+      <a:lnRef idx="2">
+        <a:scrgbClr r="0" g="0" b="0"/>
+      </a:lnRef>
+      <a:fillRef idx="1">
+        <a:scrgbClr r="0" g="0" b="0"/>
+      </a:fillRef>
+      <a:effectRef idx="0">
+        <a:scrgbClr r="0" g="0" b="0"/>
+      </a:effectRef>
+      <a:fontRef idx="minor"/>
+    </dgm:style>
+  </dgm:styleLbl>
+  <dgm:styleLbl name="solidFgAcc1">
+    <dgm:scene3d>
+      <a:camera prst="orthographicFront"/>
+      <a:lightRig rig="threePt" dir="t"/>
+    </dgm:scene3d>
+    <dgm:sp3d/>
+    <dgm:txPr/>
+    <dgm:style>
+      <a:lnRef idx="2">
+        <a:scrgbClr r="0" g="0" b="0"/>
+      </a:lnRef>
+      <a:fillRef idx="1">
+        <a:scrgbClr r="0" g="0" b="0"/>
+      </a:fillRef>
+      <a:effectRef idx="0">
+        <a:scrgbClr r="0" g="0" b="0"/>
+      </a:effectRef>
+      <a:fontRef idx="minor"/>
+    </dgm:style>
+  </dgm:styleLbl>
+  <dgm:styleLbl name="solidAlignAcc1">
+    <dgm:scene3d>
+      <a:camera prst="orthographicFront"/>
+      <a:lightRig rig="threePt" dir="t"/>
+    </dgm:scene3d>
+    <dgm:sp3d/>
+    <dgm:txPr/>
+    <dgm:style>
+      <a:lnRef idx="2">
+        <a:scrgbClr r="0" g="0" b="0"/>
+      </a:lnRef>
+      <a:fillRef idx="1">
+        <a:scrgbClr r="0" g="0" b="0"/>
+      </a:fillRef>
+      <a:effectRef idx="0">
+        <a:scrgbClr r="0" g="0" b="0"/>
+      </a:effectRef>
+      <a:fontRef idx="minor"/>
+    </dgm:style>
+  </dgm:styleLbl>
+  <dgm:styleLbl name="solidBgAcc1">
+    <dgm:scene3d>
+      <a:camera prst="orthographicFront"/>
+      <a:lightRig rig="threePt" dir="t"/>
+    </dgm:scene3d>
+    <dgm:sp3d/>
+    <dgm:txPr/>
+    <dgm:style>
+      <a:lnRef idx="2">
+        <a:scrgbClr r="0" g="0" b="0"/>
+      </a:lnRef>
+      <a:fillRef idx="1">
+        <a:scrgbClr r="0" g="0" b="0"/>
+      </a:fillRef>
+      <a:effectRef idx="0">
+        <a:scrgbClr r="0" g="0" b="0"/>
+      </a:effectRef>
+      <a:fontRef idx="minor"/>
+    </dgm:style>
+  </dgm:styleLbl>
+  <dgm:styleLbl name="fgAccFollowNode1">
+    <dgm:scene3d>
+      <a:camera prst="orthographicFront"/>
+      <a:lightRig rig="threePt" dir="t"/>
+    </dgm:scene3d>
+    <dgm:sp3d/>
+    <dgm:txPr/>
+    <dgm:style>
+      <a:lnRef idx="2">
+        <a:scrgbClr r="0" g="0" b="0"/>
+      </a:lnRef>
+      <a:fillRef idx="1">
+        <a:scrgbClr r="0" g="0" b="0"/>
+      </a:fillRef>
+      <a:effectRef idx="0">
+        <a:scrgbClr r="0" g="0" b="0"/>
+      </a:effectRef>
+      <a:fontRef idx="minor"/>
+    </dgm:style>
+  </dgm:styleLbl>
+  <dgm:styleLbl name="alignAccFollowNode1">
+    <dgm:scene3d>
+      <a:camera prst="orthographicFront"/>
+      <a:lightRig rig="threePt" dir="t"/>
+    </dgm:scene3d>
+    <dgm:sp3d/>
+    <dgm:txPr/>
+    <dgm:style>
+      <a:lnRef idx="2">
+        <a:scrgbClr r="0" g="0" b="0"/>
+      </a:lnRef>
+      <a:fillRef idx="1">
+        <a:scrgbClr r="0" g="0" b="0"/>
+      </a:fillRef>
+      <a:effectRef idx="0">
+        <a:scrgbClr r="0" g="0" b="0"/>
+      </a:effectRef>
+      <a:fontRef idx="minor"/>
+    </dgm:style>
+  </dgm:styleLbl>
+  <dgm:styleLbl name="bgAccFollowNode1">
+    <dgm:scene3d>
+      <a:camera prst="orthographicFront"/>
+      <a:lightRig rig="threePt" dir="t"/>
+    </dgm:scene3d>
+    <dgm:sp3d/>
+    <dgm:txPr/>
+    <dgm:style>
+      <a:lnRef idx="2">
+        <a:scrgbClr r="0" g="0" b="0"/>
+      </a:lnRef>
+      <a:fillRef idx="1">
+        <a:scrgbClr r="0" g="0" b="0"/>
+      </a:fillRef>
+      <a:effectRef idx="0">
+        <a:scrgbClr r="0" g="0" b="0"/>
+      </a:effectRef>
+      <a:fontRef idx="minor"/>
+    </dgm:style>
+  </dgm:styleLbl>
+  <dgm:styleLbl name="fgAcc0">
+    <dgm:scene3d>
+      <a:camera prst="orthographicFront"/>
+      <a:lightRig rig="threePt" dir="t"/>
+    </dgm:scene3d>
+    <dgm:sp3d/>
+    <dgm:txPr/>
+    <dgm:style>
+      <a:lnRef idx="2">
+        <a:scrgbClr r="0" g="0" b="0"/>
+      </a:lnRef>
+      <a:fillRef idx="1">
+        <a:scrgbClr r="0" g="0" b="0"/>
+      </a:fillRef>
+      <a:effectRef idx="0">
+        <a:scrgbClr r="0" g="0" b="0"/>
+      </a:effectRef>
+      <a:fontRef idx="minor"/>
+    </dgm:style>
+  </dgm:styleLbl>
+  <dgm:styleLbl name="fgAcc2">
+    <dgm:scene3d>
+      <a:camera prst="orthographicFront"/>
+      <a:lightRig rig="threePt" dir="t"/>
+    </dgm:scene3d>
+    <dgm:sp3d/>
+    <dgm:txPr/>
+    <dgm:style>
+      <a:lnRef idx="2">
+        <a:scrgbClr r="0" g="0" b="0"/>
+      </a:lnRef>
+      <a:fillRef idx="1">
+        <a:scrgbClr r="0" g="0" b="0"/>
+      </a:fillRef>
+      <a:effectRef idx="0">
+        <a:scrgbClr r="0" g="0" b="0"/>
+      </a:effectRef>
+      <a:fontRef idx="minor"/>
+    </dgm:style>
+  </dgm:styleLbl>
+  <dgm:styleLbl name="fgAcc3">
+    <dgm:scene3d>
+      <a:camera prst="orthographicFront"/>
+      <a:lightRig rig="threePt" dir="t"/>
+    </dgm:scene3d>
+    <dgm:sp3d/>
+    <dgm:txPr/>
+    <dgm:style>
+      <a:lnRef idx="2">
+        <a:scrgbClr r="0" g="0" b="0"/>
+      </a:lnRef>
+      <a:fillRef idx="1">
+        <a:scrgbClr r="0" g="0" b="0"/>
+      </a:fillRef>
+      <a:effectRef idx="0">
+        <a:scrgbClr r="0" g="0" b="0"/>
+      </a:effectRef>
+      <a:fontRef idx="minor"/>
+    </dgm:style>
+  </dgm:styleLbl>
+  <dgm:styleLbl name="fgAcc4">
+    <dgm:scene3d>
+      <a:camera prst="orthographicFront"/>
+      <a:lightRig rig="threePt" dir="t"/>
+    </dgm:scene3d>
+    <dgm:sp3d/>
+    <dgm:txPr/>
+    <dgm:style>
+      <a:lnRef idx="2">
+        <a:scrgbClr r="0" g="0" b="0"/>
+      </a:lnRef>
+      <a:fillRef idx="1">
+        <a:scrgbClr r="0" g="0" b="0"/>
+      </a:fillRef>
+      <a:effectRef idx="0">
+        <a:scrgbClr r="0" g="0" b="0"/>
+      </a:effectRef>
+      <a:fontRef idx="minor"/>
+    </dgm:style>
+  </dgm:styleLbl>
+  <dgm:styleLbl name="bgShp">
+    <dgm:scene3d>
+      <a:camera prst="orthographicFront"/>
+      <a:lightRig rig="threePt" dir="t"/>
+    </dgm:scene3d>
+    <dgm:sp3d/>
+    <dgm:txPr/>
+    <dgm:style>
+      <a:lnRef idx="0">
+        <a:scrgbClr r="0" g="0" b="0"/>
+      </a:lnRef>
+      <a:fillRef idx="1">
+        <a:scrgbClr r="0" g="0" b="0"/>
+      </a:fillRef>
+      <a:effectRef idx="0">
+        <a:scrgbClr r="0" g="0" b="0"/>
+      </a:effectRef>
+      <a:fontRef idx="minor"/>
+    </dgm:style>
+  </dgm:styleLbl>
+  <dgm:styleLbl name="dkBgShp">
+    <dgm:scene3d>
+      <a:camera prst="orthographicFront"/>
+      <a:lightRig rig="threePt" dir="t"/>
+    </dgm:scene3d>
+    <dgm:sp3d/>
+    <dgm:txPr/>
+    <dgm:style>
+      <a:lnRef idx="0">
+        <a:scrgbClr r="0" g="0" b="0"/>
+      </a:lnRef>
+      <a:fillRef idx="1">
+        <a:scrgbClr r="0" g="0" b="0"/>
+      </a:fillRef>
+      <a:effectRef idx="0">
+        <a:scrgbClr r="0" g="0" b="0"/>
+      </a:effectRef>
+      <a:fontRef idx="minor"/>
+    </dgm:style>
+  </dgm:styleLbl>
+  <dgm:styleLbl name="trBgShp">
+    <dgm:scene3d>
+      <a:camera prst="orthographicFront"/>
+      <a:lightRig rig="threePt" dir="t"/>
+    </dgm:scene3d>
+    <dgm:sp3d/>
+    <dgm:txPr/>
+    <dgm:style>
+      <a:lnRef idx="0">
+        <a:scrgbClr r="0" g="0" b="0"/>
+      </a:lnRef>
+      <a:fillRef idx="1">
+        <a:scrgbClr r="0" g="0" b="0"/>
+      </a:fillRef>
+      <a:effectRef idx="0">
+        <a:scrgbClr r="0" g="0" b="0"/>
+      </a:effectRef>
+      <a:fontRef idx="minor"/>
+    </dgm:style>
+  </dgm:styleLbl>
+  <dgm:styleLbl name="fgShp">
+    <dgm:scene3d>
+      <a:camera prst="orthographicFront"/>
+      <a:lightRig rig="threePt" dir="t"/>
+    </dgm:scene3d>
+    <dgm:sp3d/>
+    <dgm:txPr/>
+    <dgm:style>
+      <a:lnRef idx="2">
+        <a:scrgbClr r="0" g="0" b="0"/>
+      </a:lnRef>
+      <a:fillRef idx="1">
+        <a:scrgbClr r="0" g="0" b="0"/>
+      </a:fillRef>
+      <a:effectRef idx="0">
+        <a:scrgbClr r="0" g="0" b="0"/>
+      </a:effectRef>
+      <a:fontRef idx="minor"/>
+    </dgm:style>
+  </dgm:styleLbl>
+  <dgm:styleLbl name="revTx">
+    <dgm:scene3d>
+      <a:camera prst="orthographicFront"/>
+      <a:lightRig rig="threePt" dir="t"/>
+    </dgm:scene3d>
+    <dgm:sp3d/>
+    <dgm:txPr/>
+    <dgm:style>
+      <a:lnRef idx="0">
+        <a:scrgbClr r="0" g="0" b="0"/>
+      </a:lnRef>
+      <a:fillRef idx="0">
+        <a:scrgbClr r="0" g="0" b="0"/>
+      </a:fillRef>
+      <a:effectRef idx="0">
+        <a:scrgbClr r="0" g="0" b="0"/>
+      </a:effectRef>
+      <a:fontRef idx="minor"/>
+    </dgm:style>
+  </dgm:styleLbl>
+</dgm:styleDef>
+</file>
+
 <file path=ppt/notesMasters/notesMaster1.xml><?xml version="1.0" encoding="utf-8"?>
 <p:notesMaster xmlns:a="http://schemas.openxmlformats.org/drawingml/2006/main" xmlns:r="http://schemas.openxmlformats.org/officeDocument/2006/relationships" xmlns:p="http://schemas.openxmlformats.org/presentationml/2006/main">
   <p:cSld>
@@ -1069,7 +6755,7 @@
             <a:fld id="{F0273CCD-678B-4578-A869-B19D87CF52CF}" type="datetimeFigureOut">
               <a:rPr lang="en-US" smtClean="0"/>
               <a:pPr/>
-              <a:t>4/12/2017</a:t>
+              <a:t>4/17/2017</a:t>
             </a:fld>
             <a:endParaRPr lang="en-US"/>
           </a:p>
@@ -1806,6 +7492,28 @@
           <a:chExt cx="0" cy="0"/>
         </a:xfrm>
       </p:grpSpPr>
+      <p:graphicFrame>
+        <p:nvGraphicFramePr>
+          <p:cNvPr id="12" name="Diagram 11"/>
+          <p:cNvGraphicFramePr/>
+          <p:nvPr>
+            <p:extLst>
+              <p:ext uri="{D42A27DB-BD31-4B8C-83A1-F6EECF244321}">
+                <p14:modId xmlns:p14="http://schemas.microsoft.com/office/powerpoint/2010/main" val="4150738260"/>
+              </p:ext>
+            </p:extLst>
+          </p:nvPr>
+        </p:nvGraphicFramePr>
+        <p:xfrm>
+          <a:off x="8067965" y="4343320"/>
+          <a:ext cx="5800435" cy="3028298"/>
+        </p:xfrm>
+        <a:graphic>
+          <a:graphicData uri="http://schemas.openxmlformats.org/drawingml/2006/diagram">
+            <dgm:relIds xmlns:dgm="http://schemas.openxmlformats.org/drawingml/2006/diagram" xmlns:r="http://schemas.openxmlformats.org/officeDocument/2006/relationships" r:dm="rId2" r:lo="rId3" r:qs="rId4" r:cs="rId5"/>
+          </a:graphicData>
+        </a:graphic>
+      </p:graphicFrame>
       <p:sp>
         <p:nvSpPr>
           <p:cNvPr id="2" name="TextBox 1"/>
@@ -1909,7 +7617,6 @@
               <a:rPr lang="en-US" sz="1800" dirty="0"/>
               <a:t>New model proven which can be used in many industries</a:t>
             </a:r>
-            <a:endParaRPr lang="en-US" sz="1800" dirty="0"/>
           </a:p>
         </p:txBody>
       </p:sp>
@@ -1984,7 +7691,11 @@
             </a:pPr>
             <a:r>
               <a:rPr lang="en-US" sz="1800" dirty="0" smtClean="0"/>
-              <a:t>Complete seminal research into digital assistants</a:t>
+              <a:t>Conduct </a:t>
+            </a:r>
+            <a:r>
+              <a:rPr lang="en-US" sz="1800" dirty="0" smtClean="0"/>
+              <a:t>seminal research into digital assistants</a:t>
             </a:r>
             <a:endParaRPr lang="en-US" sz="1800" dirty="0"/>
           </a:p>
@@ -2051,18 +7762,13 @@
           <a:p>
             <a:pPr algn="ctr"/>
             <a:r>
-              <a:rPr lang="en-US" sz="2600" b="1">
+              <a:rPr lang="en-US" sz="2600" b="1" dirty="0">
                 <a:solidFill>
                   <a:schemeClr val="bg1"/>
                 </a:solidFill>
               </a:rPr>
               <a:t>APPROACH (RESEARCH METHODS)</a:t>
             </a:r>
-            <a:endParaRPr lang="en-US" sz="2600" b="1" dirty="0">
-              <a:solidFill>
-                <a:schemeClr val="bg1"/>
-              </a:solidFill>
-            </a:endParaRPr>
           </a:p>
         </p:txBody>
       </p:sp>
@@ -2116,7 +7822,6 @@
               <a:rPr lang="en-US" sz="1800" dirty="0"/>
               <a:t>With these features we will define a state space, action space and reward signal that we can train an assistive agent for</a:t>
             </a:r>
-            <a:endParaRPr lang="en-US" sz="1800" dirty="0"/>
           </a:p>
         </p:txBody>
       </p:sp>
@@ -2129,7 +7834,7 @@
         <p:spPr>
           <a:xfrm>
             <a:off x="8071104" y="3431370"/>
-            <a:ext cx="5791200" cy="1722042"/>
+            <a:ext cx="5791200" cy="1168044"/>
           </a:xfrm>
           <a:prstGeom prst="rect">
             <a:avLst/>
@@ -2147,8 +7852,8 @@
               <a:buChar char="•"/>
             </a:pPr>
             <a:r>
-              <a:rPr lang="en-US" sz="1800" dirty="0"/>
-              <a:t>Demonstrate applicability of the Reinforcement Learning framework to assisting SRL’s</a:t>
+              <a:rPr lang="en-US" sz="1800" dirty="0" smtClean="0"/>
+              <a:t>Meet legal needs without increasing federal spending</a:t>
             </a:r>
           </a:p>
           <a:p>
@@ -2158,16 +7863,9 @@
             </a:pPr>
             <a:r>
               <a:rPr lang="en-US" sz="1800" dirty="0" smtClean="0"/>
-              <a:t>Increase </a:t>
+              <a:t>Give truly helpful and personalized assistance to SRLs</a:t>
             </a:r>
-            <a:r>
-              <a:rPr lang="en-US" sz="1800" dirty="0"/>
-              <a:t>understanding of how to represent human agents within an RL agent’s state </a:t>
-            </a:r>
-            <a:r>
-              <a:rPr lang="en-US" sz="1800" dirty="0" smtClean="0"/>
-              <a:t>space</a:t>
-            </a:r>
+            <a:endParaRPr lang="en-US" sz="1800" dirty="0"/>
           </a:p>
           <a:p>
             <a:pPr marL="446035" indent="-446035">
@@ -2176,7 +7874,7 @@
             </a:pPr>
             <a:r>
               <a:rPr lang="en-US" sz="1800" dirty="0" smtClean="0"/>
-              <a:t>Educate students in Reinforcement Learning application</a:t>
+              <a:t>Connect SRLs with attorneys and courts when needed</a:t>
             </a:r>
           </a:p>
           <a:p>
@@ -2294,8 +7992,33 @@
             </a:pPr>
             <a:r>
               <a:rPr lang="en-US" sz="1800" dirty="0" smtClean="0"/>
-              <a:t>Fewer than one in five low-income individuals receive the legal help which they need.</a:t>
+              <a:t>In America today fewer </a:t>
             </a:r>
+            <a:r>
+              <a:rPr lang="en-US" sz="1800" dirty="0" smtClean="0"/>
+              <a:t>than one in five low-income individuals </a:t>
+            </a:r>
+            <a:r>
+              <a:rPr lang="en-US" sz="1800" dirty="0" smtClean="0"/>
+              <a:t>have access to </a:t>
+            </a:r>
+            <a:r>
+              <a:rPr lang="en-US" sz="1800" dirty="0" smtClean="0"/>
+              <a:t>the </a:t>
+            </a:r>
+            <a:r>
+              <a:rPr lang="en-US" sz="1800" dirty="0" smtClean="0"/>
+              <a:t>legal help </a:t>
+            </a:r>
+            <a:r>
+              <a:rPr lang="en-US" sz="1800" dirty="0" smtClean="0"/>
+              <a:t>they need</a:t>
+            </a:r>
+            <a:r>
+              <a:rPr lang="en-US" sz="1800" baseline="30000" dirty="0"/>
+              <a:t>1</a:t>
+            </a:r>
+            <a:endParaRPr lang="en-US" sz="1800" dirty="0" smtClean="0"/>
           </a:p>
           <a:p>
             <a:pPr marL="446035" indent="-446035">
@@ -2304,8 +8027,33 @@
             </a:pPr>
             <a:r>
               <a:rPr lang="en-US" sz="1800" dirty="0" smtClean="0"/>
-              <a:t>To meet this need federal spending on legal aid needs to increase to $1.6 billion.</a:t>
+              <a:t>To meet this need </a:t>
             </a:r>
+            <a:r>
+              <a:rPr lang="en-US" sz="1800" dirty="0" smtClean="0"/>
+              <a:t>it is estimated that federal </a:t>
+            </a:r>
+            <a:r>
+              <a:rPr lang="en-US" sz="1800" dirty="0" smtClean="0"/>
+              <a:t>spending on legal aid needs to increase </a:t>
+            </a:r>
+            <a:r>
+              <a:rPr lang="en-US" sz="1800" dirty="0" smtClean="0"/>
+              <a:t>from $300M to </a:t>
+            </a:r>
+            <a:r>
+              <a:rPr lang="en-US" sz="1800" dirty="0" smtClean="0"/>
+              <a:t>$</a:t>
+            </a:r>
+            <a:r>
+              <a:rPr lang="en-US" sz="1800" dirty="0" smtClean="0"/>
+              <a:t>1.6B</a:t>
+            </a:r>
+            <a:r>
+              <a:rPr lang="en-US" sz="1800" baseline="30000" dirty="0" smtClean="0"/>
+              <a:t>1</a:t>
+            </a:r>
+            <a:endParaRPr lang="en-US" sz="1800" baseline="30000" dirty="0" smtClean="0"/>
           </a:p>
         </p:txBody>
       </p:sp>
@@ -2376,23 +8124,31 @@
           <a:p>
             <a:pPr algn="ctr"/>
             <a:r>
+              <a:rPr lang="en-US" sz="3500" b="1" dirty="0">
+                <a:solidFill>
+                  <a:prstClr val="black"/>
+                </a:solidFill>
+                <a:ea typeface="MingLiU" pitchFamily="49" charset="-120"/>
+              </a:rPr>
+              <a:t>Assistive Agents for Self-Represented </a:t>
+            </a:r>
+            <a:r>
               <a:rPr lang="en-US" sz="3500" b="1" dirty="0" smtClean="0">
                 <a:solidFill>
                   <a:prstClr val="black"/>
                 </a:solidFill>
                 <a:ea typeface="MingLiU" pitchFamily="49" charset="-120"/>
               </a:rPr>
-              <a:t>&lt;Project Title&gt;</a:t>
+              <a:t>Litigants</a:t>
             </a:r>
-            <a:endParaRPr lang="en-US" sz="3500" b="1" dirty="0">
-              <a:solidFill>
-                <a:prstClr val="black"/>
-              </a:solidFill>
-              <a:ea typeface="MingLiU" pitchFamily="49" charset="-120"/>
-            </a:endParaRPr>
           </a:p>
           <a:p>
-            <a:pPr algn="ctr"/>
+            <a:pPr>
+              <a:tabLst>
+                <a:tab pos="5876925" algn="l"/>
+                <a:tab pos="11704638" algn="l"/>
+              </a:tabLst>
+            </a:pPr>
             <a:r>
               <a:rPr lang="en-US" sz="2300" dirty="0" smtClean="0">
                 <a:solidFill>
@@ -2400,70 +8156,7 @@
                 </a:solidFill>
                 <a:ea typeface="MingLiU" pitchFamily="49" charset="-120"/>
               </a:rPr>
-              <a:t>&lt;PI</a:t>
-            </a:r>
-            <a:r>
-              <a:rPr lang="en-US" sz="2300" baseline="30000" dirty="0" smtClean="0">
-                <a:solidFill>
-                  <a:prstClr val="black"/>
-                </a:solidFill>
-                <a:ea typeface="MingLiU" pitchFamily="49" charset="-120"/>
-              </a:rPr>
-              <a:t>1</a:t>
-            </a:r>
-            <a:r>
-              <a:rPr lang="en-US" sz="2300" dirty="0">
-                <a:solidFill>
-                  <a:prstClr val="black"/>
-                </a:solidFill>
-                <a:ea typeface="MingLiU" pitchFamily="49" charset="-120"/>
-              </a:rPr>
-              <a:t>, PI</a:t>
-            </a:r>
-            <a:r>
-              <a:rPr lang="en-US" sz="2300" baseline="30000" dirty="0">
-                <a:solidFill>
-                  <a:prstClr val="black"/>
-                </a:solidFill>
-                <a:ea typeface="MingLiU" pitchFamily="49" charset="-120"/>
-              </a:rPr>
-              <a:t>2</a:t>
-            </a:r>
-            <a:r>
-              <a:rPr lang="en-US" sz="2300" dirty="0">
-                <a:solidFill>
-                  <a:prstClr val="black"/>
-                </a:solidFill>
-                <a:ea typeface="MingLiU" pitchFamily="49" charset="-120"/>
-              </a:rPr>
-              <a:t>, </a:t>
-            </a:r>
-            <a:r>
-              <a:rPr lang="en-US" sz="2300" dirty="0" smtClean="0">
-                <a:solidFill>
-                  <a:prstClr val="black"/>
-                </a:solidFill>
-                <a:ea typeface="MingLiU" pitchFamily="49" charset="-120"/>
-              </a:rPr>
-              <a:t>PI</a:t>
-            </a:r>
-            <a:r>
-              <a:rPr lang="en-US" sz="2300" baseline="30000" dirty="0" smtClean="0">
-                <a:solidFill>
-                  <a:prstClr val="black"/>
-                </a:solidFill>
-                <a:ea typeface="MingLiU" pitchFamily="49" charset="-120"/>
-              </a:rPr>
-              <a:t>3</a:t>
-            </a:r>
-            <a:r>
-              <a:rPr lang="en-US" sz="2300" dirty="0">
-                <a:solidFill>
-                  <a:prstClr val="black"/>
-                </a:solidFill>
-                <a:ea typeface="MingLiU" pitchFamily="49" charset="-120"/>
-              </a:rPr>
-              <a:t>&gt;</a:t>
+              <a:t>	Mark Rucker and Matthew S. Gerber	Daniel Becker</a:t>
             </a:r>
             <a:endParaRPr lang="en-US" sz="2300" baseline="30000" dirty="0">
               <a:solidFill>
@@ -2473,7 +8166,12 @@
             </a:endParaRPr>
           </a:p>
           <a:p>
-            <a:pPr algn="ctr"/>
+            <a:pPr>
+              <a:tabLst>
+                <a:tab pos="5876925" algn="l"/>
+                <a:tab pos="11704638" algn="l"/>
+              </a:tabLst>
+            </a:pPr>
             <a:r>
               <a:rPr lang="en-US" sz="1800" dirty="0" smtClean="0">
                 <a:solidFill>
@@ -2481,68 +8179,8 @@
                 </a:solidFill>
                 <a:ea typeface="MingLiU" pitchFamily="49" charset="-120"/>
               </a:rPr>
-              <a:t>&lt;University</a:t>
+              <a:t>	University of Virginia	Thomson Reuters</a:t>
             </a:r>
-            <a:r>
-              <a:rPr lang="en-US" sz="1800" baseline="30000" dirty="0" smtClean="0">
-                <a:solidFill>
-                  <a:prstClr val="black"/>
-                </a:solidFill>
-                <a:ea typeface="MingLiU" pitchFamily="49" charset="-120"/>
-              </a:rPr>
-              <a:t>1</a:t>
-            </a:r>
-            <a:r>
-              <a:rPr lang="en-US" sz="1800" dirty="0" smtClean="0">
-                <a:solidFill>
-                  <a:prstClr val="black"/>
-                </a:solidFill>
-                <a:ea typeface="MingLiU" pitchFamily="49" charset="-120"/>
-              </a:rPr>
-              <a:t>, University</a:t>
-            </a:r>
-            <a:r>
-              <a:rPr lang="en-US" sz="1800" baseline="30000" dirty="0" smtClean="0">
-                <a:solidFill>
-                  <a:prstClr val="black"/>
-                </a:solidFill>
-                <a:ea typeface="MingLiU" pitchFamily="49" charset="-120"/>
-              </a:rPr>
-              <a:t>2</a:t>
-            </a:r>
-            <a:r>
-              <a:rPr lang="en-US" sz="1800" dirty="0" smtClean="0">
-                <a:solidFill>
-                  <a:prstClr val="black"/>
-                </a:solidFill>
-                <a:ea typeface="MingLiU" pitchFamily="49" charset="-120"/>
-              </a:rPr>
-              <a:t>, University</a:t>
-            </a:r>
-            <a:r>
-              <a:rPr lang="en-US" sz="1800" baseline="30000" dirty="0">
-                <a:solidFill>
-                  <a:prstClr val="black"/>
-                </a:solidFill>
-                <a:ea typeface="MingLiU" pitchFamily="49" charset="-120"/>
-              </a:rPr>
-              <a:t>3</a:t>
-            </a:r>
-            <a:r>
-              <a:rPr lang="en-US" sz="1800" dirty="0" smtClean="0">
-                <a:solidFill>
-                  <a:prstClr val="black"/>
-                </a:solidFill>
-                <a:ea typeface="MingLiU" pitchFamily="49" charset="-120"/>
-              </a:rPr>
-              <a:t>&gt;</a:t>
-            </a:r>
-            <a:endParaRPr lang="en-US" sz="1800" baseline="30000" dirty="0">
-              <a:solidFill>
-                <a:prstClr val="black"/>
-              </a:solidFill>
-              <a:ea typeface="MingLiU" pitchFamily="49" charset="-120"/>
-            </a:endParaRPr>
           </a:p>
         </p:txBody>
       </p:sp>
@@ -2620,7 +8258,7 @@
           <p:nvPr>
             <p:extLst>
               <p:ext uri="{D42A27DB-BD31-4B8C-83A1-F6EECF244321}">
-                <p14:modId xmlns:p14="http://schemas.microsoft.com/office/powerpoint/2010/main" val="2316503478"/>
+                <p14:modId xmlns:p14="http://schemas.microsoft.com/office/powerpoint/2010/main" val="3819063114"/>
               </p:ext>
             </p:extLst>
           </p:nvPr>
@@ -2631,68 +8269,10 @@
         </p:xfrm>
         <a:graphic>
           <a:graphicData uri="http://schemas.openxmlformats.org/drawingml/2006/chart">
-            <c:chart xmlns:c="http://schemas.openxmlformats.org/drawingml/2006/chart" xmlns:r="http://schemas.openxmlformats.org/officeDocument/2006/relationships" r:id="rId2"/>
+            <c:chart xmlns:c="http://schemas.openxmlformats.org/drawingml/2006/chart" xmlns:r="http://schemas.openxmlformats.org/officeDocument/2006/relationships" r:id="rId7"/>
           </a:graphicData>
         </a:graphic>
       </p:graphicFrame>
-      <p:pic>
-        <p:nvPicPr>
-          <p:cNvPr id="17" name="Picture 16"/>
-          <p:cNvPicPr>
-            <a:picLocks noChangeAspect="1"/>
-          </p:cNvPicPr>
-          <p:nvPr/>
-        </p:nvPicPr>
-        <p:blipFill>
-          <a:blip r:embed="rId3"/>
-          <a:stretch>
-            <a:fillRect/>
-          </a:stretch>
-        </p:blipFill>
-        <p:spPr>
-          <a:xfrm>
-            <a:off x="15310157" y="4958118"/>
-            <a:ext cx="2568031" cy="1747948"/>
-          </a:xfrm>
-          <a:prstGeom prst="rect">
-            <a:avLst/>
-          </a:prstGeom>
-          <a:ln>
-            <a:solidFill>
-              <a:schemeClr val="tx1"/>
-            </a:solidFill>
-          </a:ln>
-        </p:spPr>
-      </p:pic>
-      <p:pic>
-        <p:nvPicPr>
-          <p:cNvPr id="20" name="Picture 19"/>
-          <p:cNvPicPr>
-            <a:picLocks noChangeAspect="1"/>
-          </p:cNvPicPr>
-          <p:nvPr/>
-        </p:nvPicPr>
-        <p:blipFill>
-          <a:blip r:embed="rId4"/>
-          <a:stretch>
-            <a:fillRect/>
-          </a:stretch>
-        </p:blipFill>
-        <p:spPr>
-          <a:xfrm>
-            <a:off x="18205757" y="4953000"/>
-            <a:ext cx="2215843" cy="1753065"/>
-          </a:xfrm>
-          <a:prstGeom prst="rect">
-            <a:avLst/>
-          </a:prstGeom>
-          <a:ln>
-            <a:solidFill>
-              <a:schemeClr val="tx1"/>
-            </a:solidFill>
-          </a:ln>
-        </p:spPr>
-      </p:pic>
       <p:sp>
         <p:nvSpPr>
           <p:cNvPr id="21" name="Rounded Rectangle 20"/>
@@ -2822,6 +8402,174 @@
               <a:t>Source</a:t>
             </a:r>
             <a:endParaRPr lang="en-US" dirty="0"/>
+          </a:p>
+        </p:txBody>
+      </p:sp>
+      <p:sp>
+        <p:nvSpPr>
+          <p:cNvPr id="11" name="TextBox 10"/>
+          <p:cNvSpPr txBox="1"/>
+          <p:nvPr/>
+        </p:nvSpPr>
+        <p:spPr>
+          <a:xfrm>
+            <a:off x="1295400" y="7114401"/>
+            <a:ext cx="5562600" cy="461665"/>
+          </a:xfrm>
+          <a:prstGeom prst="rect">
+            <a:avLst/>
+          </a:prstGeom>
+          <a:noFill/>
+        </p:spPr>
+        <p:txBody>
+          <a:bodyPr wrap="square" rtlCol="0">
+            <a:spAutoFit/>
+          </a:bodyPr>
+          <a:lstStyle/>
+          <a:p>
+            <a:pPr marL="228600" indent="-228600">
+              <a:buAutoNum type="arabicPeriod"/>
+            </a:pPr>
+            <a:r>
+              <a:rPr lang="en-US" sz="1200" dirty="0" smtClean="0"/>
+              <a:t>Documenting The Justice Gap In America 2009</a:t>
+            </a:r>
+          </a:p>
+          <a:p>
+            <a:pPr marL="228600" indent="-228600">
+              <a:buAutoNum type="arabicPeriod"/>
+            </a:pPr>
+            <a:r>
+              <a:rPr lang="en-US" sz="1200" dirty="0" smtClean="0"/>
+              <a:t>Legal </a:t>
+            </a:r>
+            <a:r>
+              <a:rPr lang="en-US" sz="1200" dirty="0"/>
+              <a:t>Services Corporation Funding </a:t>
+            </a:r>
+            <a:r>
+              <a:rPr lang="en-US" sz="1200" dirty="0" smtClean="0"/>
+              <a:t>(www.lsc.gov/lsc-funding)</a:t>
+            </a:r>
+            <a:endParaRPr lang="en-US" sz="1200" dirty="0"/>
+          </a:p>
+        </p:txBody>
+      </p:sp>
+      <p:pic>
+        <p:nvPicPr>
+          <p:cNvPr id="22" name="Picture 21"/>
+          <p:cNvPicPr>
+            <a:picLocks noChangeAspect="1"/>
+          </p:cNvPicPr>
+          <p:nvPr/>
+        </p:nvPicPr>
+        <p:blipFill>
+          <a:blip r:embed="rId8"/>
+          <a:stretch>
+            <a:fillRect/>
+          </a:stretch>
+        </p:blipFill>
+        <p:spPr>
+          <a:xfrm>
+            <a:off x="15011400" y="4648200"/>
+            <a:ext cx="3962400" cy="1449942"/>
+          </a:xfrm>
+          <a:prstGeom prst="rect">
+            <a:avLst/>
+          </a:prstGeom>
+          <a:ln>
+            <a:solidFill>
+              <a:schemeClr val="tx1"/>
+            </a:solidFill>
+          </a:ln>
+        </p:spPr>
+      </p:pic>
+      <p:sp>
+        <p:nvSpPr>
+          <p:cNvPr id="25" name="TextBox 24"/>
+          <p:cNvSpPr txBox="1"/>
+          <p:nvPr/>
+        </p:nvSpPr>
+        <p:spPr>
+          <a:xfrm>
+            <a:off x="19050000" y="4648200"/>
+            <a:ext cx="1743456" cy="1384995"/>
+          </a:xfrm>
+          <a:prstGeom prst="rect">
+            <a:avLst/>
+          </a:prstGeom>
+          <a:noFill/>
+        </p:spPr>
+        <p:txBody>
+          <a:bodyPr wrap="square" rtlCol="0">
+            <a:spAutoFit/>
+          </a:bodyPr>
+          <a:lstStyle/>
+          <a:p>
+            <a:r>
+              <a:rPr lang="en-US" sz="1400" dirty="0" smtClean="0"/>
+              <a:t>Statistical analysis  of simulated behavior. There are three clear groups even though two are known to be similar</a:t>
+            </a:r>
+            <a:endParaRPr lang="en-US" sz="1400" dirty="0"/>
+          </a:p>
+        </p:txBody>
+      </p:sp>
+      <p:pic>
+        <p:nvPicPr>
+          <p:cNvPr id="26" name="Picture 25"/>
+          <p:cNvPicPr>
+            <a:picLocks noChangeAspect="1"/>
+          </p:cNvPicPr>
+          <p:nvPr/>
+        </p:nvPicPr>
+        <p:blipFill>
+          <a:blip r:embed="rId9"/>
+          <a:stretch>
+            <a:fillRect/>
+          </a:stretch>
+        </p:blipFill>
+        <p:spPr>
+          <a:xfrm>
+            <a:off x="16535400" y="6308037"/>
+            <a:ext cx="4433767" cy="1540563"/>
+          </a:xfrm>
+          <a:prstGeom prst="rect">
+            <a:avLst/>
+          </a:prstGeom>
+          <a:ln>
+            <a:solidFill>
+              <a:schemeClr val="tx1"/>
+            </a:solidFill>
+          </a:ln>
+        </p:spPr>
+      </p:pic>
+      <p:sp>
+        <p:nvSpPr>
+          <p:cNvPr id="28" name="TextBox 27"/>
+          <p:cNvSpPr txBox="1"/>
+          <p:nvPr/>
+        </p:nvSpPr>
+        <p:spPr>
+          <a:xfrm>
+            <a:off x="14932769" y="6191071"/>
+            <a:ext cx="1743456" cy="1815882"/>
+          </a:xfrm>
+          <a:prstGeom prst="rect">
+            <a:avLst/>
+          </a:prstGeom>
+          <a:noFill/>
+        </p:spPr>
+        <p:txBody>
+          <a:bodyPr wrap="square" rtlCol="0">
+            <a:spAutoFit/>
+          </a:bodyPr>
+          <a:lstStyle/>
+          <a:p>
+            <a:r>
+              <a:rPr lang="en-US" sz="1400" dirty="0" smtClean="0"/>
+              <a:t>Analysis  of learned intents from simulated behavior. Here we see group 2(a) and (b) begin to look similar despite different behaviors above</a:t>
+            </a:r>
+            <a:endParaRPr lang="en-US" sz="1400" dirty="0"/>
           </a:p>
         </p:txBody>
       </p:sp>
